--- a/CQC攻略.pptx
+++ b/CQC攻略.pptx
@@ -237,7 +237,7 @@
                 <a:latin typeface="ＭＳ 明朝" panose="02020609040205080304" pitchFamily="17" charset="-128"/>
                 <a:ea typeface="ＭＳ 明朝" panose="02020609040205080304" pitchFamily="17" charset="-128"/>
               </a:rPr>
-              <a:t>2020年9月17日</a:t>
+              <a:t>2020年9月18日</a:t>
             </a:fld>
             <a:endParaRPr lang="en-US">
               <a:latin typeface="ＭＳ 明朝" panose="02020609040205080304" pitchFamily="17" charset="-128"/>
@@ -424,7 +424,7 @@
             <a:fld id="{30389980-3DE9-4702-8CE7-20043EFDAF6C}" type="datetime4">
               <a:rPr lang="ja-JP" altLang="en-US" smtClean="0"/>
               <a:pPr/>
-              <a:t>2020年9月17日</a:t>
+              <a:t>2020年9月18日</a:t>
             </a:fld>
             <a:endParaRPr lang="en-US"/>
           </a:p>
@@ -879,7 +879,7 @@
           <a:p>
             <a:fld id="{5ADD3B2F-B41F-7942-990C-7D7FFD69CA5F}" type="datetimeFigureOut">
               <a:rPr kumimoji="1" lang="ja-JP" altLang="en-US" smtClean="0"/>
-              <a:t>2020/9/17</a:t>
+              <a:t>2020/9/18</a:t>
             </a:fld>
             <a:endParaRPr kumimoji="1" lang="ja-JP" altLang="en-US"/>
           </a:p>
@@ -7617,11 +7617,54 @@
         </p:blipFill>
         <p:spPr>
           <a:xfrm>
-            <a:off x="759823" y="1690688"/>
+            <a:off x="759823" y="2160951"/>
             <a:ext cx="10515600" cy="1980010"/>
           </a:xfrm>
         </p:spPr>
       </p:pic>
+      <p:sp>
+        <p:nvSpPr>
+          <p:cNvPr id="3" name="テキスト ボックス 2">
+            <a:extLst>
+              <a:ext uri="{FF2B5EF4-FFF2-40B4-BE49-F238E27FC236}">
+                <a16:creationId xmlns:a16="http://schemas.microsoft.com/office/drawing/2014/main" id="{8E1127C2-2E2D-3F42-9E7F-AE249EABD307}"/>
+              </a:ext>
+            </a:extLst>
+          </p:cNvPr>
+          <p:cNvSpPr txBox="1"/>
+          <p:nvPr/>
+        </p:nvSpPr>
+        <p:spPr>
+          <a:xfrm>
+            <a:off x="838200" y="1494689"/>
+            <a:ext cx="7725192" cy="523220"/>
+          </a:xfrm>
+          <a:prstGeom prst="rect">
+            <a:avLst/>
+          </a:prstGeom>
+          <a:noFill/>
+        </p:spPr>
+        <p:txBody>
+          <a:bodyPr wrap="none" rtlCol="0">
+            <a:spAutoFit/>
+          </a:bodyPr>
+          <a:lstStyle/>
+          <a:p>
+            <a:r>
+              <a:rPr kumimoji="1" lang="ja-JP" altLang="en-US" sz="2800">
+                <a:solidFill>
+                  <a:schemeClr val="accent5">
+                    <a:lumMod val="50000"/>
+                  </a:schemeClr>
+                </a:solidFill>
+                <a:latin typeface="Hiragino Maru Gothic Pro W4" panose="020F0400000000000000" pitchFamily="34" charset="-128"/>
+                <a:ea typeface="Hiragino Maru Gothic Pro W4" panose="020F0400000000000000" pitchFamily="34" charset="-128"/>
+              </a:rPr>
+              <a:t>これは運営まわりの話ですが記載しときます。</a:t>
+            </a:r>
+          </a:p>
+        </p:txBody>
+      </p:sp>
     </p:spTree>
     <p:extLst>
       <p:ext uri="{BB962C8B-B14F-4D97-AF65-F5344CB8AC3E}">

--- a/CQC攻略.pptx
+++ b/CQC攻略.pptx
@@ -6418,13 +6418,13 @@
         </p:spPr>
         <p:txBody>
           <a:bodyPr>
-            <a:normAutofit/>
+            <a:normAutofit lnSpcReduction="10000"/>
           </a:bodyPr>
           <a:lstStyle/>
           <a:p>
             <a:pPr marL="502920" indent="-457200"/>
             <a:r>
-              <a:rPr lang="en-US" altLang="ja-JP" sz="2000" dirty="0">
+              <a:rPr lang="en-US" altLang="ja-JP" sz="1800" dirty="0">
                 <a:solidFill>
                   <a:schemeClr val="accent5">
                     <a:lumMod val="50000"/>
@@ -6436,7 +6436,7 @@
               <a:t>9/19(</a:t>
             </a:r>
             <a:r>
-              <a:rPr lang="ja-JP" altLang="en-US" sz="2000">
+              <a:rPr lang="ja-JP" altLang="en-US" sz="1800">
                 <a:solidFill>
                   <a:schemeClr val="accent5">
                     <a:lumMod val="50000"/>
@@ -6448,7 +6448,7 @@
               <a:t>土</a:t>
             </a:r>
             <a:r>
-              <a:rPr lang="en-US" altLang="ja-JP" sz="2000" dirty="0">
+              <a:rPr lang="en-US" altLang="ja-JP" sz="1800" dirty="0">
                 <a:solidFill>
                   <a:schemeClr val="accent5">
                     <a:lumMod val="50000"/>
@@ -6460,7 +6460,7 @@
               <a:t>) 11:00 - 23:00</a:t>
             </a:r>
             <a:r>
-              <a:rPr lang="ja-JP" altLang="en-US" sz="2000">
+              <a:rPr lang="ja-JP" altLang="en-US" sz="1800">
                 <a:solidFill>
                   <a:schemeClr val="accent5">
                     <a:lumMod val="50000"/>
@@ -6472,7 +6472,7 @@
               <a:t>「まほらま</a:t>
             </a:r>
             <a:r>
-              <a:rPr lang="en-US" altLang="ja-JP" sz="2000" dirty="0">
+              <a:rPr lang="en-US" altLang="ja-JP" sz="1800" dirty="0">
                 <a:solidFill>
                   <a:schemeClr val="accent5">
                     <a:lumMod val="50000"/>
@@ -6484,7 +6484,7 @@
               <a:t>〜</a:t>
             </a:r>
             <a:r>
-              <a:rPr lang="ja-JP" altLang="en-US" sz="2000">
+              <a:rPr lang="ja-JP" altLang="en-US" sz="1800">
                 <a:solidFill>
                   <a:schemeClr val="accent5">
                     <a:lumMod val="50000"/>
@@ -6496,7 +6496,7 @@
               <a:t>摩天楼</a:t>
             </a:r>
             <a:r>
-              <a:rPr lang="en-US" altLang="ja-JP" sz="2000" dirty="0">
+              <a:rPr lang="en-US" altLang="ja-JP" sz="1800" dirty="0">
                 <a:solidFill>
                   <a:schemeClr val="accent5">
                     <a:lumMod val="50000"/>
@@ -6508,7 +6508,7 @@
               <a:t>〜</a:t>
             </a:r>
             <a:r>
-              <a:rPr lang="ja-JP" altLang="en-US" sz="2000">
+              <a:rPr lang="ja-JP" altLang="en-US" sz="1800">
                 <a:solidFill>
                   <a:schemeClr val="accent5">
                     <a:lumMod val="50000"/>
@@ -6520,7 +6520,7 @@
               <a:t>」</a:t>
             </a:r>
             <a:br>
-              <a:rPr lang="en-US" altLang="ja-JP" sz="2000" dirty="0">
+              <a:rPr lang="en-US" altLang="ja-JP" sz="1800" dirty="0">
                 <a:solidFill>
                   <a:schemeClr val="accent5">
                     <a:lumMod val="50000"/>
@@ -6531,7 +6531,7 @@
               </a:rPr>
             </a:br>
             <a:r>
-              <a:rPr lang="ja-JP" altLang="en-US" sz="2000">
+              <a:rPr lang="ja-JP" altLang="en-US" sz="1800">
                 <a:solidFill>
                   <a:schemeClr val="accent5">
                     <a:lumMod val="50000"/>
@@ -6543,7 +6543,7 @@
               <a:t>　練習試合</a:t>
             </a:r>
             <a:r>
-              <a:rPr lang="en-US" altLang="ja-JP" sz="2000" dirty="0">
+              <a:rPr lang="en-US" altLang="ja-JP" sz="1800" dirty="0">
                 <a:solidFill>
                   <a:schemeClr val="accent5">
                     <a:lumMod val="50000"/>
@@ -6555,7 +6555,7 @@
               <a:t> (vs </a:t>
             </a:r>
             <a:r>
-              <a:rPr lang="ja-JP" altLang="en-US" sz="2000">
+              <a:rPr lang="ja-JP" altLang="en-US" sz="1800">
                 <a:solidFill>
                   <a:schemeClr val="accent5">
                     <a:lumMod val="50000"/>
@@ -6567,7 +6567,7 @@
               <a:t>まほらま選抜</a:t>
             </a:r>
             <a:r>
-              <a:rPr lang="en-US" altLang="ja-JP" sz="2000" dirty="0">
+              <a:rPr lang="en-US" altLang="ja-JP" sz="1800" dirty="0">
                 <a:solidFill>
                   <a:schemeClr val="accent5">
                     <a:lumMod val="50000"/>
@@ -6579,7 +6579,7 @@
               <a:t>)</a:t>
             </a:r>
             <a:r>
-              <a:rPr lang="ja-JP" altLang="en-US" sz="2000">
+              <a:rPr lang="ja-JP" altLang="en-US" sz="1800">
                 <a:solidFill>
                   <a:schemeClr val="accent5">
                     <a:lumMod val="50000"/>
@@ -6590,8 +6590,154 @@
               </a:rPr>
               <a:t> </a:t>
             </a:r>
+            <a:r>
+              <a:rPr lang="en-US" altLang="ja-JP" sz="1800" b="1" dirty="0">
+                <a:solidFill>
+                  <a:srgbClr val="FF0000"/>
+                </a:solidFill>
+                <a:latin typeface="Hiragino Maru Gothic Pro W4" panose="020F0400000000000000" pitchFamily="34" charset="-128"/>
+                <a:ea typeface="Hiragino Maru Gothic Pro W4" panose="020F0400000000000000" pitchFamily="34" charset="-128"/>
+              </a:rPr>
+              <a:t>※</a:t>
+            </a:r>
+            <a:r>
+              <a:rPr lang="ja-JP" altLang="en-US" sz="1800" b="1">
+                <a:solidFill>
+                  <a:srgbClr val="FF0000"/>
+                </a:solidFill>
+                <a:latin typeface="Hiragino Maru Gothic Pro W4" panose="020F0400000000000000" pitchFamily="34" charset="-128"/>
+                <a:ea typeface="Hiragino Maru Gothic Pro W4" panose="020F0400000000000000" pitchFamily="34" charset="-128"/>
+              </a:rPr>
+              <a:t>本戦メンバーは</a:t>
+            </a:r>
+            <a:r>
+              <a:rPr lang="en-US" altLang="ja-JP" sz="1800" b="1" dirty="0">
+                <a:solidFill>
+                  <a:srgbClr val="FF0000"/>
+                </a:solidFill>
+                <a:latin typeface="Hiragino Maru Gothic Pro W4" panose="020F0400000000000000" pitchFamily="34" charset="-128"/>
+                <a:ea typeface="Hiragino Maru Gothic Pro W4" panose="020F0400000000000000" pitchFamily="34" charset="-128"/>
+              </a:rPr>
+              <a:t> 22:30-23:00 </a:t>
+            </a:r>
+            <a:r>
+              <a:rPr lang="ja-JP" altLang="en-US" sz="1800" b="1">
+                <a:solidFill>
+                  <a:srgbClr val="FF0000"/>
+                </a:solidFill>
+                <a:latin typeface="Hiragino Maru Gothic Pro W4" panose="020F0400000000000000" pitchFamily="34" charset="-128"/>
+                <a:ea typeface="Hiragino Maru Gothic Pro W4" panose="020F0400000000000000" pitchFamily="34" charset="-128"/>
+              </a:rPr>
+              <a:t>で戦ってください</a:t>
+            </a:r>
+            <a:endParaRPr lang="en-US" altLang="ja-JP" sz="1800" b="1" dirty="0">
+              <a:solidFill>
+                <a:srgbClr val="FF0000"/>
+              </a:solidFill>
+              <a:latin typeface="Hiragino Maru Gothic Pro W4" panose="020F0400000000000000" pitchFamily="34" charset="-128"/>
+              <a:ea typeface="Hiragino Maru Gothic Pro W4" panose="020F0400000000000000" pitchFamily="34" charset="-128"/>
+            </a:endParaRPr>
+          </a:p>
+          <a:p>
+            <a:pPr marL="502920" indent="-457200"/>
+            <a:r>
+              <a:rPr lang="en-US" altLang="ja-JP" sz="1800" dirty="0">
+                <a:solidFill>
+                  <a:schemeClr val="accent5">
+                    <a:lumMod val="50000"/>
+                  </a:schemeClr>
+                </a:solidFill>
+                <a:latin typeface="Hiragino Maru Gothic Pro W4" panose="020F0400000000000000" pitchFamily="34" charset="-128"/>
+                <a:ea typeface="Hiragino Maru Gothic Pro W4" panose="020F0400000000000000" pitchFamily="34" charset="-128"/>
+              </a:rPr>
+              <a:t>9/21(</a:t>
+            </a:r>
+            <a:r>
+              <a:rPr lang="ja-JP" altLang="en-US" sz="1800">
+                <a:solidFill>
+                  <a:schemeClr val="accent5">
+                    <a:lumMod val="50000"/>
+                  </a:schemeClr>
+                </a:solidFill>
+                <a:latin typeface="Hiragino Maru Gothic Pro W4" panose="020F0400000000000000" pitchFamily="34" charset="-128"/>
+                <a:ea typeface="Hiragino Maru Gothic Pro W4" panose="020F0400000000000000" pitchFamily="34" charset="-128"/>
+              </a:rPr>
+              <a:t>月</a:t>
+            </a:r>
+            <a:r>
+              <a:rPr lang="en-US" altLang="ja-JP" sz="1800" dirty="0">
+                <a:solidFill>
+                  <a:schemeClr val="accent5">
+                    <a:lumMod val="50000"/>
+                  </a:schemeClr>
+                </a:solidFill>
+                <a:latin typeface="Hiragino Maru Gothic Pro W4" panose="020F0400000000000000" pitchFamily="34" charset="-128"/>
+                <a:ea typeface="Hiragino Maru Gothic Pro W4" panose="020F0400000000000000" pitchFamily="34" charset="-128"/>
+              </a:rPr>
+              <a:t>) 23:00 - 24:00</a:t>
+            </a:r>
+            <a:r>
+              <a:rPr lang="ja-JP" altLang="en-US" sz="1800">
+                <a:solidFill>
+                  <a:schemeClr val="accent5">
+                    <a:lumMod val="50000"/>
+                  </a:schemeClr>
+                </a:solidFill>
+                <a:latin typeface="Hiragino Maru Gothic Pro W4" panose="020F0400000000000000" pitchFamily="34" charset="-128"/>
+                <a:ea typeface="Hiragino Maru Gothic Pro W4" panose="020F0400000000000000" pitchFamily="34" charset="-128"/>
+              </a:rPr>
+              <a:t>「まほらま</a:t>
+            </a:r>
+            <a:r>
+              <a:rPr lang="en-US" altLang="ja-JP" sz="1800" dirty="0">
+                <a:solidFill>
+                  <a:schemeClr val="accent5">
+                    <a:lumMod val="50000"/>
+                  </a:schemeClr>
+                </a:solidFill>
+                <a:latin typeface="Hiragino Maru Gothic Pro W4" panose="020F0400000000000000" pitchFamily="34" charset="-128"/>
+                <a:ea typeface="Hiragino Maru Gothic Pro W4" panose="020F0400000000000000" pitchFamily="34" charset="-128"/>
+              </a:rPr>
+              <a:t>〜</a:t>
+            </a:r>
+            <a:r>
+              <a:rPr lang="ja-JP" altLang="en-US" sz="1800">
+                <a:solidFill>
+                  <a:schemeClr val="accent5">
+                    <a:lumMod val="50000"/>
+                  </a:schemeClr>
+                </a:solidFill>
+                <a:latin typeface="Hiragino Maru Gothic Pro W4" panose="020F0400000000000000" pitchFamily="34" charset="-128"/>
+                <a:ea typeface="Hiragino Maru Gothic Pro W4" panose="020F0400000000000000" pitchFamily="34" charset="-128"/>
+              </a:rPr>
+              <a:t>摩天楼</a:t>
+            </a:r>
+            <a:r>
+              <a:rPr lang="en-US" altLang="ja-JP" sz="1800" dirty="0">
+                <a:solidFill>
+                  <a:schemeClr val="accent5">
+                    <a:lumMod val="50000"/>
+                  </a:schemeClr>
+                </a:solidFill>
+                <a:latin typeface="Hiragino Maru Gothic Pro W4" panose="020F0400000000000000" pitchFamily="34" charset="-128"/>
+                <a:ea typeface="Hiragino Maru Gothic Pro W4" panose="020F0400000000000000" pitchFamily="34" charset="-128"/>
+              </a:rPr>
+              <a:t>〜</a:t>
+            </a:r>
+            <a:r>
+              <a:rPr lang="ja-JP" altLang="en-US" sz="1800">
+                <a:solidFill>
+                  <a:schemeClr val="accent5">
+                    <a:lumMod val="50000"/>
+                  </a:schemeClr>
+                </a:solidFill>
+                <a:latin typeface="Hiragino Maru Gothic Pro W4" panose="020F0400000000000000" pitchFamily="34" charset="-128"/>
+                <a:ea typeface="Hiragino Maru Gothic Pro W4" panose="020F0400000000000000" pitchFamily="34" charset="-128"/>
+              </a:rPr>
+              <a:t>」</a:t>
+            </a:r>
             <a:br>
-              <a:rPr lang="en-US" altLang="ja-JP" sz="2000" dirty="0">
+              <a:rPr lang="en-US" altLang="ja-JP" sz="1800" dirty="0">
                 <a:solidFill>
                   <a:schemeClr val="accent5">
                     <a:lumMod val="50000"/>
@@ -6602,11 +6748,480 @@
               </a:rPr>
             </a:br>
             <a:r>
-              <a:rPr lang="ja-JP" altLang="en-US" sz="2000">
-                <a:solidFill>
-                  <a:schemeClr val="accent5">
-                    <a:lumMod val="50000"/>
-                  </a:schemeClr>
+              <a:rPr lang="ja-JP" altLang="en-US" sz="1800">
+                <a:solidFill>
+                  <a:schemeClr val="accent5">
+                    <a:lumMod val="50000"/>
+                  </a:schemeClr>
+                </a:solidFill>
+                <a:latin typeface="Hiragino Maru Gothic Pro W4" panose="020F0400000000000000" pitchFamily="34" charset="-128"/>
+                <a:ea typeface="Hiragino Maru Gothic Pro W4" panose="020F0400000000000000" pitchFamily="34" charset="-128"/>
+              </a:rPr>
+              <a:t>　練習試合</a:t>
+            </a:r>
+            <a:r>
+              <a:rPr lang="en-US" altLang="ja-JP" sz="1800" dirty="0">
+                <a:solidFill>
+                  <a:schemeClr val="accent5">
+                    <a:lumMod val="50000"/>
+                  </a:schemeClr>
+                </a:solidFill>
+                <a:latin typeface="Hiragino Maru Gothic Pro W4" panose="020F0400000000000000" pitchFamily="34" charset="-128"/>
+                <a:ea typeface="Hiragino Maru Gothic Pro W4" panose="020F0400000000000000" pitchFamily="34" charset="-128"/>
+              </a:rPr>
+              <a:t> (vs </a:t>
+            </a:r>
+            <a:r>
+              <a:rPr lang="ja-JP" altLang="en-US" sz="1800">
+                <a:solidFill>
+                  <a:schemeClr val="accent5">
+                    <a:lumMod val="50000"/>
+                  </a:schemeClr>
+                </a:solidFill>
+                <a:latin typeface="Hiragino Maru Gothic Pro W4" panose="020F0400000000000000" pitchFamily="34" charset="-128"/>
+                <a:ea typeface="Hiragino Maru Gothic Pro W4" panose="020F0400000000000000" pitchFamily="34" charset="-128"/>
+              </a:rPr>
+              <a:t>まほらま</a:t>
+            </a:r>
+            <a:r>
+              <a:rPr lang="en-US" altLang="ja-JP" sz="1800" dirty="0">
+                <a:solidFill>
+                  <a:schemeClr val="accent5">
+                    <a:lumMod val="50000"/>
+                  </a:schemeClr>
+                </a:solidFill>
+                <a:latin typeface="Hiragino Maru Gothic Pro W4" panose="020F0400000000000000" pitchFamily="34" charset="-128"/>
+                <a:ea typeface="Hiragino Maru Gothic Pro W4" panose="020F0400000000000000" pitchFamily="34" charset="-128"/>
+              </a:rPr>
+              <a:t>〜</a:t>
+            </a:r>
+            <a:r>
+              <a:rPr lang="ja-JP" altLang="en-US" sz="1800">
+                <a:solidFill>
+                  <a:schemeClr val="accent5">
+                    <a:lumMod val="50000"/>
+                  </a:schemeClr>
+                </a:solidFill>
+                <a:latin typeface="Hiragino Maru Gothic Pro W4" panose="020F0400000000000000" pitchFamily="34" charset="-128"/>
+                <a:ea typeface="Hiragino Maru Gothic Pro W4" panose="020F0400000000000000" pitchFamily="34" charset="-128"/>
+              </a:rPr>
+              <a:t>黎明</a:t>
+            </a:r>
+            <a:r>
+              <a:rPr lang="en-US" altLang="ja-JP" sz="1800" dirty="0">
+                <a:solidFill>
+                  <a:schemeClr val="accent5">
+                    <a:lumMod val="50000"/>
+                  </a:schemeClr>
+                </a:solidFill>
+                <a:latin typeface="Hiragino Maru Gothic Pro W4" panose="020F0400000000000000" pitchFamily="34" charset="-128"/>
+                <a:ea typeface="Hiragino Maru Gothic Pro W4" panose="020F0400000000000000" pitchFamily="34" charset="-128"/>
+              </a:rPr>
+              <a:t>〜(</a:t>
+            </a:r>
+            <a:r>
+              <a:rPr lang="ja-JP" altLang="en-US" sz="1800">
+                <a:solidFill>
+                  <a:schemeClr val="accent5">
+                    <a:lumMod val="50000"/>
+                  </a:schemeClr>
+                </a:solidFill>
+                <a:latin typeface="Hiragino Maru Gothic Pro W4" panose="020F0400000000000000" pitchFamily="34" charset="-128"/>
+                <a:ea typeface="Hiragino Maru Gothic Pro W4" panose="020F0400000000000000" pitchFamily="34" charset="-128"/>
+              </a:rPr>
+              <a:t>ムーさんチーム</a:t>
+            </a:r>
+            <a:r>
+              <a:rPr lang="en-US" altLang="ja-JP" sz="1800" dirty="0">
+                <a:solidFill>
+                  <a:schemeClr val="accent5">
+                    <a:lumMod val="50000"/>
+                  </a:schemeClr>
+                </a:solidFill>
+                <a:latin typeface="Hiragino Maru Gothic Pro W4" panose="020F0400000000000000" pitchFamily="34" charset="-128"/>
+                <a:ea typeface="Hiragino Maru Gothic Pro W4" panose="020F0400000000000000" pitchFamily="34" charset="-128"/>
+              </a:rPr>
+              <a:t>))</a:t>
+            </a:r>
+          </a:p>
+          <a:p>
+            <a:pPr marL="502920" indent="-457200"/>
+            <a:r>
+              <a:rPr lang="en-US" altLang="ja-JP" sz="1800" dirty="0">
+                <a:solidFill>
+                  <a:schemeClr val="accent5">
+                    <a:lumMod val="50000"/>
+                  </a:schemeClr>
+                </a:solidFill>
+                <a:latin typeface="Hiragino Maru Gothic Pro W4" panose="020F0400000000000000" pitchFamily="34" charset="-128"/>
+                <a:ea typeface="Hiragino Maru Gothic Pro W4" panose="020F0400000000000000" pitchFamily="34" charset="-128"/>
+              </a:rPr>
+              <a:t>9/22(</a:t>
+            </a:r>
+            <a:r>
+              <a:rPr lang="ja-JP" altLang="en-US" sz="1800">
+                <a:solidFill>
+                  <a:schemeClr val="accent5">
+                    <a:lumMod val="50000"/>
+                  </a:schemeClr>
+                </a:solidFill>
+                <a:latin typeface="Hiragino Maru Gothic Pro W4" panose="020F0400000000000000" pitchFamily="34" charset="-128"/>
+                <a:ea typeface="Hiragino Maru Gothic Pro W4" panose="020F0400000000000000" pitchFamily="34" charset="-128"/>
+              </a:rPr>
+              <a:t>火</a:t>
+            </a:r>
+            <a:r>
+              <a:rPr lang="en-US" altLang="ja-JP" sz="1800" dirty="0">
+                <a:solidFill>
+                  <a:schemeClr val="accent5">
+                    <a:lumMod val="50000"/>
+                  </a:schemeClr>
+                </a:solidFill>
+                <a:latin typeface="Hiragino Maru Gothic Pro W4" panose="020F0400000000000000" pitchFamily="34" charset="-128"/>
+                <a:ea typeface="Hiragino Maru Gothic Pro W4" panose="020F0400000000000000" pitchFamily="34" charset="-128"/>
+              </a:rPr>
+              <a:t>) 22:00 - 23:00</a:t>
+            </a:r>
+            <a:r>
+              <a:rPr lang="ja-JP" altLang="en-US" sz="1800">
+                <a:solidFill>
+                  <a:schemeClr val="accent5">
+                    <a:lumMod val="50000"/>
+                  </a:schemeClr>
+                </a:solidFill>
+                <a:latin typeface="Hiragino Maru Gothic Pro W4" panose="020F0400000000000000" pitchFamily="34" charset="-128"/>
+                <a:ea typeface="Hiragino Maru Gothic Pro W4" panose="020F0400000000000000" pitchFamily="34" charset="-128"/>
+              </a:rPr>
+              <a:t>「まほらま</a:t>
+            </a:r>
+            <a:r>
+              <a:rPr lang="en-US" altLang="ja-JP" sz="1800" dirty="0">
+                <a:solidFill>
+                  <a:schemeClr val="accent5">
+                    <a:lumMod val="50000"/>
+                  </a:schemeClr>
+                </a:solidFill>
+                <a:latin typeface="Hiragino Maru Gothic Pro W4" panose="020F0400000000000000" pitchFamily="34" charset="-128"/>
+                <a:ea typeface="Hiragino Maru Gothic Pro W4" panose="020F0400000000000000" pitchFamily="34" charset="-128"/>
+              </a:rPr>
+              <a:t>〜</a:t>
+            </a:r>
+            <a:r>
+              <a:rPr lang="ja-JP" altLang="en-US" sz="1800">
+                <a:solidFill>
+                  <a:schemeClr val="accent5">
+                    <a:lumMod val="50000"/>
+                  </a:schemeClr>
+                </a:solidFill>
+                <a:latin typeface="Hiragino Maru Gothic Pro W4" panose="020F0400000000000000" pitchFamily="34" charset="-128"/>
+                <a:ea typeface="Hiragino Maru Gothic Pro W4" panose="020F0400000000000000" pitchFamily="34" charset="-128"/>
+              </a:rPr>
+              <a:t>摩天楼</a:t>
+            </a:r>
+            <a:r>
+              <a:rPr lang="en-US" altLang="ja-JP" sz="1800" dirty="0">
+                <a:solidFill>
+                  <a:schemeClr val="accent5">
+                    <a:lumMod val="50000"/>
+                  </a:schemeClr>
+                </a:solidFill>
+                <a:latin typeface="Hiragino Maru Gothic Pro W4" panose="020F0400000000000000" pitchFamily="34" charset="-128"/>
+                <a:ea typeface="Hiragino Maru Gothic Pro W4" panose="020F0400000000000000" pitchFamily="34" charset="-128"/>
+              </a:rPr>
+              <a:t>〜</a:t>
+            </a:r>
+            <a:r>
+              <a:rPr lang="ja-JP" altLang="en-US" sz="1800">
+                <a:solidFill>
+                  <a:schemeClr val="accent5">
+                    <a:lumMod val="50000"/>
+                  </a:schemeClr>
+                </a:solidFill>
+                <a:latin typeface="Hiragino Maru Gothic Pro W4" panose="020F0400000000000000" pitchFamily="34" charset="-128"/>
+                <a:ea typeface="Hiragino Maru Gothic Pro W4" panose="020F0400000000000000" pitchFamily="34" charset="-128"/>
+              </a:rPr>
+              <a:t>」</a:t>
+            </a:r>
+            <a:br>
+              <a:rPr lang="en-US" altLang="ja-JP" sz="1800" dirty="0">
+                <a:solidFill>
+                  <a:schemeClr val="accent5">
+                    <a:lumMod val="50000"/>
+                  </a:schemeClr>
+                </a:solidFill>
+                <a:latin typeface="Hiragino Maru Gothic Pro W4" panose="020F0400000000000000" pitchFamily="34" charset="-128"/>
+                <a:ea typeface="Hiragino Maru Gothic Pro W4" panose="020F0400000000000000" pitchFamily="34" charset="-128"/>
+              </a:rPr>
+            </a:br>
+            <a:r>
+              <a:rPr lang="ja-JP" altLang="en-US" sz="1800">
+                <a:solidFill>
+                  <a:schemeClr val="accent5">
+                    <a:lumMod val="50000"/>
+                  </a:schemeClr>
+                </a:solidFill>
+                <a:latin typeface="Hiragino Maru Gothic Pro W4" panose="020F0400000000000000" pitchFamily="34" charset="-128"/>
+                <a:ea typeface="Hiragino Maru Gothic Pro W4" panose="020F0400000000000000" pitchFamily="34" charset="-128"/>
+              </a:rPr>
+              <a:t>　練習試合</a:t>
+            </a:r>
+            <a:r>
+              <a:rPr lang="en-US" altLang="ja-JP" sz="1800" dirty="0">
+                <a:solidFill>
+                  <a:schemeClr val="accent5">
+                    <a:lumMod val="50000"/>
+                  </a:schemeClr>
+                </a:solidFill>
+                <a:latin typeface="Hiragino Maru Gothic Pro W4" panose="020F0400000000000000" pitchFamily="34" charset="-128"/>
+                <a:ea typeface="Hiragino Maru Gothic Pro W4" panose="020F0400000000000000" pitchFamily="34" charset="-128"/>
+              </a:rPr>
+              <a:t> (vs </a:t>
+            </a:r>
+            <a:r>
+              <a:rPr lang="ja-JP" altLang="en-US" sz="1800">
+                <a:solidFill>
+                  <a:schemeClr val="accent5">
+                    <a:lumMod val="50000"/>
+                  </a:schemeClr>
+                </a:solidFill>
+                <a:latin typeface="Hiragino Maru Gothic Pro W4" panose="020F0400000000000000" pitchFamily="34" charset="-128"/>
+                <a:ea typeface="Hiragino Maru Gothic Pro W4" panose="020F0400000000000000" pitchFamily="34" charset="-128"/>
+              </a:rPr>
+              <a:t>鬼滅帝国遠征軍</a:t>
+            </a:r>
+            <a:r>
+              <a:rPr lang="en-US" altLang="ja-JP" sz="1800" dirty="0">
+                <a:solidFill>
+                  <a:schemeClr val="accent5">
+                    <a:lumMod val="50000"/>
+                  </a:schemeClr>
+                </a:solidFill>
+                <a:latin typeface="Hiragino Maru Gothic Pro W4" panose="020F0400000000000000" pitchFamily="34" charset="-128"/>
+                <a:ea typeface="Hiragino Maru Gothic Pro W4" panose="020F0400000000000000" pitchFamily="34" charset="-128"/>
+              </a:rPr>
+              <a:t>)</a:t>
+            </a:r>
+          </a:p>
+          <a:p>
+            <a:pPr marL="502920" indent="-457200"/>
+            <a:r>
+              <a:rPr lang="en-US" altLang="ja-JP" sz="1800" dirty="0">
+                <a:solidFill>
+                  <a:schemeClr val="accent5">
+                    <a:lumMod val="50000"/>
+                  </a:schemeClr>
+                </a:solidFill>
+                <a:latin typeface="Hiragino Maru Gothic Pro W4" panose="020F0400000000000000" pitchFamily="34" charset="-128"/>
+                <a:ea typeface="Hiragino Maru Gothic Pro W4" panose="020F0400000000000000" pitchFamily="34" charset="-128"/>
+              </a:rPr>
+              <a:t>9/24(</a:t>
+            </a:r>
+            <a:r>
+              <a:rPr lang="ja-JP" altLang="en-US" sz="1800">
+                <a:solidFill>
+                  <a:schemeClr val="accent5">
+                    <a:lumMod val="50000"/>
+                  </a:schemeClr>
+                </a:solidFill>
+                <a:latin typeface="Hiragino Maru Gothic Pro W4" panose="020F0400000000000000" pitchFamily="34" charset="-128"/>
+                <a:ea typeface="Hiragino Maru Gothic Pro W4" panose="020F0400000000000000" pitchFamily="34" charset="-128"/>
+              </a:rPr>
+              <a:t>木</a:t>
+            </a:r>
+            <a:r>
+              <a:rPr lang="en-US" altLang="ja-JP" sz="1800" dirty="0">
+                <a:solidFill>
+                  <a:schemeClr val="accent5">
+                    <a:lumMod val="50000"/>
+                  </a:schemeClr>
+                </a:solidFill>
+                <a:latin typeface="Hiragino Maru Gothic Pro W4" panose="020F0400000000000000" pitchFamily="34" charset="-128"/>
+                <a:ea typeface="Hiragino Maru Gothic Pro W4" panose="020F0400000000000000" pitchFamily="34" charset="-128"/>
+              </a:rPr>
+              <a:t>) 22:30 - 23:30</a:t>
+            </a:r>
+            <a:r>
+              <a:rPr lang="ja-JP" altLang="en-US" sz="1800">
+                <a:solidFill>
+                  <a:schemeClr val="accent5">
+                    <a:lumMod val="50000"/>
+                  </a:schemeClr>
+                </a:solidFill>
+                <a:latin typeface="Hiragino Maru Gothic Pro W4" panose="020F0400000000000000" pitchFamily="34" charset="-128"/>
+                <a:ea typeface="Hiragino Maru Gothic Pro W4" panose="020F0400000000000000" pitchFamily="34" charset="-128"/>
+              </a:rPr>
+              <a:t>「まほらま</a:t>
+            </a:r>
+            <a:r>
+              <a:rPr lang="en-US" altLang="ja-JP" sz="1800" dirty="0">
+                <a:solidFill>
+                  <a:schemeClr val="accent5">
+                    <a:lumMod val="50000"/>
+                  </a:schemeClr>
+                </a:solidFill>
+                <a:latin typeface="Hiragino Maru Gothic Pro W4" panose="020F0400000000000000" pitchFamily="34" charset="-128"/>
+                <a:ea typeface="Hiragino Maru Gothic Pro W4" panose="020F0400000000000000" pitchFamily="34" charset="-128"/>
+              </a:rPr>
+              <a:t>〜</a:t>
+            </a:r>
+            <a:r>
+              <a:rPr lang="ja-JP" altLang="en-US" sz="1800">
+                <a:solidFill>
+                  <a:schemeClr val="accent5">
+                    <a:lumMod val="50000"/>
+                  </a:schemeClr>
+                </a:solidFill>
+                <a:latin typeface="Hiragino Maru Gothic Pro W4" panose="020F0400000000000000" pitchFamily="34" charset="-128"/>
+                <a:ea typeface="Hiragino Maru Gothic Pro W4" panose="020F0400000000000000" pitchFamily="34" charset="-128"/>
+              </a:rPr>
+              <a:t>摩天楼</a:t>
+            </a:r>
+            <a:r>
+              <a:rPr lang="en-US" altLang="ja-JP" sz="1800" dirty="0">
+                <a:solidFill>
+                  <a:schemeClr val="accent5">
+                    <a:lumMod val="50000"/>
+                  </a:schemeClr>
+                </a:solidFill>
+                <a:latin typeface="Hiragino Maru Gothic Pro W4" panose="020F0400000000000000" pitchFamily="34" charset="-128"/>
+                <a:ea typeface="Hiragino Maru Gothic Pro W4" panose="020F0400000000000000" pitchFamily="34" charset="-128"/>
+              </a:rPr>
+              <a:t>〜</a:t>
+            </a:r>
+            <a:r>
+              <a:rPr lang="ja-JP" altLang="en-US" sz="1800">
+                <a:solidFill>
+                  <a:schemeClr val="accent5">
+                    <a:lumMod val="50000"/>
+                  </a:schemeClr>
+                </a:solidFill>
+                <a:latin typeface="Hiragino Maru Gothic Pro W4" panose="020F0400000000000000" pitchFamily="34" charset="-128"/>
+                <a:ea typeface="Hiragino Maru Gothic Pro W4" panose="020F0400000000000000" pitchFamily="34" charset="-128"/>
+              </a:rPr>
+              <a:t>」</a:t>
+            </a:r>
+            <a:br>
+              <a:rPr lang="en-US" altLang="ja-JP" sz="1800" dirty="0">
+                <a:solidFill>
+                  <a:schemeClr val="accent5">
+                    <a:lumMod val="50000"/>
+                  </a:schemeClr>
+                </a:solidFill>
+                <a:latin typeface="Hiragino Maru Gothic Pro W4" panose="020F0400000000000000" pitchFamily="34" charset="-128"/>
+                <a:ea typeface="Hiragino Maru Gothic Pro W4" panose="020F0400000000000000" pitchFamily="34" charset="-128"/>
+              </a:rPr>
+            </a:br>
+            <a:r>
+              <a:rPr lang="ja-JP" altLang="en-US" sz="1800">
+                <a:solidFill>
+                  <a:schemeClr val="accent5">
+                    <a:lumMod val="50000"/>
+                  </a:schemeClr>
+                </a:solidFill>
+                <a:latin typeface="Hiragino Maru Gothic Pro W4" panose="020F0400000000000000" pitchFamily="34" charset="-128"/>
+                <a:ea typeface="Hiragino Maru Gothic Pro W4" panose="020F0400000000000000" pitchFamily="34" charset="-128"/>
+              </a:rPr>
+              <a:t>　練習試合</a:t>
+            </a:r>
+            <a:r>
+              <a:rPr lang="en-US" altLang="ja-JP" sz="1800" dirty="0">
+                <a:solidFill>
+                  <a:schemeClr val="accent5">
+                    <a:lumMod val="50000"/>
+                  </a:schemeClr>
+                </a:solidFill>
+                <a:latin typeface="Hiragino Maru Gothic Pro W4" panose="020F0400000000000000" pitchFamily="34" charset="-128"/>
+                <a:ea typeface="Hiragino Maru Gothic Pro W4" panose="020F0400000000000000" pitchFamily="34" charset="-128"/>
+              </a:rPr>
+              <a:t> (vs </a:t>
+            </a:r>
+            <a:r>
+              <a:rPr lang="ja-JP" altLang="en-US" sz="1800">
+                <a:solidFill>
+                  <a:schemeClr val="accent5">
+                    <a:lumMod val="50000"/>
+                  </a:schemeClr>
+                </a:solidFill>
+                <a:latin typeface="Hiragino Maru Gothic Pro W4" panose="020F0400000000000000" pitchFamily="34" charset="-128"/>
+                <a:ea typeface="Hiragino Maru Gothic Pro W4" panose="020F0400000000000000" pitchFamily="34" charset="-128"/>
+              </a:rPr>
+              <a:t>しゃにむにリーグ戦</a:t>
+            </a:r>
+            <a:r>
+              <a:rPr lang="en-US" altLang="ja-JP" sz="1800" dirty="0">
+                <a:solidFill>
+                  <a:schemeClr val="accent5">
+                    <a:lumMod val="50000"/>
+                  </a:schemeClr>
+                </a:solidFill>
+                <a:latin typeface="Hiragino Maru Gothic Pro W4" panose="020F0400000000000000" pitchFamily="34" charset="-128"/>
+                <a:ea typeface="Hiragino Maru Gothic Pro W4" panose="020F0400000000000000" pitchFamily="34" charset="-128"/>
+              </a:rPr>
+              <a:t>)</a:t>
+            </a:r>
+            <a:endParaRPr lang="en-US" altLang="ja-JP" sz="1800" dirty="0">
+              <a:solidFill>
+                <a:srgbClr val="FF0000"/>
+              </a:solidFill>
+              <a:latin typeface="Hiragino Maru Gothic Pro W4" panose="020F0400000000000000" pitchFamily="34" charset="-128"/>
+              <a:ea typeface="Hiragino Maru Gothic Pro W4" panose="020F0400000000000000" pitchFamily="34" charset="-128"/>
+            </a:endParaRPr>
+          </a:p>
+          <a:p>
+            <a:pPr marL="502920" indent="-457200"/>
+            <a:r>
+              <a:rPr lang="en-US" altLang="ja-JP" sz="1800" b="1" dirty="0">
+                <a:solidFill>
+                  <a:srgbClr val="FF0000"/>
+                </a:solidFill>
+                <a:latin typeface="Hiragino Maru Gothic Pro W4" panose="020F0400000000000000" pitchFamily="34" charset="-128"/>
+                <a:ea typeface="Hiragino Maru Gothic Pro W4" panose="020F0400000000000000" pitchFamily="34" charset="-128"/>
+              </a:rPr>
+              <a:t>9/26(</a:t>
+            </a:r>
+            <a:r>
+              <a:rPr lang="ja-JP" altLang="en-US" sz="1800" b="1">
+                <a:solidFill>
+                  <a:srgbClr val="FF0000"/>
+                </a:solidFill>
+                <a:latin typeface="Hiragino Maru Gothic Pro W4" panose="020F0400000000000000" pitchFamily="34" charset="-128"/>
+                <a:ea typeface="Hiragino Maru Gothic Pro W4" panose="020F0400000000000000" pitchFamily="34" charset="-128"/>
+              </a:rPr>
+              <a:t>土</a:t>
+            </a:r>
+            <a:r>
+              <a:rPr lang="en-US" altLang="ja-JP" sz="1800" b="1" dirty="0">
+                <a:solidFill>
+                  <a:srgbClr val="FF0000"/>
+                </a:solidFill>
+                <a:latin typeface="Hiragino Maru Gothic Pro W4" panose="020F0400000000000000" pitchFamily="34" charset="-128"/>
+                <a:ea typeface="Hiragino Maru Gothic Pro W4" panose="020F0400000000000000" pitchFamily="34" charset="-128"/>
+              </a:rPr>
+              <a:t>) 21:00 - XX:XX</a:t>
+            </a:r>
+            <a:r>
+              <a:rPr lang="ja-JP" altLang="en-US" sz="1800" b="1">
+                <a:solidFill>
+                  <a:srgbClr val="FF0000"/>
+                </a:solidFill>
+                <a:latin typeface="Hiragino Maru Gothic Pro W4" panose="020F0400000000000000" pitchFamily="34" charset="-128"/>
+                <a:ea typeface="Hiragino Maru Gothic Pro W4" panose="020F0400000000000000" pitchFamily="34" charset="-128"/>
+              </a:rPr>
+              <a:t>「まほらま」</a:t>
+            </a:r>
+            <a:br>
+              <a:rPr lang="en-US" altLang="ja-JP" sz="1800" b="1" dirty="0">
+                <a:solidFill>
+                  <a:srgbClr val="FF0000"/>
+                </a:solidFill>
+                <a:latin typeface="Hiragino Maru Gothic Pro W4" panose="020F0400000000000000" pitchFamily="34" charset="-128"/>
+                <a:ea typeface="Hiragino Maru Gothic Pro W4" panose="020F0400000000000000" pitchFamily="34" charset="-128"/>
+              </a:rPr>
+            </a:br>
+            <a:r>
+              <a:rPr lang="ja-JP" altLang="en-US" sz="1800" b="1">
+                <a:solidFill>
+                  <a:srgbClr val="FF0000"/>
                 </a:solidFill>
                 <a:latin typeface="Hiragino Maru Gothic Pro W4" panose="020F0400000000000000" pitchFamily="34" charset="-128"/>
                 <a:ea typeface="Hiragino Maru Gothic Pro W4" panose="020F0400000000000000" pitchFamily="34" charset="-128"/>
@@ -6614,54 +7229,175 @@
               <a:t>　</a:t>
             </a:r>
             <a:r>
-              <a:rPr lang="en-US" altLang="ja-JP" sz="2000" dirty="0">
-                <a:solidFill>
-                  <a:schemeClr val="accent5">
-                    <a:lumMod val="50000"/>
-                  </a:schemeClr>
-                </a:solidFill>
-                <a:latin typeface="Hiragino Maru Gothic Pro W4" panose="020F0400000000000000" pitchFamily="34" charset="-128"/>
-                <a:ea typeface="Hiragino Maru Gothic Pro W4" panose="020F0400000000000000" pitchFamily="34" charset="-128"/>
-              </a:rPr>
-              <a:t>※</a:t>
-            </a:r>
-            <a:r>
-              <a:rPr lang="ja-JP" altLang="en-US" sz="2000">
-                <a:solidFill>
-                  <a:schemeClr val="accent5">
-                    <a:lumMod val="50000"/>
-                  </a:schemeClr>
-                </a:solidFill>
-                <a:latin typeface="Hiragino Maru Gothic Pro W4" panose="020F0400000000000000" pitchFamily="34" charset="-128"/>
-                <a:ea typeface="Hiragino Maru Gothic Pro W4" panose="020F0400000000000000" pitchFamily="34" charset="-128"/>
-              </a:rPr>
-              <a:t>本戦メンバーは</a:t>
-            </a:r>
-            <a:r>
-              <a:rPr lang="en-US" altLang="ja-JP" sz="2000" dirty="0">
-                <a:solidFill>
-                  <a:schemeClr val="accent5">
-                    <a:lumMod val="50000"/>
-                  </a:schemeClr>
-                </a:solidFill>
-                <a:latin typeface="Hiragino Maru Gothic Pro W4" panose="020F0400000000000000" pitchFamily="34" charset="-128"/>
-                <a:ea typeface="Hiragino Maru Gothic Pro W4" panose="020F0400000000000000" pitchFamily="34" charset="-128"/>
-              </a:rPr>
-              <a:t> 22:30-23:00 </a:t>
-            </a:r>
-            <a:r>
-              <a:rPr lang="ja-JP" altLang="en-US" sz="2000">
-                <a:solidFill>
-                  <a:schemeClr val="accent5">
-                    <a:lumMod val="50000"/>
-                  </a:schemeClr>
-                </a:solidFill>
-                <a:latin typeface="Hiragino Maru Gothic Pro W4" panose="020F0400000000000000" pitchFamily="34" charset="-128"/>
-                <a:ea typeface="Hiragino Maru Gothic Pro W4" panose="020F0400000000000000" pitchFamily="34" charset="-128"/>
-              </a:rPr>
-              <a:t>で戦ってください</a:t>
-            </a:r>
-            <a:endParaRPr lang="en-US" altLang="ja-JP" sz="2000" dirty="0">
+              <a:rPr lang="en-US" altLang="ja-JP" sz="1800" b="1" dirty="0">
+                <a:solidFill>
+                  <a:srgbClr val="FF0000"/>
+                </a:solidFill>
+                <a:latin typeface="Hiragino Maru Gothic Pro W4" panose="020F0400000000000000" pitchFamily="34" charset="-128"/>
+                <a:ea typeface="Hiragino Maru Gothic Pro W4" panose="020F0400000000000000" pitchFamily="34" charset="-128"/>
+              </a:rPr>
+              <a:t>CQC</a:t>
+            </a:r>
+            <a:r>
+              <a:rPr lang="ja-JP" altLang="en-US" sz="1800" b="1">
+                <a:solidFill>
+                  <a:srgbClr val="FF0000"/>
+                </a:solidFill>
+                <a:latin typeface="Hiragino Maru Gothic Pro W4" panose="020F0400000000000000" pitchFamily="34" charset="-128"/>
+                <a:ea typeface="Hiragino Maru Gothic Pro W4" panose="020F0400000000000000" pitchFamily="34" charset="-128"/>
+              </a:rPr>
+              <a:t>本戦１日目</a:t>
+            </a:r>
+            <a:endParaRPr lang="en-US" altLang="ja-JP" sz="1800" b="1" dirty="0">
+              <a:solidFill>
+                <a:srgbClr val="FF0000"/>
+              </a:solidFill>
+              <a:latin typeface="Hiragino Maru Gothic Pro W4" panose="020F0400000000000000" pitchFamily="34" charset="-128"/>
+              <a:ea typeface="Hiragino Maru Gothic Pro W4" panose="020F0400000000000000" pitchFamily="34" charset="-128"/>
+            </a:endParaRPr>
+          </a:p>
+          <a:p>
+            <a:pPr marL="502920" indent="-457200"/>
+            <a:r>
+              <a:rPr lang="en-US" altLang="ja-JP" sz="1800" b="1" dirty="0">
+                <a:solidFill>
+                  <a:srgbClr val="FF0000"/>
+                </a:solidFill>
+                <a:latin typeface="Hiragino Maru Gothic Pro W4" panose="020F0400000000000000" pitchFamily="34" charset="-128"/>
+                <a:ea typeface="Hiragino Maru Gothic Pro W4" panose="020F0400000000000000" pitchFamily="34" charset="-128"/>
+              </a:rPr>
+              <a:t>9/27(</a:t>
+            </a:r>
+            <a:r>
+              <a:rPr lang="ja-JP" altLang="en-US" sz="1800" b="1">
+                <a:solidFill>
+                  <a:srgbClr val="FF0000"/>
+                </a:solidFill>
+                <a:latin typeface="Hiragino Maru Gothic Pro W4" panose="020F0400000000000000" pitchFamily="34" charset="-128"/>
+                <a:ea typeface="Hiragino Maru Gothic Pro W4" panose="020F0400000000000000" pitchFamily="34" charset="-128"/>
+              </a:rPr>
+              <a:t>日</a:t>
+            </a:r>
+            <a:r>
+              <a:rPr lang="en-US" altLang="ja-JP" sz="1800" b="1" dirty="0">
+                <a:solidFill>
+                  <a:srgbClr val="FF0000"/>
+                </a:solidFill>
+                <a:latin typeface="Hiragino Maru Gothic Pro W4" panose="020F0400000000000000" pitchFamily="34" charset="-128"/>
+                <a:ea typeface="Hiragino Maru Gothic Pro W4" panose="020F0400000000000000" pitchFamily="34" charset="-128"/>
+              </a:rPr>
+              <a:t>) 21:00 - XX:XX</a:t>
+            </a:r>
+            <a:r>
+              <a:rPr lang="ja-JP" altLang="en-US" sz="1800" b="1">
+                <a:solidFill>
+                  <a:srgbClr val="FF0000"/>
+                </a:solidFill>
+                <a:latin typeface="Hiragino Maru Gothic Pro W4" panose="020F0400000000000000" pitchFamily="34" charset="-128"/>
+                <a:ea typeface="Hiragino Maru Gothic Pro W4" panose="020F0400000000000000" pitchFamily="34" charset="-128"/>
+              </a:rPr>
+              <a:t>「まほらま」</a:t>
+            </a:r>
+            <a:br>
+              <a:rPr lang="en-US" altLang="ja-JP" sz="1800" b="1" dirty="0">
+                <a:solidFill>
+                  <a:srgbClr val="FF0000"/>
+                </a:solidFill>
+                <a:latin typeface="Hiragino Maru Gothic Pro W4" panose="020F0400000000000000" pitchFamily="34" charset="-128"/>
+                <a:ea typeface="Hiragino Maru Gothic Pro W4" panose="020F0400000000000000" pitchFamily="34" charset="-128"/>
+              </a:rPr>
+            </a:br>
+            <a:r>
+              <a:rPr lang="ja-JP" altLang="en-US" sz="1800" b="1">
+                <a:solidFill>
+                  <a:srgbClr val="FF0000"/>
+                </a:solidFill>
+                <a:latin typeface="Hiragino Maru Gothic Pro W4" panose="020F0400000000000000" pitchFamily="34" charset="-128"/>
+                <a:ea typeface="Hiragino Maru Gothic Pro W4" panose="020F0400000000000000" pitchFamily="34" charset="-128"/>
+              </a:rPr>
+              <a:t>　</a:t>
+            </a:r>
+            <a:r>
+              <a:rPr lang="en-US" altLang="ja-JP" sz="1800" b="1" dirty="0">
+                <a:solidFill>
+                  <a:srgbClr val="FF0000"/>
+                </a:solidFill>
+                <a:latin typeface="Hiragino Maru Gothic Pro W4" panose="020F0400000000000000" pitchFamily="34" charset="-128"/>
+                <a:ea typeface="Hiragino Maru Gothic Pro W4" panose="020F0400000000000000" pitchFamily="34" charset="-128"/>
+              </a:rPr>
+              <a:t>CQC</a:t>
+            </a:r>
+            <a:r>
+              <a:rPr lang="ja-JP" altLang="en-US" sz="1800" b="1">
+                <a:solidFill>
+                  <a:srgbClr val="FF0000"/>
+                </a:solidFill>
+                <a:latin typeface="Hiragino Maru Gothic Pro W4" panose="020F0400000000000000" pitchFamily="34" charset="-128"/>
+                <a:ea typeface="Hiragino Maru Gothic Pro W4" panose="020F0400000000000000" pitchFamily="34" charset="-128"/>
+              </a:rPr>
+              <a:t>本戦２日目</a:t>
+            </a:r>
+            <a:endParaRPr lang="en-US" altLang="ja-JP" sz="1800" b="1" dirty="0">
+              <a:solidFill>
+                <a:srgbClr val="FF0000"/>
+              </a:solidFill>
+              <a:latin typeface="Hiragino Maru Gothic Pro W4" panose="020F0400000000000000" pitchFamily="34" charset="-128"/>
+              <a:ea typeface="Hiragino Maru Gothic Pro W4" panose="020F0400000000000000" pitchFamily="34" charset="-128"/>
+            </a:endParaRPr>
+          </a:p>
+          <a:p>
+            <a:pPr marL="45720" indent="0">
+              <a:buNone/>
+            </a:pPr>
+            <a:r>
+              <a:rPr lang="en-US" altLang="ja-JP" sz="1800" dirty="0">
+                <a:solidFill>
+                  <a:schemeClr val="accent5">
+                    <a:lumMod val="50000"/>
+                  </a:schemeClr>
+                </a:solidFill>
+                <a:latin typeface="Hiragino Maru Gothic Pro W4" panose="020F0400000000000000" pitchFamily="34" charset="-128"/>
+                <a:ea typeface="Hiragino Maru Gothic Pro W4" panose="020F0400000000000000" pitchFamily="34" charset="-128"/>
+              </a:rPr>
+              <a:t>※23</a:t>
+            </a:r>
+            <a:r>
+              <a:rPr lang="ja-JP" altLang="en-US" sz="1800">
+                <a:solidFill>
+                  <a:schemeClr val="accent5">
+                    <a:lumMod val="50000"/>
+                  </a:schemeClr>
+                </a:solidFill>
+                <a:latin typeface="Hiragino Maru Gothic Pro W4" panose="020F0400000000000000" pitchFamily="34" charset="-128"/>
+                <a:ea typeface="Hiragino Maru Gothic Pro W4" panose="020F0400000000000000" pitchFamily="34" charset="-128"/>
+              </a:rPr>
+              <a:t>日夜、</a:t>
+            </a:r>
+            <a:r>
+              <a:rPr lang="en-US" altLang="ja-JP" sz="1800" dirty="0">
+                <a:solidFill>
+                  <a:schemeClr val="accent5">
+                    <a:lumMod val="50000"/>
+                  </a:schemeClr>
+                </a:solidFill>
+                <a:latin typeface="Hiragino Maru Gothic Pro W4" panose="020F0400000000000000" pitchFamily="34" charset="-128"/>
+                <a:ea typeface="Hiragino Maru Gothic Pro W4" panose="020F0400000000000000" pitchFamily="34" charset="-128"/>
+              </a:rPr>
+              <a:t>25</a:t>
+            </a:r>
+            <a:r>
+              <a:rPr lang="ja-JP" altLang="en-US" sz="1800">
+                <a:solidFill>
+                  <a:schemeClr val="accent5">
+                    <a:lumMod val="50000"/>
+                  </a:schemeClr>
+                </a:solidFill>
+                <a:latin typeface="Hiragino Maru Gothic Pro W4" panose="020F0400000000000000" pitchFamily="34" charset="-128"/>
+                <a:ea typeface="Hiragino Maru Gothic Pro W4" panose="020F0400000000000000" pitchFamily="34" charset="-128"/>
+              </a:rPr>
+              <a:t>日夜も練習戦入れるかもしれません。</a:t>
+            </a:r>
+            <a:endParaRPr lang="en-US" altLang="ja-JP" sz="1800" dirty="0">
               <a:solidFill>
                 <a:schemeClr val="accent5">
                   <a:lumMod val="50000"/>
@@ -6672,105 +7408,35 @@
             </a:endParaRPr>
           </a:p>
           <a:p>
-            <a:pPr marL="502920" indent="-457200"/>
-            <a:r>
-              <a:rPr lang="en-US" altLang="ja-JP" sz="2000" dirty="0">
-                <a:solidFill>
-                  <a:schemeClr val="accent5">
-                    <a:lumMod val="50000"/>
-                  </a:schemeClr>
-                </a:solidFill>
-                <a:latin typeface="Hiragino Maru Gothic Pro W4" panose="020F0400000000000000" pitchFamily="34" charset="-128"/>
-                <a:ea typeface="Hiragino Maru Gothic Pro W4" panose="020F0400000000000000" pitchFamily="34" charset="-128"/>
-              </a:rPr>
-              <a:t>9/22(</a:t>
-            </a:r>
-            <a:r>
-              <a:rPr lang="ja-JP" altLang="en-US" sz="2000">
-                <a:solidFill>
-                  <a:schemeClr val="accent5">
-                    <a:lumMod val="50000"/>
-                  </a:schemeClr>
-                </a:solidFill>
-                <a:latin typeface="Hiragino Maru Gothic Pro W4" panose="020F0400000000000000" pitchFamily="34" charset="-128"/>
-                <a:ea typeface="Hiragino Maru Gothic Pro W4" panose="020F0400000000000000" pitchFamily="34" charset="-128"/>
-              </a:rPr>
-              <a:t>火</a:t>
-            </a:r>
-            <a:r>
-              <a:rPr lang="en-US" altLang="ja-JP" sz="2000" dirty="0">
-                <a:solidFill>
-                  <a:schemeClr val="accent5">
-                    <a:lumMod val="50000"/>
-                  </a:schemeClr>
-                </a:solidFill>
-                <a:latin typeface="Hiragino Maru Gothic Pro W4" panose="020F0400000000000000" pitchFamily="34" charset="-128"/>
-                <a:ea typeface="Hiragino Maru Gothic Pro W4" panose="020F0400000000000000" pitchFamily="34" charset="-128"/>
-              </a:rPr>
-              <a:t>) 22:00 - 23:00</a:t>
-            </a:r>
-            <a:r>
-              <a:rPr lang="ja-JP" altLang="en-US" sz="2000">
-                <a:solidFill>
-                  <a:schemeClr val="accent5">
-                    <a:lumMod val="50000"/>
-                  </a:schemeClr>
-                </a:solidFill>
-                <a:latin typeface="Hiragino Maru Gothic Pro W4" panose="020F0400000000000000" pitchFamily="34" charset="-128"/>
-                <a:ea typeface="Hiragino Maru Gothic Pro W4" panose="020F0400000000000000" pitchFamily="34" charset="-128"/>
-              </a:rPr>
-              <a:t>「まほらま</a:t>
-            </a:r>
-            <a:r>
-              <a:rPr lang="en-US" altLang="ja-JP" sz="2000" dirty="0">
-                <a:solidFill>
-                  <a:schemeClr val="accent5">
-                    <a:lumMod val="50000"/>
-                  </a:schemeClr>
-                </a:solidFill>
-                <a:latin typeface="Hiragino Maru Gothic Pro W4" panose="020F0400000000000000" pitchFamily="34" charset="-128"/>
-                <a:ea typeface="Hiragino Maru Gothic Pro W4" panose="020F0400000000000000" pitchFamily="34" charset="-128"/>
-              </a:rPr>
-              <a:t>〜</a:t>
-            </a:r>
-            <a:r>
-              <a:rPr lang="ja-JP" altLang="en-US" sz="2000">
-                <a:solidFill>
-                  <a:schemeClr val="accent5">
-                    <a:lumMod val="50000"/>
-                  </a:schemeClr>
-                </a:solidFill>
-                <a:latin typeface="Hiragino Maru Gothic Pro W4" panose="020F0400000000000000" pitchFamily="34" charset="-128"/>
-                <a:ea typeface="Hiragino Maru Gothic Pro W4" panose="020F0400000000000000" pitchFamily="34" charset="-128"/>
-              </a:rPr>
-              <a:t>摩天楼</a:t>
-            </a:r>
-            <a:r>
-              <a:rPr lang="en-US" altLang="ja-JP" sz="2000" dirty="0">
-                <a:solidFill>
-                  <a:schemeClr val="accent5">
-                    <a:lumMod val="50000"/>
-                  </a:schemeClr>
-                </a:solidFill>
-                <a:latin typeface="Hiragino Maru Gothic Pro W4" panose="020F0400000000000000" pitchFamily="34" charset="-128"/>
-                <a:ea typeface="Hiragino Maru Gothic Pro W4" panose="020F0400000000000000" pitchFamily="34" charset="-128"/>
-              </a:rPr>
-              <a:t>〜</a:t>
-            </a:r>
-            <a:r>
-              <a:rPr lang="ja-JP" altLang="en-US" sz="2000">
-                <a:solidFill>
-                  <a:schemeClr val="accent5">
-                    <a:lumMod val="50000"/>
-                  </a:schemeClr>
-                </a:solidFill>
-                <a:latin typeface="Hiragino Maru Gothic Pro W4" panose="020F0400000000000000" pitchFamily="34" charset="-128"/>
-                <a:ea typeface="Hiragino Maru Gothic Pro W4" panose="020F0400000000000000" pitchFamily="34" charset="-128"/>
-              </a:rPr>
-              <a:t>」</a:t>
+            <a:pPr marL="45720" indent="0">
+              <a:buNone/>
+            </a:pPr>
+            <a:r>
+              <a:rPr lang="en-US" altLang="ja-JP" sz="1800" dirty="0">
+                <a:solidFill>
+                  <a:schemeClr val="accent5">
+                    <a:lumMod val="50000"/>
+                  </a:schemeClr>
+                </a:solidFill>
+                <a:latin typeface="Hiragino Maru Gothic Pro W4" panose="020F0400000000000000" pitchFamily="34" charset="-128"/>
+                <a:ea typeface="Hiragino Maru Gothic Pro W4" panose="020F0400000000000000" pitchFamily="34" charset="-128"/>
+              </a:rPr>
+              <a:t>※</a:t>
+            </a:r>
+            <a:r>
+              <a:rPr lang="ja-JP" altLang="en-US" sz="1800">
+                <a:solidFill>
+                  <a:schemeClr val="accent5">
+                    <a:lumMod val="50000"/>
+                  </a:schemeClr>
+                </a:solidFill>
+                <a:latin typeface="Hiragino Maru Gothic Pro W4" panose="020F0400000000000000" pitchFamily="34" charset="-128"/>
+                <a:ea typeface="Hiragino Maru Gothic Pro W4" panose="020F0400000000000000" pitchFamily="34" charset="-128"/>
+              </a:rPr>
+              <a:t>色々考えたのですが、練習戦いっぱい組む作戦で。</a:t>
             </a:r>
             <a:br>
-              <a:rPr lang="en-US" altLang="ja-JP" sz="2000" dirty="0">
+              <a:rPr lang="en-US" altLang="ja-JP" sz="1800" dirty="0">
                 <a:solidFill>
                   <a:schemeClr val="accent5">
                     <a:lumMod val="50000"/>
@@ -6781,428 +7447,20 @@
               </a:rPr>
             </a:br>
             <a:r>
-              <a:rPr lang="ja-JP" altLang="en-US" sz="2000">
-                <a:solidFill>
-                  <a:schemeClr val="accent5">
-                    <a:lumMod val="50000"/>
-                  </a:schemeClr>
-                </a:solidFill>
-                <a:latin typeface="Hiragino Maru Gothic Pro W4" panose="020F0400000000000000" pitchFamily="34" charset="-128"/>
-                <a:ea typeface="Hiragino Maru Gothic Pro W4" panose="020F0400000000000000" pitchFamily="34" charset="-128"/>
-              </a:rPr>
-              <a:t>　練習試合</a:t>
-            </a:r>
-            <a:r>
-              <a:rPr lang="en-US" altLang="ja-JP" sz="2000" dirty="0">
-                <a:solidFill>
-                  <a:schemeClr val="accent5">
-                    <a:lumMod val="50000"/>
-                  </a:schemeClr>
-                </a:solidFill>
-                <a:latin typeface="Hiragino Maru Gothic Pro W4" panose="020F0400000000000000" pitchFamily="34" charset="-128"/>
-                <a:ea typeface="Hiragino Maru Gothic Pro W4" panose="020F0400000000000000" pitchFamily="34" charset="-128"/>
-              </a:rPr>
-              <a:t> (vs </a:t>
-            </a:r>
-            <a:r>
-              <a:rPr lang="ja-JP" altLang="en-US" sz="2000">
-                <a:solidFill>
-                  <a:schemeClr val="accent5">
-                    <a:lumMod val="50000"/>
-                  </a:schemeClr>
-                </a:solidFill>
-                <a:latin typeface="Hiragino Maru Gothic Pro W4" panose="020F0400000000000000" pitchFamily="34" charset="-128"/>
-                <a:ea typeface="Hiragino Maru Gothic Pro W4" panose="020F0400000000000000" pitchFamily="34" charset="-128"/>
-              </a:rPr>
-              <a:t>鬼滅帝国遠征軍</a:t>
-            </a:r>
-            <a:r>
-              <a:rPr lang="en-US" altLang="ja-JP" sz="2000" dirty="0">
-                <a:solidFill>
-                  <a:schemeClr val="accent5">
-                    <a:lumMod val="50000"/>
-                  </a:schemeClr>
-                </a:solidFill>
-                <a:latin typeface="Hiragino Maru Gothic Pro W4" panose="020F0400000000000000" pitchFamily="34" charset="-128"/>
-                <a:ea typeface="Hiragino Maru Gothic Pro W4" panose="020F0400000000000000" pitchFamily="34" charset="-128"/>
-              </a:rPr>
-              <a:t>)</a:t>
-            </a:r>
-          </a:p>
-          <a:p>
-            <a:pPr marL="502920" indent="-457200"/>
-            <a:r>
-              <a:rPr lang="en-US" altLang="ja-JP" sz="2000" dirty="0">
-                <a:solidFill>
-                  <a:schemeClr val="accent5">
-                    <a:lumMod val="50000"/>
-                  </a:schemeClr>
-                </a:solidFill>
-                <a:latin typeface="Hiragino Maru Gothic Pro W4" panose="020F0400000000000000" pitchFamily="34" charset="-128"/>
-                <a:ea typeface="Hiragino Maru Gothic Pro W4" panose="020F0400000000000000" pitchFamily="34" charset="-128"/>
-              </a:rPr>
-              <a:t>9/24(</a:t>
-            </a:r>
-            <a:r>
-              <a:rPr lang="ja-JP" altLang="en-US" sz="2000">
-                <a:solidFill>
-                  <a:schemeClr val="accent5">
-                    <a:lumMod val="50000"/>
-                  </a:schemeClr>
-                </a:solidFill>
-                <a:latin typeface="Hiragino Maru Gothic Pro W4" panose="020F0400000000000000" pitchFamily="34" charset="-128"/>
-                <a:ea typeface="Hiragino Maru Gothic Pro W4" panose="020F0400000000000000" pitchFamily="34" charset="-128"/>
-              </a:rPr>
-              <a:t>木</a:t>
-            </a:r>
-            <a:r>
-              <a:rPr lang="en-US" altLang="ja-JP" sz="2000" dirty="0">
-                <a:solidFill>
-                  <a:schemeClr val="accent5">
-                    <a:lumMod val="50000"/>
-                  </a:schemeClr>
-                </a:solidFill>
-                <a:latin typeface="Hiragino Maru Gothic Pro W4" panose="020F0400000000000000" pitchFamily="34" charset="-128"/>
-                <a:ea typeface="Hiragino Maru Gothic Pro W4" panose="020F0400000000000000" pitchFamily="34" charset="-128"/>
-              </a:rPr>
-              <a:t>) 22:30 - 23:30</a:t>
-            </a:r>
-            <a:r>
-              <a:rPr lang="ja-JP" altLang="en-US" sz="2000">
-                <a:solidFill>
-                  <a:schemeClr val="accent5">
-                    <a:lumMod val="50000"/>
-                  </a:schemeClr>
-                </a:solidFill>
-                <a:latin typeface="Hiragino Maru Gothic Pro W4" panose="020F0400000000000000" pitchFamily="34" charset="-128"/>
-                <a:ea typeface="Hiragino Maru Gothic Pro W4" panose="020F0400000000000000" pitchFamily="34" charset="-128"/>
-              </a:rPr>
-              <a:t>「まほらま</a:t>
-            </a:r>
-            <a:r>
-              <a:rPr lang="en-US" altLang="ja-JP" sz="2000" dirty="0">
-                <a:solidFill>
-                  <a:schemeClr val="accent5">
-                    <a:lumMod val="50000"/>
-                  </a:schemeClr>
-                </a:solidFill>
-                <a:latin typeface="Hiragino Maru Gothic Pro W4" panose="020F0400000000000000" pitchFamily="34" charset="-128"/>
-                <a:ea typeface="Hiragino Maru Gothic Pro W4" panose="020F0400000000000000" pitchFamily="34" charset="-128"/>
-              </a:rPr>
-              <a:t>〜</a:t>
-            </a:r>
-            <a:r>
-              <a:rPr lang="ja-JP" altLang="en-US" sz="2000">
-                <a:solidFill>
-                  <a:schemeClr val="accent5">
-                    <a:lumMod val="50000"/>
-                  </a:schemeClr>
-                </a:solidFill>
-                <a:latin typeface="Hiragino Maru Gothic Pro W4" panose="020F0400000000000000" pitchFamily="34" charset="-128"/>
-                <a:ea typeface="Hiragino Maru Gothic Pro W4" panose="020F0400000000000000" pitchFamily="34" charset="-128"/>
-              </a:rPr>
-              <a:t>摩天楼</a:t>
-            </a:r>
-            <a:r>
-              <a:rPr lang="en-US" altLang="ja-JP" sz="2000" dirty="0">
-                <a:solidFill>
-                  <a:schemeClr val="accent5">
-                    <a:lumMod val="50000"/>
-                  </a:schemeClr>
-                </a:solidFill>
-                <a:latin typeface="Hiragino Maru Gothic Pro W4" panose="020F0400000000000000" pitchFamily="34" charset="-128"/>
-                <a:ea typeface="Hiragino Maru Gothic Pro W4" panose="020F0400000000000000" pitchFamily="34" charset="-128"/>
-              </a:rPr>
-              <a:t>〜</a:t>
-            </a:r>
-            <a:r>
-              <a:rPr lang="ja-JP" altLang="en-US" sz="2000">
-                <a:solidFill>
-                  <a:schemeClr val="accent5">
-                    <a:lumMod val="50000"/>
-                  </a:schemeClr>
-                </a:solidFill>
-                <a:latin typeface="Hiragino Maru Gothic Pro W4" panose="020F0400000000000000" pitchFamily="34" charset="-128"/>
-                <a:ea typeface="Hiragino Maru Gothic Pro W4" panose="020F0400000000000000" pitchFamily="34" charset="-128"/>
-              </a:rPr>
-              <a:t>」</a:t>
-            </a:r>
-            <a:br>
-              <a:rPr lang="en-US" altLang="ja-JP" sz="2000" dirty="0">
-                <a:solidFill>
-                  <a:schemeClr val="accent5">
-                    <a:lumMod val="50000"/>
-                  </a:schemeClr>
-                </a:solidFill>
-                <a:latin typeface="Hiragino Maru Gothic Pro W4" panose="020F0400000000000000" pitchFamily="34" charset="-128"/>
-                <a:ea typeface="Hiragino Maru Gothic Pro W4" panose="020F0400000000000000" pitchFamily="34" charset="-128"/>
-              </a:rPr>
-            </a:br>
-            <a:r>
-              <a:rPr lang="ja-JP" altLang="en-US" sz="2000">
-                <a:solidFill>
-                  <a:schemeClr val="accent5">
-                    <a:lumMod val="50000"/>
-                  </a:schemeClr>
-                </a:solidFill>
-                <a:latin typeface="Hiragino Maru Gothic Pro W4" panose="020F0400000000000000" pitchFamily="34" charset="-128"/>
-                <a:ea typeface="Hiragino Maru Gothic Pro W4" panose="020F0400000000000000" pitchFamily="34" charset="-128"/>
-              </a:rPr>
-              <a:t>　練習試合</a:t>
-            </a:r>
-            <a:r>
-              <a:rPr lang="en-US" altLang="ja-JP" sz="2000" dirty="0">
-                <a:solidFill>
-                  <a:schemeClr val="accent5">
-                    <a:lumMod val="50000"/>
-                  </a:schemeClr>
-                </a:solidFill>
-                <a:latin typeface="Hiragino Maru Gothic Pro W4" panose="020F0400000000000000" pitchFamily="34" charset="-128"/>
-                <a:ea typeface="Hiragino Maru Gothic Pro W4" panose="020F0400000000000000" pitchFamily="34" charset="-128"/>
-              </a:rPr>
-              <a:t> (vs </a:t>
-            </a:r>
-            <a:r>
-              <a:rPr lang="ja-JP" altLang="en-US" sz="2000">
-                <a:solidFill>
-                  <a:schemeClr val="accent5">
-                    <a:lumMod val="50000"/>
-                  </a:schemeClr>
-                </a:solidFill>
-                <a:latin typeface="Hiragino Maru Gothic Pro W4" panose="020F0400000000000000" pitchFamily="34" charset="-128"/>
-                <a:ea typeface="Hiragino Maru Gothic Pro W4" panose="020F0400000000000000" pitchFamily="34" charset="-128"/>
-              </a:rPr>
-              <a:t>しゃにむにリーグ戦</a:t>
-            </a:r>
-            <a:r>
-              <a:rPr lang="en-US" altLang="ja-JP" sz="2000" dirty="0">
-                <a:solidFill>
-                  <a:schemeClr val="accent5">
-                    <a:lumMod val="50000"/>
-                  </a:schemeClr>
-                </a:solidFill>
-                <a:latin typeface="Hiragino Maru Gothic Pro W4" panose="020F0400000000000000" pitchFamily="34" charset="-128"/>
-                <a:ea typeface="Hiragino Maru Gothic Pro W4" panose="020F0400000000000000" pitchFamily="34" charset="-128"/>
-              </a:rPr>
-              <a:t>)</a:t>
-            </a:r>
-            <a:endParaRPr lang="en-US" altLang="ja-JP" sz="2000" dirty="0">
+              <a:rPr lang="ja-JP" altLang="en-US" sz="1800">
+                <a:solidFill>
+                  <a:schemeClr val="accent5">
+                    <a:lumMod val="50000"/>
+                  </a:schemeClr>
+                </a:solidFill>
+                <a:latin typeface="Hiragino Maru Gothic Pro W4" panose="020F0400000000000000" pitchFamily="34" charset="-128"/>
+                <a:ea typeface="Hiragino Maru Gothic Pro W4" panose="020F0400000000000000" pitchFamily="34" charset="-128"/>
+              </a:rPr>
+              <a:t>　野良戦もできないですし、経験値を積んだ方が良い判断です。</a:t>
+            </a:r>
+            <a:endParaRPr lang="en-US" altLang="ja-JP" sz="1800" dirty="0">
               <a:solidFill>
                 <a:srgbClr val="FF0000"/>
-              </a:solidFill>
-              <a:latin typeface="Hiragino Maru Gothic Pro W4" panose="020F0400000000000000" pitchFamily="34" charset="-128"/>
-              <a:ea typeface="Hiragino Maru Gothic Pro W4" panose="020F0400000000000000" pitchFamily="34" charset="-128"/>
-            </a:endParaRPr>
-          </a:p>
-          <a:p>
-            <a:pPr marL="502920" indent="-457200"/>
-            <a:r>
-              <a:rPr lang="en-US" altLang="ja-JP" sz="2000" dirty="0">
-                <a:solidFill>
-                  <a:schemeClr val="accent5">
-                    <a:lumMod val="50000"/>
-                  </a:schemeClr>
-                </a:solidFill>
-                <a:latin typeface="Hiragino Maru Gothic Pro W4" panose="020F0400000000000000" pitchFamily="34" charset="-128"/>
-                <a:ea typeface="Hiragino Maru Gothic Pro W4" panose="020F0400000000000000" pitchFamily="34" charset="-128"/>
-              </a:rPr>
-              <a:t>9/26(</a:t>
-            </a:r>
-            <a:r>
-              <a:rPr lang="ja-JP" altLang="en-US" sz="2000">
-                <a:solidFill>
-                  <a:schemeClr val="accent5">
-                    <a:lumMod val="50000"/>
-                  </a:schemeClr>
-                </a:solidFill>
-                <a:latin typeface="Hiragino Maru Gothic Pro W4" panose="020F0400000000000000" pitchFamily="34" charset="-128"/>
-                <a:ea typeface="Hiragino Maru Gothic Pro W4" panose="020F0400000000000000" pitchFamily="34" charset="-128"/>
-              </a:rPr>
-              <a:t>土</a:t>
-            </a:r>
-            <a:r>
-              <a:rPr lang="en-US" altLang="ja-JP" sz="2000" dirty="0">
-                <a:solidFill>
-                  <a:schemeClr val="accent5">
-                    <a:lumMod val="50000"/>
-                  </a:schemeClr>
-                </a:solidFill>
-                <a:latin typeface="Hiragino Maru Gothic Pro W4" panose="020F0400000000000000" pitchFamily="34" charset="-128"/>
-                <a:ea typeface="Hiragino Maru Gothic Pro W4" panose="020F0400000000000000" pitchFamily="34" charset="-128"/>
-              </a:rPr>
-              <a:t>) 21:00 - XX:XX</a:t>
-            </a:r>
-            <a:r>
-              <a:rPr lang="ja-JP" altLang="en-US" sz="2000">
-                <a:solidFill>
-                  <a:schemeClr val="accent5">
-                    <a:lumMod val="50000"/>
-                  </a:schemeClr>
-                </a:solidFill>
-                <a:latin typeface="Hiragino Maru Gothic Pro W4" panose="020F0400000000000000" pitchFamily="34" charset="-128"/>
-                <a:ea typeface="Hiragino Maru Gothic Pro W4" panose="020F0400000000000000" pitchFamily="34" charset="-128"/>
-              </a:rPr>
-              <a:t>「まほらま」</a:t>
-            </a:r>
-            <a:br>
-              <a:rPr lang="en-US" altLang="ja-JP" sz="2000" dirty="0">
-                <a:solidFill>
-                  <a:schemeClr val="accent5">
-                    <a:lumMod val="50000"/>
-                  </a:schemeClr>
-                </a:solidFill>
-                <a:latin typeface="Hiragino Maru Gothic Pro W4" panose="020F0400000000000000" pitchFamily="34" charset="-128"/>
-                <a:ea typeface="Hiragino Maru Gothic Pro W4" panose="020F0400000000000000" pitchFamily="34" charset="-128"/>
-              </a:rPr>
-            </a:br>
-            <a:r>
-              <a:rPr lang="ja-JP" altLang="en-US" sz="2000">
-                <a:solidFill>
-                  <a:schemeClr val="accent5">
-                    <a:lumMod val="50000"/>
-                  </a:schemeClr>
-                </a:solidFill>
-                <a:latin typeface="Hiragino Maru Gothic Pro W4" panose="020F0400000000000000" pitchFamily="34" charset="-128"/>
-                <a:ea typeface="Hiragino Maru Gothic Pro W4" panose="020F0400000000000000" pitchFamily="34" charset="-128"/>
-              </a:rPr>
-              <a:t>　</a:t>
-            </a:r>
-            <a:r>
-              <a:rPr lang="en-US" altLang="ja-JP" sz="2000" dirty="0">
-                <a:solidFill>
-                  <a:schemeClr val="accent5">
-                    <a:lumMod val="50000"/>
-                  </a:schemeClr>
-                </a:solidFill>
-                <a:latin typeface="Hiragino Maru Gothic Pro W4" panose="020F0400000000000000" pitchFamily="34" charset="-128"/>
-                <a:ea typeface="Hiragino Maru Gothic Pro W4" panose="020F0400000000000000" pitchFamily="34" charset="-128"/>
-              </a:rPr>
-              <a:t>CQC</a:t>
-            </a:r>
-            <a:r>
-              <a:rPr lang="ja-JP" altLang="en-US" sz="2000">
-                <a:solidFill>
-                  <a:schemeClr val="accent5">
-                    <a:lumMod val="50000"/>
-                  </a:schemeClr>
-                </a:solidFill>
-                <a:latin typeface="Hiragino Maru Gothic Pro W4" panose="020F0400000000000000" pitchFamily="34" charset="-128"/>
-                <a:ea typeface="Hiragino Maru Gothic Pro W4" panose="020F0400000000000000" pitchFamily="34" charset="-128"/>
-              </a:rPr>
-              <a:t>本戦１日目</a:t>
-            </a:r>
-            <a:endParaRPr lang="en-US" altLang="ja-JP" sz="2000" dirty="0">
-              <a:solidFill>
-                <a:schemeClr val="accent5">
-                  <a:lumMod val="50000"/>
-                </a:schemeClr>
-              </a:solidFill>
-              <a:latin typeface="Hiragino Maru Gothic Pro W4" panose="020F0400000000000000" pitchFamily="34" charset="-128"/>
-              <a:ea typeface="Hiragino Maru Gothic Pro W4" panose="020F0400000000000000" pitchFamily="34" charset="-128"/>
-            </a:endParaRPr>
-          </a:p>
-          <a:p>
-            <a:pPr marL="502920" indent="-457200"/>
-            <a:r>
-              <a:rPr lang="en-US" altLang="ja-JP" sz="2000" dirty="0">
-                <a:solidFill>
-                  <a:schemeClr val="accent5">
-                    <a:lumMod val="50000"/>
-                  </a:schemeClr>
-                </a:solidFill>
-                <a:latin typeface="Hiragino Maru Gothic Pro W4" panose="020F0400000000000000" pitchFamily="34" charset="-128"/>
-                <a:ea typeface="Hiragino Maru Gothic Pro W4" panose="020F0400000000000000" pitchFamily="34" charset="-128"/>
-              </a:rPr>
-              <a:t>9/27(</a:t>
-            </a:r>
-            <a:r>
-              <a:rPr lang="ja-JP" altLang="en-US" sz="2000">
-                <a:solidFill>
-                  <a:schemeClr val="accent5">
-                    <a:lumMod val="50000"/>
-                  </a:schemeClr>
-                </a:solidFill>
-                <a:latin typeface="Hiragino Maru Gothic Pro W4" panose="020F0400000000000000" pitchFamily="34" charset="-128"/>
-                <a:ea typeface="Hiragino Maru Gothic Pro W4" panose="020F0400000000000000" pitchFamily="34" charset="-128"/>
-              </a:rPr>
-              <a:t>日</a:t>
-            </a:r>
-            <a:r>
-              <a:rPr lang="en-US" altLang="ja-JP" sz="2000" dirty="0">
-                <a:solidFill>
-                  <a:schemeClr val="accent5">
-                    <a:lumMod val="50000"/>
-                  </a:schemeClr>
-                </a:solidFill>
-                <a:latin typeface="Hiragino Maru Gothic Pro W4" panose="020F0400000000000000" pitchFamily="34" charset="-128"/>
-                <a:ea typeface="Hiragino Maru Gothic Pro W4" panose="020F0400000000000000" pitchFamily="34" charset="-128"/>
-              </a:rPr>
-              <a:t>) 21:00 - XX:XX</a:t>
-            </a:r>
-            <a:r>
-              <a:rPr lang="ja-JP" altLang="en-US" sz="2000">
-                <a:solidFill>
-                  <a:schemeClr val="accent5">
-                    <a:lumMod val="50000"/>
-                  </a:schemeClr>
-                </a:solidFill>
-                <a:latin typeface="Hiragino Maru Gothic Pro W4" panose="020F0400000000000000" pitchFamily="34" charset="-128"/>
-                <a:ea typeface="Hiragino Maru Gothic Pro W4" panose="020F0400000000000000" pitchFamily="34" charset="-128"/>
-              </a:rPr>
-              <a:t>「まほらま」</a:t>
-            </a:r>
-            <a:br>
-              <a:rPr lang="en-US" altLang="ja-JP" sz="2000" dirty="0">
-                <a:solidFill>
-                  <a:schemeClr val="accent5">
-                    <a:lumMod val="50000"/>
-                  </a:schemeClr>
-                </a:solidFill>
-                <a:latin typeface="Hiragino Maru Gothic Pro W4" panose="020F0400000000000000" pitchFamily="34" charset="-128"/>
-                <a:ea typeface="Hiragino Maru Gothic Pro W4" panose="020F0400000000000000" pitchFamily="34" charset="-128"/>
-              </a:rPr>
-            </a:br>
-            <a:r>
-              <a:rPr lang="ja-JP" altLang="en-US" sz="2000">
-                <a:solidFill>
-                  <a:schemeClr val="accent5">
-                    <a:lumMod val="50000"/>
-                  </a:schemeClr>
-                </a:solidFill>
-                <a:latin typeface="Hiragino Maru Gothic Pro W4" panose="020F0400000000000000" pitchFamily="34" charset="-128"/>
-                <a:ea typeface="Hiragino Maru Gothic Pro W4" panose="020F0400000000000000" pitchFamily="34" charset="-128"/>
-              </a:rPr>
-              <a:t>　</a:t>
-            </a:r>
-            <a:r>
-              <a:rPr lang="en-US" altLang="ja-JP" sz="2000" dirty="0">
-                <a:solidFill>
-                  <a:schemeClr val="accent5">
-                    <a:lumMod val="50000"/>
-                  </a:schemeClr>
-                </a:solidFill>
-                <a:latin typeface="Hiragino Maru Gothic Pro W4" panose="020F0400000000000000" pitchFamily="34" charset="-128"/>
-                <a:ea typeface="Hiragino Maru Gothic Pro W4" panose="020F0400000000000000" pitchFamily="34" charset="-128"/>
-              </a:rPr>
-              <a:t>CQC</a:t>
-            </a:r>
-            <a:r>
-              <a:rPr lang="ja-JP" altLang="en-US" sz="2000">
-                <a:solidFill>
-                  <a:schemeClr val="accent5">
-                    <a:lumMod val="50000"/>
-                  </a:schemeClr>
-                </a:solidFill>
-                <a:latin typeface="Hiragino Maru Gothic Pro W4" panose="020F0400000000000000" pitchFamily="34" charset="-128"/>
-                <a:ea typeface="Hiragino Maru Gothic Pro W4" panose="020F0400000000000000" pitchFamily="34" charset="-128"/>
-              </a:rPr>
-              <a:t>本戦２日目</a:t>
-            </a:r>
-            <a:endParaRPr lang="en-US" altLang="ja-JP" sz="2000" dirty="0">
-              <a:solidFill>
-                <a:schemeClr val="accent5">
-                  <a:lumMod val="50000"/>
-                </a:schemeClr>
               </a:solidFill>
               <a:latin typeface="Hiragino Maru Gothic Pro W4" panose="020F0400000000000000" pitchFamily="34" charset="-128"/>
               <a:ea typeface="Hiragino Maru Gothic Pro W4" panose="020F0400000000000000" pitchFamily="34" charset="-128"/>
@@ -9492,7 +9750,30 @@
                 <a:latin typeface="Hiragino Maru Gothic Pro W4" panose="020F0400000000000000" pitchFamily="34" charset="-128"/>
                 <a:ea typeface="Hiragino Maru Gothic Pro W4" panose="020F0400000000000000" pitchFamily="34" charset="-128"/>
               </a:rPr>
-              <a:t>ただし本番は緊張などに</a:t>
+              <a:t>上は非カンスト村相手の数値。</a:t>
+            </a:r>
+            <a:br>
+              <a:rPr lang="en-US" altLang="ja-JP" dirty="0">
+                <a:solidFill>
+                  <a:schemeClr val="accent5">
+                    <a:lumMod val="50000"/>
+                  </a:schemeClr>
+                </a:solidFill>
+                <a:latin typeface="Hiragino Maru Gothic Pro W4" panose="020F0400000000000000" pitchFamily="34" charset="-128"/>
+                <a:ea typeface="Hiragino Maru Gothic Pro W4" panose="020F0400000000000000" pitchFamily="34" charset="-128"/>
+              </a:rPr>
+            </a:br>
+            <a:r>
+              <a:rPr lang="ja-JP" altLang="en-US">
+                <a:solidFill>
+                  <a:schemeClr val="accent5">
+                    <a:lumMod val="50000"/>
+                  </a:schemeClr>
+                </a:solidFill>
+                <a:latin typeface="Hiragino Maru Gothic Pro W4" panose="020F0400000000000000" pitchFamily="34" charset="-128"/>
+                <a:ea typeface="Hiragino Maru Gothic Pro W4" panose="020F0400000000000000" pitchFamily="34" charset="-128"/>
+              </a:rPr>
+              <a:t>　しかも本番は緊張などにより、もっと下がると思われる。</a:t>
             </a:r>
             <a:endParaRPr lang="en-US" altLang="ja-JP" dirty="0">
               <a:solidFill>

--- a/CQC攻略.pptx
+++ b/CQC攻略.pptx
@@ -240,7 +240,7 @@
                 <a:latin typeface="ＭＳ 明朝" panose="02020609040205080304" pitchFamily="17" charset="-128"/>
                 <a:ea typeface="ＭＳ 明朝" panose="02020609040205080304" pitchFamily="17" charset="-128"/>
               </a:rPr>
-              <a:t>2020年9月20日</a:t>
+              <a:t>2020年9月22日</a:t>
             </a:fld>
             <a:endParaRPr lang="en-US">
               <a:latin typeface="ＭＳ 明朝" panose="02020609040205080304" pitchFamily="17" charset="-128"/>
@@ -427,7 +427,7 @@
             <a:fld id="{30389980-3DE9-4702-8CE7-20043EFDAF6C}" type="datetime4">
               <a:rPr lang="ja-JP" altLang="en-US" smtClean="0"/>
               <a:pPr/>
-              <a:t>2020年9月20日</a:t>
+              <a:t>2020年9月22日</a:t>
             </a:fld>
             <a:endParaRPr lang="en-US"/>
           </a:p>
@@ -882,7 +882,7 @@
           <a:p>
             <a:fld id="{5ADD3B2F-B41F-7942-990C-7D7FFD69CA5F}" type="datetimeFigureOut">
               <a:rPr kumimoji="1" lang="ja-JP" altLang="en-US" smtClean="0"/>
-              <a:t>2020/9/20</a:t>
+              <a:t>2020/9/22</a:t>
             </a:fld>
             <a:endParaRPr kumimoji="1" lang="ja-JP" altLang="en-US"/>
           </a:p>
@@ -7753,7 +7753,7 @@
           <a:p>
             <a:pPr marL="502920" indent="-457200"/>
             <a:r>
-              <a:rPr lang="en-US" altLang="ja-JP" sz="1500" dirty="0">
+              <a:rPr lang="en-US" altLang="ja-JP" sz="1300" dirty="0">
                 <a:solidFill>
                   <a:schemeClr val="accent5">
                     <a:lumMod val="50000"/>
@@ -7765,7 +7765,7 @@
               <a:t>9/18(</a:t>
             </a:r>
             <a:r>
-              <a:rPr lang="ja-JP" altLang="en-US" sz="1500">
+              <a:rPr lang="ja-JP" altLang="en-US" sz="1300">
                 <a:solidFill>
                   <a:schemeClr val="accent5">
                     <a:lumMod val="50000"/>
@@ -7777,7 +7777,7 @@
               <a:t>金</a:t>
             </a:r>
             <a:r>
-              <a:rPr lang="en-US" altLang="ja-JP" sz="1500" dirty="0">
+              <a:rPr lang="en-US" altLang="ja-JP" sz="1300" dirty="0">
                 <a:solidFill>
                   <a:schemeClr val="accent5">
                     <a:lumMod val="50000"/>
@@ -7789,7 +7789,7 @@
               <a:t>) 21:00 - 22:00</a:t>
             </a:r>
             <a:r>
-              <a:rPr lang="ja-JP" altLang="en-US" sz="1500">
+              <a:rPr lang="ja-JP" altLang="en-US" sz="1300">
                 <a:solidFill>
                   <a:schemeClr val="accent5">
                     <a:lumMod val="50000"/>
@@ -7801,7 +7801,7 @@
               <a:t>「まほらま</a:t>
             </a:r>
             <a:r>
-              <a:rPr lang="en-US" altLang="ja-JP" sz="1500" dirty="0">
+              <a:rPr lang="en-US" altLang="ja-JP" sz="1300" dirty="0">
                 <a:solidFill>
                   <a:schemeClr val="accent5">
                     <a:lumMod val="50000"/>
@@ -7813,7 +7813,7 @@
               <a:t>〜</a:t>
             </a:r>
             <a:r>
-              <a:rPr lang="ja-JP" altLang="en-US" sz="1500">
+              <a:rPr lang="ja-JP" altLang="en-US" sz="1300">
                 <a:solidFill>
                   <a:schemeClr val="accent5">
                     <a:lumMod val="50000"/>
@@ -7825,7 +7825,7 @@
               <a:t>摩天楼</a:t>
             </a:r>
             <a:r>
-              <a:rPr lang="en-US" altLang="ja-JP" sz="1500" dirty="0">
+              <a:rPr lang="en-US" altLang="ja-JP" sz="1300" dirty="0">
                 <a:solidFill>
                   <a:schemeClr val="accent5">
                     <a:lumMod val="50000"/>
@@ -7837,7 +7837,7 @@
               <a:t>〜</a:t>
             </a:r>
             <a:r>
-              <a:rPr lang="ja-JP" altLang="en-US" sz="1500">
+              <a:rPr lang="ja-JP" altLang="en-US" sz="1300">
                 <a:solidFill>
                   <a:schemeClr val="accent5">
                     <a:lumMod val="50000"/>
@@ -7849,7 +7849,7 @@
               <a:t>」</a:t>
             </a:r>
             <a:br>
-              <a:rPr lang="en-US" altLang="ja-JP" sz="1500" dirty="0">
+              <a:rPr lang="en-US" altLang="ja-JP" sz="1300" dirty="0">
                 <a:solidFill>
                   <a:schemeClr val="accent5">
                     <a:lumMod val="50000"/>
@@ -7860,7 +7860,7 @@
               </a:rPr>
             </a:br>
             <a:r>
-              <a:rPr lang="ja-JP" altLang="en-US" sz="1500">
+              <a:rPr lang="ja-JP" altLang="en-US" sz="1300">
                 <a:solidFill>
                   <a:schemeClr val="accent5">
                     <a:lumMod val="50000"/>
@@ -7872,7 +7872,7 @@
               <a:t>　練習試合</a:t>
             </a:r>
             <a:r>
-              <a:rPr lang="en-US" altLang="ja-JP" sz="1500" dirty="0">
+              <a:rPr lang="en-US" altLang="ja-JP" sz="1300" dirty="0">
                 <a:solidFill>
                   <a:schemeClr val="accent5">
                     <a:lumMod val="50000"/>
@@ -7887,7 +7887,7 @@
           <a:p>
             <a:pPr marL="502920" indent="-457200"/>
             <a:r>
-              <a:rPr lang="en-US" altLang="ja-JP" sz="1500" dirty="0">
+              <a:rPr lang="en-US" altLang="ja-JP" sz="1300" dirty="0">
                 <a:solidFill>
                   <a:schemeClr val="accent5">
                     <a:lumMod val="50000"/>
@@ -7899,7 +7899,7 @@
               <a:t>9/19(</a:t>
             </a:r>
             <a:r>
-              <a:rPr lang="ja-JP" altLang="en-US" sz="1500">
+              <a:rPr lang="ja-JP" altLang="en-US" sz="1300">
                 <a:solidFill>
                   <a:schemeClr val="accent5">
                     <a:lumMod val="50000"/>
@@ -7911,7 +7911,7 @@
               <a:t>土</a:t>
             </a:r>
             <a:r>
-              <a:rPr lang="en-US" altLang="ja-JP" sz="1500" dirty="0">
+              <a:rPr lang="en-US" altLang="ja-JP" sz="1300" dirty="0">
                 <a:solidFill>
                   <a:schemeClr val="accent5">
                     <a:lumMod val="50000"/>
@@ -7923,7 +7923,7 @@
               <a:t>) 11:00 - 25:00</a:t>
             </a:r>
             <a:r>
-              <a:rPr lang="ja-JP" altLang="en-US" sz="1500">
+              <a:rPr lang="ja-JP" altLang="en-US" sz="1300">
                 <a:solidFill>
                   <a:schemeClr val="accent5">
                     <a:lumMod val="50000"/>
@@ -7935,7 +7935,7 @@
               <a:t>「まほらま</a:t>
             </a:r>
             <a:r>
-              <a:rPr lang="en-US" altLang="ja-JP" sz="1500" dirty="0">
+              <a:rPr lang="en-US" altLang="ja-JP" sz="1300" dirty="0">
                 <a:solidFill>
                   <a:schemeClr val="accent5">
                     <a:lumMod val="50000"/>
@@ -7947,7 +7947,7 @@
               <a:t>〜</a:t>
             </a:r>
             <a:r>
-              <a:rPr lang="ja-JP" altLang="en-US" sz="1500">
+              <a:rPr lang="ja-JP" altLang="en-US" sz="1300">
                 <a:solidFill>
                   <a:schemeClr val="accent5">
                     <a:lumMod val="50000"/>
@@ -7959,7 +7959,7 @@
               <a:t>摩天楼</a:t>
             </a:r>
             <a:r>
-              <a:rPr lang="en-US" altLang="ja-JP" sz="1500" dirty="0">
+              <a:rPr lang="en-US" altLang="ja-JP" sz="1300" dirty="0">
                 <a:solidFill>
                   <a:schemeClr val="accent5">
                     <a:lumMod val="50000"/>
@@ -7971,7 +7971,7 @@
               <a:t>〜</a:t>
             </a:r>
             <a:r>
-              <a:rPr lang="ja-JP" altLang="en-US" sz="1500">
+              <a:rPr lang="ja-JP" altLang="en-US" sz="1300">
                 <a:solidFill>
                   <a:schemeClr val="accent5">
                     <a:lumMod val="50000"/>
@@ -7983,7 +7983,7 @@
               <a:t>」</a:t>
             </a:r>
             <a:br>
-              <a:rPr lang="en-US" altLang="ja-JP" sz="1500" dirty="0">
+              <a:rPr lang="en-US" altLang="ja-JP" sz="1300" dirty="0">
                 <a:solidFill>
                   <a:schemeClr val="accent5">
                     <a:lumMod val="50000"/>
@@ -7994,7 +7994,7 @@
               </a:rPr>
             </a:br>
             <a:r>
-              <a:rPr lang="ja-JP" altLang="en-US" sz="1500">
+              <a:rPr lang="ja-JP" altLang="en-US" sz="1300">
                 <a:solidFill>
                   <a:schemeClr val="accent5">
                     <a:lumMod val="50000"/>
@@ -8006,7 +8006,7 @@
               <a:t>　練習試合</a:t>
             </a:r>
             <a:r>
-              <a:rPr lang="en-US" altLang="ja-JP" sz="1500" dirty="0">
+              <a:rPr lang="en-US" altLang="ja-JP" sz="1300" dirty="0">
                 <a:solidFill>
                   <a:schemeClr val="accent5">
                     <a:lumMod val="50000"/>
@@ -8018,7 +8018,7 @@
               <a:t> (vs </a:t>
             </a:r>
             <a:r>
-              <a:rPr lang="ja-JP" altLang="en-US" sz="1500">
+              <a:rPr lang="ja-JP" altLang="en-US" sz="1300">
                 <a:solidFill>
                   <a:schemeClr val="accent5">
                     <a:lumMod val="50000"/>
@@ -8030,7 +8030,7 @@
               <a:t>まほらま選抜</a:t>
             </a:r>
             <a:r>
-              <a:rPr lang="en-US" altLang="ja-JP" sz="1500" dirty="0">
+              <a:rPr lang="en-US" altLang="ja-JP" sz="1300" dirty="0">
                 <a:solidFill>
                   <a:schemeClr val="accent5">
                     <a:lumMod val="50000"/>
@@ -8042,7 +8042,7 @@
               <a:t>)</a:t>
             </a:r>
             <a:r>
-              <a:rPr lang="ja-JP" altLang="en-US" sz="1500">
+              <a:rPr lang="ja-JP" altLang="en-US" sz="1300">
                 <a:solidFill>
                   <a:schemeClr val="accent5">
                     <a:lumMod val="50000"/>
@@ -8054,7 +8054,7 @@
               <a:t> </a:t>
             </a:r>
             <a:r>
-              <a:rPr lang="en-US" altLang="ja-JP" sz="1500" dirty="0">
+              <a:rPr lang="en-US" altLang="ja-JP" sz="1300" dirty="0">
                 <a:solidFill>
                   <a:schemeClr val="accent5">
                     <a:lumMod val="50000"/>
@@ -8066,7 +8066,7 @@
               <a:t>※</a:t>
             </a:r>
             <a:r>
-              <a:rPr lang="ja-JP" altLang="en-US" sz="1500">
+              <a:rPr lang="ja-JP" altLang="en-US" sz="1300">
                 <a:solidFill>
                   <a:schemeClr val="accent5">
                     <a:lumMod val="50000"/>
@@ -8078,7 +8078,7 @@
               <a:t>本戦メンバーは</a:t>
             </a:r>
             <a:r>
-              <a:rPr lang="en-US" altLang="ja-JP" sz="1500" dirty="0">
+              <a:rPr lang="en-US" altLang="ja-JP" sz="1300" dirty="0">
                 <a:solidFill>
                   <a:schemeClr val="accent5">
                     <a:lumMod val="50000"/>
@@ -8090,7 +8090,7 @@
               <a:t> 22:30-23:00 </a:t>
             </a:r>
             <a:r>
-              <a:rPr lang="ja-JP" altLang="en-US" sz="1500">
+              <a:rPr lang="ja-JP" altLang="en-US" sz="1300">
                 <a:solidFill>
                   <a:schemeClr val="accent5">
                     <a:lumMod val="50000"/>
@@ -8101,7 +8101,7 @@
               </a:rPr>
               <a:t>で戦ってください</a:t>
             </a:r>
-            <a:endParaRPr lang="en-US" altLang="ja-JP" sz="1500" dirty="0">
+            <a:endParaRPr lang="en-US" altLang="ja-JP" sz="1300" dirty="0">
               <a:solidFill>
                 <a:schemeClr val="accent5">
                   <a:lumMod val="50000"/>
@@ -8114,7 +8114,7 @@
           <a:p>
             <a:pPr marL="502920" indent="-457200"/>
             <a:r>
-              <a:rPr lang="en-US" altLang="ja-JP" sz="1500" dirty="0">
+              <a:rPr lang="en-US" altLang="ja-JP" sz="1300" dirty="0">
                 <a:solidFill>
                   <a:schemeClr val="accent5">
                     <a:lumMod val="50000"/>
@@ -8126,7 +8126,7 @@
               <a:t>9/21(</a:t>
             </a:r>
             <a:r>
-              <a:rPr lang="ja-JP" altLang="en-US" sz="1500">
+              <a:rPr lang="ja-JP" altLang="en-US" sz="1300">
                 <a:solidFill>
                   <a:schemeClr val="accent5">
                     <a:lumMod val="50000"/>
@@ -8138,7 +8138,7 @@
               <a:t>月</a:t>
             </a:r>
             <a:r>
-              <a:rPr lang="en-US" altLang="ja-JP" sz="1500" dirty="0">
+              <a:rPr lang="en-US" altLang="ja-JP" sz="1300" dirty="0">
                 <a:solidFill>
                   <a:schemeClr val="accent5">
                     <a:lumMod val="50000"/>
@@ -8150,7 +8150,7 @@
               <a:t>) 23:00 - 24:00</a:t>
             </a:r>
             <a:r>
-              <a:rPr lang="ja-JP" altLang="en-US" sz="1500">
+              <a:rPr lang="ja-JP" altLang="en-US" sz="1300">
                 <a:solidFill>
                   <a:schemeClr val="accent5">
                     <a:lumMod val="50000"/>
@@ -8162,7 +8162,7 @@
               <a:t>「まほらま</a:t>
             </a:r>
             <a:r>
-              <a:rPr lang="en-US" altLang="ja-JP" sz="1500" dirty="0">
+              <a:rPr lang="en-US" altLang="ja-JP" sz="1300" dirty="0">
                 <a:solidFill>
                   <a:schemeClr val="accent5">
                     <a:lumMod val="50000"/>
@@ -8174,7 +8174,7 @@
               <a:t>〜</a:t>
             </a:r>
             <a:r>
-              <a:rPr lang="ja-JP" altLang="en-US" sz="1500">
+              <a:rPr lang="ja-JP" altLang="en-US" sz="1300">
                 <a:solidFill>
                   <a:schemeClr val="accent5">
                     <a:lumMod val="50000"/>
@@ -8186,7 +8186,7 @@
               <a:t>摩天楼</a:t>
             </a:r>
             <a:r>
-              <a:rPr lang="en-US" altLang="ja-JP" sz="1500" dirty="0">
+              <a:rPr lang="en-US" altLang="ja-JP" sz="1300" dirty="0">
                 <a:solidFill>
                   <a:schemeClr val="accent5">
                     <a:lumMod val="50000"/>
@@ -8198,7 +8198,7 @@
               <a:t>〜</a:t>
             </a:r>
             <a:r>
-              <a:rPr lang="ja-JP" altLang="en-US" sz="1500">
+              <a:rPr lang="ja-JP" altLang="en-US" sz="1300">
                 <a:solidFill>
                   <a:schemeClr val="accent5">
                     <a:lumMod val="50000"/>
@@ -8210,7 +8210,7 @@
               <a:t>」</a:t>
             </a:r>
             <a:br>
-              <a:rPr lang="en-US" altLang="ja-JP" sz="1500" dirty="0">
+              <a:rPr lang="en-US" altLang="ja-JP" sz="1300" dirty="0">
                 <a:solidFill>
                   <a:schemeClr val="accent5">
                     <a:lumMod val="50000"/>
@@ -8221,7 +8221,7 @@
               </a:rPr>
             </a:br>
             <a:r>
-              <a:rPr lang="ja-JP" altLang="en-US" sz="1500">
+              <a:rPr lang="ja-JP" altLang="en-US" sz="1300">
                 <a:solidFill>
                   <a:schemeClr val="accent5">
                     <a:lumMod val="50000"/>
@@ -8233,7 +8233,7 @@
               <a:t>　練習試合</a:t>
             </a:r>
             <a:r>
-              <a:rPr lang="en-US" altLang="ja-JP" sz="1500" dirty="0">
+              <a:rPr lang="en-US" altLang="ja-JP" sz="1300" dirty="0">
                 <a:solidFill>
                   <a:schemeClr val="accent5">
                     <a:lumMod val="50000"/>
@@ -8245,7 +8245,7 @@
               <a:t> (vs </a:t>
             </a:r>
             <a:r>
-              <a:rPr lang="ja-JP" altLang="en-US" sz="1500">
+              <a:rPr lang="ja-JP" altLang="en-US" sz="1300">
                 <a:solidFill>
                   <a:schemeClr val="accent5">
                     <a:lumMod val="50000"/>
@@ -8257,7 +8257,7 @@
               <a:t>まほらま</a:t>
             </a:r>
             <a:r>
-              <a:rPr lang="en-US" altLang="ja-JP" sz="1500" dirty="0">
+              <a:rPr lang="en-US" altLang="ja-JP" sz="1300" dirty="0">
                 <a:solidFill>
                   <a:schemeClr val="accent5">
                     <a:lumMod val="50000"/>
@@ -8269,7 +8269,7 @@
               <a:t>〜</a:t>
             </a:r>
             <a:r>
-              <a:rPr lang="ja-JP" altLang="en-US" sz="1500">
+              <a:rPr lang="ja-JP" altLang="en-US" sz="1300">
                 <a:solidFill>
                   <a:schemeClr val="accent5">
                     <a:lumMod val="50000"/>
@@ -8281,7 +8281,7 @@
               <a:t>黎明</a:t>
             </a:r>
             <a:r>
-              <a:rPr lang="en-US" altLang="ja-JP" sz="1500" dirty="0">
+              <a:rPr lang="en-US" altLang="ja-JP" sz="1300" dirty="0">
                 <a:solidFill>
                   <a:schemeClr val="accent5">
                     <a:lumMod val="50000"/>
@@ -8293,7 +8293,7 @@
               <a:t>〜(</a:t>
             </a:r>
             <a:r>
-              <a:rPr lang="ja-JP" altLang="en-US" sz="1500">
+              <a:rPr lang="ja-JP" altLang="en-US" sz="1300">
                 <a:solidFill>
                   <a:schemeClr val="accent5">
                     <a:lumMod val="50000"/>
@@ -8305,7 +8305,7 @@
               <a:t>ムーさんチーム</a:t>
             </a:r>
             <a:r>
-              <a:rPr lang="en-US" altLang="ja-JP" sz="1500" dirty="0">
+              <a:rPr lang="en-US" altLang="ja-JP" sz="1300" dirty="0">
                 <a:solidFill>
                   <a:schemeClr val="accent5">
                     <a:lumMod val="50000"/>
@@ -8320,7 +8320,7 @@
           <a:p>
             <a:pPr marL="502920" indent="-457200"/>
             <a:r>
-              <a:rPr lang="en-US" altLang="ja-JP" sz="1500" dirty="0">
+              <a:rPr lang="en-US" altLang="ja-JP" sz="1300" dirty="0">
                 <a:solidFill>
                   <a:schemeClr val="accent5">
                     <a:lumMod val="50000"/>
@@ -8332,7 +8332,7 @@
               <a:t>9/22(</a:t>
             </a:r>
             <a:r>
-              <a:rPr lang="ja-JP" altLang="en-US" sz="1500">
+              <a:rPr lang="ja-JP" altLang="en-US" sz="1300">
                 <a:solidFill>
                   <a:schemeClr val="accent5">
                     <a:lumMod val="50000"/>
@@ -8344,7 +8344,7 @@
               <a:t>火</a:t>
             </a:r>
             <a:r>
-              <a:rPr lang="en-US" altLang="ja-JP" sz="1500" dirty="0">
+              <a:rPr lang="en-US" altLang="ja-JP" sz="1300" dirty="0">
                 <a:solidFill>
                   <a:schemeClr val="accent5">
                     <a:lumMod val="50000"/>
@@ -8356,7 +8356,7 @@
               <a:t>) 22:00 - 23:00</a:t>
             </a:r>
             <a:r>
-              <a:rPr lang="ja-JP" altLang="en-US" sz="1500">
+              <a:rPr lang="ja-JP" altLang="en-US" sz="1300">
                 <a:solidFill>
                   <a:schemeClr val="accent5">
                     <a:lumMod val="50000"/>
@@ -8368,7 +8368,7 @@
               <a:t>「まほらま</a:t>
             </a:r>
             <a:r>
-              <a:rPr lang="en-US" altLang="ja-JP" sz="1500" dirty="0">
+              <a:rPr lang="en-US" altLang="ja-JP" sz="1300" dirty="0">
                 <a:solidFill>
                   <a:schemeClr val="accent5">
                     <a:lumMod val="50000"/>
@@ -8380,7 +8380,7 @@
               <a:t>〜</a:t>
             </a:r>
             <a:r>
-              <a:rPr lang="ja-JP" altLang="en-US" sz="1500">
+              <a:rPr lang="ja-JP" altLang="en-US" sz="1300">
                 <a:solidFill>
                   <a:schemeClr val="accent5">
                     <a:lumMod val="50000"/>
@@ -8392,7 +8392,7 @@
               <a:t>摩天楼</a:t>
             </a:r>
             <a:r>
-              <a:rPr lang="en-US" altLang="ja-JP" sz="1500" dirty="0">
+              <a:rPr lang="en-US" altLang="ja-JP" sz="1300" dirty="0">
                 <a:solidFill>
                   <a:schemeClr val="accent5">
                     <a:lumMod val="50000"/>
@@ -8404,7 +8404,7 @@
               <a:t>〜</a:t>
             </a:r>
             <a:r>
-              <a:rPr lang="ja-JP" altLang="en-US" sz="1500">
+              <a:rPr lang="ja-JP" altLang="en-US" sz="1300">
                 <a:solidFill>
                   <a:schemeClr val="accent5">
                     <a:lumMod val="50000"/>
@@ -8416,7 +8416,7 @@
               <a:t>」</a:t>
             </a:r>
             <a:br>
-              <a:rPr lang="en-US" altLang="ja-JP" sz="1500" dirty="0">
+              <a:rPr lang="en-US" altLang="ja-JP" sz="1300" dirty="0">
                 <a:solidFill>
                   <a:schemeClr val="accent5">
                     <a:lumMod val="50000"/>
@@ -8427,7 +8427,7 @@
               </a:rPr>
             </a:br>
             <a:r>
-              <a:rPr lang="ja-JP" altLang="en-US" sz="1500">
+              <a:rPr lang="ja-JP" altLang="en-US" sz="1300">
                 <a:solidFill>
                   <a:schemeClr val="accent5">
                     <a:lumMod val="50000"/>
@@ -8439,7 +8439,7 @@
               <a:t>　練習試合</a:t>
             </a:r>
             <a:r>
-              <a:rPr lang="en-US" altLang="ja-JP" sz="1500" dirty="0">
+              <a:rPr lang="en-US" altLang="ja-JP" sz="1300" dirty="0">
                 <a:solidFill>
                   <a:schemeClr val="accent5">
                     <a:lumMod val="50000"/>
@@ -8451,7 +8451,7 @@
               <a:t> (vs </a:t>
             </a:r>
             <a:r>
-              <a:rPr lang="ja-JP" altLang="en-US" sz="1500">
+              <a:rPr lang="ja-JP" altLang="en-US" sz="1300">
                 <a:solidFill>
                   <a:schemeClr val="accent5">
                     <a:lumMod val="50000"/>
@@ -8463,7 +8463,7 @@
               <a:t>鬼滅帝国遠征軍</a:t>
             </a:r>
             <a:r>
-              <a:rPr lang="en-US" altLang="ja-JP" sz="1500" dirty="0">
+              <a:rPr lang="en-US" altLang="ja-JP" sz="1300" dirty="0">
                 <a:solidFill>
                   <a:schemeClr val="accent5">
                     <a:lumMod val="50000"/>
@@ -8475,7 +8475,7 @@
               <a:t>)</a:t>
             </a:r>
             <a:br>
-              <a:rPr lang="en-US" altLang="ja-JP" sz="1500" dirty="0">
+              <a:rPr lang="en-US" altLang="ja-JP" sz="1300" dirty="0">
                 <a:solidFill>
                   <a:schemeClr val="accent5">
                     <a:lumMod val="50000"/>
@@ -8486,7 +8486,7 @@
               </a:rPr>
             </a:br>
             <a:r>
-              <a:rPr lang="en-US" altLang="ja-JP" sz="1500" dirty="0">
+              <a:rPr lang="en-US" altLang="ja-JP" sz="1300" dirty="0">
                 <a:solidFill>
                   <a:schemeClr val="accent5">
                     <a:lumMod val="50000"/>
@@ -8498,7 +8498,7 @@
               <a:t>9/22(</a:t>
             </a:r>
             <a:r>
-              <a:rPr lang="ja-JP" altLang="en-US" sz="1500">
+              <a:rPr lang="ja-JP" altLang="en-US" sz="1300">
                 <a:solidFill>
                   <a:schemeClr val="accent5">
                     <a:lumMod val="50000"/>
@@ -8510,7 +8510,7 @@
               <a:t>火</a:t>
             </a:r>
             <a:r>
-              <a:rPr lang="en-US" altLang="ja-JP" sz="1500" dirty="0">
+              <a:rPr lang="en-US" altLang="ja-JP" sz="1300" dirty="0">
                 <a:solidFill>
                   <a:schemeClr val="accent5">
                     <a:lumMod val="50000"/>
@@ -8522,7 +8522,7 @@
               <a:t>) 23:00 - 24:00</a:t>
             </a:r>
             <a:r>
-              <a:rPr lang="ja-JP" altLang="en-US" sz="1500">
+              <a:rPr lang="ja-JP" altLang="en-US" sz="1300">
                 <a:solidFill>
                   <a:schemeClr val="accent5">
                     <a:lumMod val="50000"/>
@@ -8534,7 +8534,7 @@
               <a:t>「まほらま</a:t>
             </a:r>
             <a:r>
-              <a:rPr lang="en-US" altLang="ja-JP" sz="1500" dirty="0">
+              <a:rPr lang="en-US" altLang="ja-JP" sz="1300" dirty="0">
                 <a:solidFill>
                   <a:schemeClr val="accent5">
                     <a:lumMod val="50000"/>
@@ -8546,7 +8546,7 @@
               <a:t>〜</a:t>
             </a:r>
             <a:r>
-              <a:rPr lang="ja-JP" altLang="en-US" sz="1500">
+              <a:rPr lang="ja-JP" altLang="en-US" sz="1300">
                 <a:solidFill>
                   <a:schemeClr val="accent5">
                     <a:lumMod val="50000"/>
@@ -8558,7 +8558,7 @@
               <a:t>摩天楼</a:t>
             </a:r>
             <a:r>
-              <a:rPr lang="en-US" altLang="ja-JP" sz="1500" dirty="0">
+              <a:rPr lang="en-US" altLang="ja-JP" sz="1300" dirty="0">
                 <a:solidFill>
                   <a:schemeClr val="accent5">
                     <a:lumMod val="50000"/>
@@ -8570,7 +8570,7 @@
               <a:t>〜</a:t>
             </a:r>
             <a:r>
-              <a:rPr lang="ja-JP" altLang="en-US" sz="1500">
+              <a:rPr lang="ja-JP" altLang="en-US" sz="1300">
                 <a:solidFill>
                   <a:schemeClr val="accent5">
                     <a:lumMod val="50000"/>
@@ -8582,7 +8582,7 @@
               <a:t>」</a:t>
             </a:r>
             <a:br>
-              <a:rPr lang="en-US" altLang="ja-JP" sz="1500" dirty="0">
+              <a:rPr lang="en-US" altLang="ja-JP" sz="1300" dirty="0">
                 <a:solidFill>
                   <a:schemeClr val="accent5">
                     <a:lumMod val="50000"/>
@@ -8593,7 +8593,7 @@
               </a:rPr>
             </a:br>
             <a:r>
-              <a:rPr lang="ja-JP" altLang="en-US" sz="1500">
+              <a:rPr lang="ja-JP" altLang="en-US" sz="1300">
                 <a:solidFill>
                   <a:schemeClr val="accent5">
                     <a:lumMod val="50000"/>
@@ -8605,7 +8605,7 @@
               <a:t>　練習試合</a:t>
             </a:r>
             <a:r>
-              <a:rPr lang="en-US" altLang="ja-JP" sz="1500" dirty="0">
+              <a:rPr lang="en-US" altLang="ja-JP" sz="1300" dirty="0">
                 <a:solidFill>
                   <a:schemeClr val="accent5">
                     <a:lumMod val="50000"/>
@@ -8617,7 +8617,7 @@
               <a:t> (vs </a:t>
             </a:r>
             <a:r>
-              <a:rPr lang="ja-JP" altLang="en-US" sz="1500">
+              <a:rPr lang="ja-JP" altLang="en-US" sz="1300">
                 <a:solidFill>
                   <a:schemeClr val="accent5">
                     <a:lumMod val="50000"/>
@@ -8629,7 +8629,7 @@
               <a:t>まほらま</a:t>
             </a:r>
             <a:r>
-              <a:rPr lang="en-US" altLang="ja-JP" sz="1500" dirty="0">
+              <a:rPr lang="en-US" altLang="ja-JP" sz="1300" dirty="0">
                 <a:solidFill>
                   <a:schemeClr val="accent5">
                     <a:lumMod val="50000"/>
@@ -8641,7 +8641,7 @@
               <a:t>〜</a:t>
             </a:r>
             <a:r>
-              <a:rPr lang="ja-JP" altLang="en-US" sz="1500">
+              <a:rPr lang="ja-JP" altLang="en-US" sz="1300">
                 <a:solidFill>
                   <a:schemeClr val="accent5">
                     <a:lumMod val="50000"/>
@@ -8653,7 +8653,7 @@
               <a:t>燎</a:t>
             </a:r>
             <a:r>
-              <a:rPr lang="en-US" altLang="ja-JP" sz="1500" dirty="0">
+              <a:rPr lang="en-US" altLang="ja-JP" sz="1300" dirty="0">
                 <a:solidFill>
                   <a:schemeClr val="accent5">
                     <a:lumMod val="50000"/>
@@ -8668,7 +8668,165 @@
           <a:p>
             <a:pPr marL="502920" indent="-457200"/>
             <a:r>
-              <a:rPr lang="en-US" altLang="ja-JP" sz="1500" dirty="0">
+              <a:rPr lang="en-US" altLang="ja-JP" sz="1300" dirty="0">
+                <a:solidFill>
+                  <a:schemeClr val="accent5">
+                    <a:lumMod val="50000"/>
+                  </a:schemeClr>
+                </a:solidFill>
+                <a:latin typeface="Hiragino Maru Gothic Pro W4" panose="020F0400000000000000" pitchFamily="34" charset="-128"/>
+                <a:ea typeface="Hiragino Maru Gothic Pro W4" panose="020F0400000000000000" pitchFamily="34" charset="-128"/>
+              </a:rPr>
+              <a:t>9/23(</a:t>
+            </a:r>
+            <a:r>
+              <a:rPr lang="ja-JP" altLang="en-US" sz="1300">
+                <a:solidFill>
+                  <a:schemeClr val="accent5">
+                    <a:lumMod val="50000"/>
+                  </a:schemeClr>
+                </a:solidFill>
+                <a:latin typeface="Hiragino Maru Gothic Pro W4" panose="020F0400000000000000" pitchFamily="34" charset="-128"/>
+                <a:ea typeface="Hiragino Maru Gothic Pro W4" panose="020F0400000000000000" pitchFamily="34" charset="-128"/>
+              </a:rPr>
+              <a:t>水</a:t>
+            </a:r>
+            <a:r>
+              <a:rPr lang="en-US" altLang="ja-JP" sz="1300" dirty="0">
+                <a:solidFill>
+                  <a:schemeClr val="accent5">
+                    <a:lumMod val="50000"/>
+                  </a:schemeClr>
+                </a:solidFill>
+                <a:latin typeface="Hiragino Maru Gothic Pro W4" panose="020F0400000000000000" pitchFamily="34" charset="-128"/>
+                <a:ea typeface="Hiragino Maru Gothic Pro W4" panose="020F0400000000000000" pitchFamily="34" charset="-128"/>
+              </a:rPr>
+              <a:t>) 23:00 - 24:00</a:t>
+            </a:r>
+            <a:r>
+              <a:rPr lang="ja-JP" altLang="en-US" sz="1300">
+                <a:solidFill>
+                  <a:schemeClr val="accent5">
+                    <a:lumMod val="50000"/>
+                  </a:schemeClr>
+                </a:solidFill>
+                <a:latin typeface="Hiragino Maru Gothic Pro W4" panose="020F0400000000000000" pitchFamily="34" charset="-128"/>
+                <a:ea typeface="Hiragino Maru Gothic Pro W4" panose="020F0400000000000000" pitchFamily="34" charset="-128"/>
+              </a:rPr>
+              <a:t>「まほらま</a:t>
+            </a:r>
+            <a:r>
+              <a:rPr lang="en-US" altLang="ja-JP" sz="1300" dirty="0">
+                <a:solidFill>
+                  <a:schemeClr val="accent5">
+                    <a:lumMod val="50000"/>
+                  </a:schemeClr>
+                </a:solidFill>
+                <a:latin typeface="Hiragino Maru Gothic Pro W4" panose="020F0400000000000000" pitchFamily="34" charset="-128"/>
+                <a:ea typeface="Hiragino Maru Gothic Pro W4" panose="020F0400000000000000" pitchFamily="34" charset="-128"/>
+              </a:rPr>
+              <a:t>〜</a:t>
+            </a:r>
+            <a:r>
+              <a:rPr lang="ja-JP" altLang="en-US" sz="1300">
+                <a:solidFill>
+                  <a:schemeClr val="accent5">
+                    <a:lumMod val="50000"/>
+                  </a:schemeClr>
+                </a:solidFill>
+                <a:latin typeface="Hiragino Maru Gothic Pro W4" panose="020F0400000000000000" pitchFamily="34" charset="-128"/>
+                <a:ea typeface="Hiragino Maru Gothic Pro W4" panose="020F0400000000000000" pitchFamily="34" charset="-128"/>
+              </a:rPr>
+              <a:t>摩天楼</a:t>
+            </a:r>
+            <a:r>
+              <a:rPr lang="en-US" altLang="ja-JP" sz="1300" dirty="0">
+                <a:solidFill>
+                  <a:schemeClr val="accent5">
+                    <a:lumMod val="50000"/>
+                  </a:schemeClr>
+                </a:solidFill>
+                <a:latin typeface="Hiragino Maru Gothic Pro W4" panose="020F0400000000000000" pitchFamily="34" charset="-128"/>
+                <a:ea typeface="Hiragino Maru Gothic Pro W4" panose="020F0400000000000000" pitchFamily="34" charset="-128"/>
+              </a:rPr>
+              <a:t>〜</a:t>
+            </a:r>
+            <a:r>
+              <a:rPr lang="ja-JP" altLang="en-US" sz="1300">
+                <a:solidFill>
+                  <a:schemeClr val="accent5">
+                    <a:lumMod val="50000"/>
+                  </a:schemeClr>
+                </a:solidFill>
+                <a:latin typeface="Hiragino Maru Gothic Pro W4" panose="020F0400000000000000" pitchFamily="34" charset="-128"/>
+                <a:ea typeface="Hiragino Maru Gothic Pro W4" panose="020F0400000000000000" pitchFamily="34" charset="-128"/>
+              </a:rPr>
+              <a:t>」</a:t>
+            </a:r>
+            <a:br>
+              <a:rPr lang="en-US" altLang="ja-JP" sz="1300" dirty="0">
+                <a:solidFill>
+                  <a:schemeClr val="accent5">
+                    <a:lumMod val="50000"/>
+                  </a:schemeClr>
+                </a:solidFill>
+                <a:latin typeface="Hiragino Maru Gothic Pro W4" panose="020F0400000000000000" pitchFamily="34" charset="-128"/>
+                <a:ea typeface="Hiragino Maru Gothic Pro W4" panose="020F0400000000000000" pitchFamily="34" charset="-128"/>
+              </a:rPr>
+            </a:br>
+            <a:r>
+              <a:rPr lang="ja-JP" altLang="en-US" sz="1300">
+                <a:solidFill>
+                  <a:schemeClr val="accent5">
+                    <a:lumMod val="50000"/>
+                  </a:schemeClr>
+                </a:solidFill>
+                <a:latin typeface="Hiragino Maru Gothic Pro W4" panose="020F0400000000000000" pitchFamily="34" charset="-128"/>
+                <a:ea typeface="Hiragino Maru Gothic Pro W4" panose="020F0400000000000000" pitchFamily="34" charset="-128"/>
+              </a:rPr>
+              <a:t>　練習試合</a:t>
+            </a:r>
+            <a:r>
+              <a:rPr lang="en-US" altLang="ja-JP" sz="1300" dirty="0">
+                <a:solidFill>
+                  <a:schemeClr val="accent5">
+                    <a:lumMod val="50000"/>
+                  </a:schemeClr>
+                </a:solidFill>
+                <a:latin typeface="Hiragino Maru Gothic Pro W4" panose="020F0400000000000000" pitchFamily="34" charset="-128"/>
+                <a:ea typeface="Hiragino Maru Gothic Pro W4" panose="020F0400000000000000" pitchFamily="34" charset="-128"/>
+              </a:rPr>
+              <a:t> (vs TH9 </a:t>
+            </a:r>
+            <a:r>
+              <a:rPr lang="ja-JP" altLang="en-US" sz="1300">
+                <a:solidFill>
+                  <a:schemeClr val="accent5">
+                    <a:lumMod val="50000"/>
+                  </a:schemeClr>
+                </a:solidFill>
+                <a:latin typeface="Hiragino Maru Gothic Pro W4" panose="020F0400000000000000" pitchFamily="34" charset="-128"/>
+                <a:ea typeface="Hiragino Maru Gothic Pro W4" panose="020F0400000000000000" pitchFamily="34" charset="-128"/>
+              </a:rPr>
+              <a:t>噂の</a:t>
+            </a:r>
+            <a:r>
+              <a:rPr lang="en-US" altLang="ja-JP" sz="1300" dirty="0">
+                <a:solidFill>
+                  <a:schemeClr val="accent5">
+                    <a:lumMod val="50000"/>
+                  </a:schemeClr>
+                </a:solidFill>
+                <a:latin typeface="Hiragino Maru Gothic Pro W4" panose="020F0400000000000000" pitchFamily="34" charset="-128"/>
+                <a:ea typeface="Hiragino Maru Gothic Pro W4" panose="020F0400000000000000" pitchFamily="34" charset="-128"/>
+              </a:rPr>
+              <a:t>69)</a:t>
+            </a:r>
+          </a:p>
+          <a:p>
+            <a:pPr marL="502920" indent="-457200"/>
+            <a:r>
+              <a:rPr lang="en-US" altLang="ja-JP" sz="1300" dirty="0">
                 <a:solidFill>
                   <a:schemeClr val="accent5">
                     <a:lumMod val="50000"/>
@@ -8680,7 +8838,7 @@
               <a:t>9/24(</a:t>
             </a:r>
             <a:r>
-              <a:rPr lang="ja-JP" altLang="en-US" sz="1500">
+              <a:rPr lang="ja-JP" altLang="en-US" sz="1300">
                 <a:solidFill>
                   <a:schemeClr val="accent5">
                     <a:lumMod val="50000"/>
@@ -8692,7 +8850,7 @@
               <a:t>木</a:t>
             </a:r>
             <a:r>
-              <a:rPr lang="en-US" altLang="ja-JP" sz="1500" dirty="0">
+              <a:rPr lang="en-US" altLang="ja-JP" sz="1300" dirty="0">
                 <a:solidFill>
                   <a:schemeClr val="accent5">
                     <a:lumMod val="50000"/>
@@ -8704,7 +8862,7 @@
               <a:t>) 22:30 - 23:30</a:t>
             </a:r>
             <a:r>
-              <a:rPr lang="ja-JP" altLang="en-US" sz="1500">
+              <a:rPr lang="ja-JP" altLang="en-US" sz="1300">
                 <a:solidFill>
                   <a:schemeClr val="accent5">
                     <a:lumMod val="50000"/>
@@ -8716,7 +8874,7 @@
               <a:t>「まほらま</a:t>
             </a:r>
             <a:r>
-              <a:rPr lang="en-US" altLang="ja-JP" sz="1500" dirty="0">
+              <a:rPr lang="en-US" altLang="ja-JP" sz="1300" dirty="0">
                 <a:solidFill>
                   <a:schemeClr val="accent5">
                     <a:lumMod val="50000"/>
@@ -8728,7 +8886,7 @@
               <a:t>〜</a:t>
             </a:r>
             <a:r>
-              <a:rPr lang="ja-JP" altLang="en-US" sz="1500">
+              <a:rPr lang="ja-JP" altLang="en-US" sz="1300">
                 <a:solidFill>
                   <a:schemeClr val="accent5">
                     <a:lumMod val="50000"/>
@@ -8740,7 +8898,7 @@
               <a:t>摩天楼</a:t>
             </a:r>
             <a:r>
-              <a:rPr lang="en-US" altLang="ja-JP" sz="1500" dirty="0">
+              <a:rPr lang="en-US" altLang="ja-JP" sz="1300" dirty="0">
                 <a:solidFill>
                   <a:schemeClr val="accent5">
                     <a:lumMod val="50000"/>
@@ -8752,7 +8910,7 @@
               <a:t>〜</a:t>
             </a:r>
             <a:r>
-              <a:rPr lang="ja-JP" altLang="en-US" sz="1500">
+              <a:rPr lang="ja-JP" altLang="en-US" sz="1300">
                 <a:solidFill>
                   <a:schemeClr val="accent5">
                     <a:lumMod val="50000"/>
@@ -8764,7 +8922,7 @@
               <a:t>」</a:t>
             </a:r>
             <a:br>
-              <a:rPr lang="en-US" altLang="ja-JP" sz="1500" dirty="0">
+              <a:rPr lang="en-US" altLang="ja-JP" sz="1300" dirty="0">
                 <a:solidFill>
                   <a:schemeClr val="accent5">
                     <a:lumMod val="50000"/>
@@ -8775,7 +8933,7 @@
               </a:rPr>
             </a:br>
             <a:r>
-              <a:rPr lang="ja-JP" altLang="en-US" sz="1500">
+              <a:rPr lang="ja-JP" altLang="en-US" sz="1300">
                 <a:solidFill>
                   <a:schemeClr val="accent5">
                     <a:lumMod val="50000"/>
@@ -8787,7 +8945,7 @@
               <a:t>　練習試合</a:t>
             </a:r>
             <a:r>
-              <a:rPr lang="en-US" altLang="ja-JP" sz="1500" dirty="0">
+              <a:rPr lang="en-US" altLang="ja-JP" sz="1300" dirty="0">
                 <a:solidFill>
                   <a:schemeClr val="accent5">
                     <a:lumMod val="50000"/>
@@ -8799,7 +8957,7 @@
               <a:t> (vs </a:t>
             </a:r>
             <a:r>
-              <a:rPr lang="ja-JP" altLang="en-US" sz="1500">
+              <a:rPr lang="ja-JP" altLang="en-US" sz="1300">
                 <a:solidFill>
                   <a:schemeClr val="accent5">
                     <a:lumMod val="50000"/>
@@ -8811,7 +8969,7 @@
               <a:t>しゃにむにリーグ戦</a:t>
             </a:r>
             <a:r>
-              <a:rPr lang="en-US" altLang="ja-JP" sz="1500" dirty="0">
+              <a:rPr lang="en-US" altLang="ja-JP" sz="1300" dirty="0">
                 <a:solidFill>
                   <a:schemeClr val="accent5">
                     <a:lumMod val="50000"/>
@@ -8826,7 +8984,7 @@
           <a:p>
             <a:pPr marL="502920" indent="-457200"/>
             <a:r>
-              <a:rPr lang="en-US" altLang="ja-JP" sz="1500" dirty="0">
+              <a:rPr lang="en-US" altLang="ja-JP" sz="1300" dirty="0">
                 <a:solidFill>
                   <a:schemeClr val="accent5">
                     <a:lumMod val="50000"/>
@@ -8838,7 +8996,7 @@
               <a:t>9/25(</a:t>
             </a:r>
             <a:r>
-              <a:rPr lang="ja-JP" altLang="en-US" sz="1500">
+              <a:rPr lang="ja-JP" altLang="en-US" sz="1300">
                 <a:solidFill>
                   <a:schemeClr val="accent5">
                     <a:lumMod val="50000"/>
@@ -8850,7 +9008,7 @@
               <a:t>金</a:t>
             </a:r>
             <a:r>
-              <a:rPr lang="en-US" altLang="ja-JP" sz="1500" dirty="0">
+              <a:rPr lang="en-US" altLang="ja-JP" sz="1300" dirty="0">
                 <a:solidFill>
                   <a:schemeClr val="accent5">
                     <a:lumMod val="50000"/>
@@ -8862,7 +9020,7 @@
               <a:t>) 22:00 - 23:00</a:t>
             </a:r>
             <a:r>
-              <a:rPr lang="ja-JP" altLang="en-US" sz="1500">
+              <a:rPr lang="ja-JP" altLang="en-US" sz="1300">
                 <a:solidFill>
                   <a:schemeClr val="accent5">
                     <a:lumMod val="50000"/>
@@ -8874,7 +9032,7 @@
               <a:t>「まほらま</a:t>
             </a:r>
             <a:r>
-              <a:rPr lang="en-US" altLang="ja-JP" sz="1500" dirty="0">
+              <a:rPr lang="en-US" altLang="ja-JP" sz="1300" dirty="0">
                 <a:solidFill>
                   <a:schemeClr val="accent5">
                     <a:lumMod val="50000"/>
@@ -8886,7 +9044,7 @@
               <a:t>〜</a:t>
             </a:r>
             <a:r>
-              <a:rPr lang="ja-JP" altLang="en-US" sz="1500">
+              <a:rPr lang="ja-JP" altLang="en-US" sz="1300">
                 <a:solidFill>
                   <a:schemeClr val="accent5">
                     <a:lumMod val="50000"/>
@@ -8898,7 +9056,7 @@
               <a:t>摩天楼</a:t>
             </a:r>
             <a:r>
-              <a:rPr lang="en-US" altLang="ja-JP" sz="1500" dirty="0">
+              <a:rPr lang="en-US" altLang="ja-JP" sz="1300" dirty="0">
                 <a:solidFill>
                   <a:schemeClr val="accent5">
                     <a:lumMod val="50000"/>
@@ -8910,7 +9068,7 @@
               <a:t>〜</a:t>
             </a:r>
             <a:r>
-              <a:rPr lang="ja-JP" altLang="en-US" sz="1500">
+              <a:rPr lang="ja-JP" altLang="en-US" sz="1300">
                 <a:solidFill>
                   <a:schemeClr val="accent5">
                     <a:lumMod val="50000"/>
@@ -8922,7 +9080,7 @@
               <a:t>」</a:t>
             </a:r>
             <a:br>
-              <a:rPr lang="en-US" altLang="ja-JP" sz="1500" dirty="0">
+              <a:rPr lang="en-US" altLang="ja-JP" sz="1300" dirty="0">
                 <a:solidFill>
                   <a:schemeClr val="accent5">
                     <a:lumMod val="50000"/>
@@ -8933,7 +9091,7 @@
               </a:rPr>
             </a:br>
             <a:r>
-              <a:rPr lang="ja-JP" altLang="en-US" sz="1500">
+              <a:rPr lang="ja-JP" altLang="en-US" sz="1300">
                 <a:solidFill>
                   <a:schemeClr val="accent5">
                     <a:lumMod val="50000"/>
@@ -8945,7 +9103,7 @@
               <a:t>　練習試合</a:t>
             </a:r>
             <a:r>
-              <a:rPr lang="en-US" altLang="ja-JP" sz="1500" dirty="0">
+              <a:rPr lang="en-US" altLang="ja-JP" sz="1300" dirty="0">
                 <a:solidFill>
                   <a:schemeClr val="accent5">
                     <a:lumMod val="50000"/>
@@ -8957,7 +9115,7 @@
               <a:t> (vs </a:t>
             </a:r>
             <a:r>
-              <a:rPr lang="ja-JP" altLang="en-US" sz="1500">
+              <a:rPr lang="ja-JP" altLang="en-US" sz="1300">
                 <a:solidFill>
                   <a:schemeClr val="accent5">
                     <a:lumMod val="50000"/>
@@ -8969,7 +9127,7 @@
               <a:t>ウェルプレイドロード</a:t>
             </a:r>
             <a:r>
-              <a:rPr lang="en-US" altLang="ja-JP" sz="1500" dirty="0">
+              <a:rPr lang="en-US" altLang="ja-JP" sz="1300" dirty="0">
                 <a:solidFill>
                   <a:schemeClr val="accent5">
                     <a:lumMod val="50000"/>
@@ -8980,7 +9138,7 @@
               </a:rPr>
               <a:t>)</a:t>
             </a:r>
-            <a:endParaRPr lang="en-US" altLang="ja-JP" sz="1500" dirty="0">
+            <a:endParaRPr lang="en-US" altLang="ja-JP" sz="1300" dirty="0">
               <a:solidFill>
                 <a:srgbClr val="FF0000"/>
               </a:solidFill>
@@ -8991,7 +9149,7 @@
           <a:p>
             <a:pPr marL="502920" indent="-457200"/>
             <a:r>
-              <a:rPr lang="en-US" altLang="ja-JP" sz="1500" dirty="0">
+              <a:rPr lang="en-US" altLang="ja-JP" sz="1300" dirty="0">
                 <a:solidFill>
                   <a:srgbClr val="FF0000"/>
                 </a:solidFill>
@@ -9001,7 +9159,7 @@
               <a:t>9/26(</a:t>
             </a:r>
             <a:r>
-              <a:rPr lang="ja-JP" altLang="en-US" sz="1500">
+              <a:rPr lang="ja-JP" altLang="en-US" sz="1300">
                 <a:solidFill>
                   <a:srgbClr val="FF0000"/>
                 </a:solidFill>
@@ -9011,7 +9169,7 @@
               <a:t>土</a:t>
             </a:r>
             <a:r>
-              <a:rPr lang="en-US" altLang="ja-JP" sz="1500" dirty="0">
+              <a:rPr lang="en-US" altLang="ja-JP" sz="1300" dirty="0">
                 <a:solidFill>
                   <a:srgbClr val="FF0000"/>
                 </a:solidFill>
@@ -9021,7 +9179,7 @@
               <a:t>) 21:00 - XX:XX</a:t>
             </a:r>
             <a:r>
-              <a:rPr lang="ja-JP" altLang="en-US" sz="1500">
+              <a:rPr lang="ja-JP" altLang="en-US" sz="1300">
                 <a:solidFill>
                   <a:srgbClr val="FF0000"/>
                 </a:solidFill>
@@ -9031,7 +9189,7 @@
               <a:t>「まほらま」</a:t>
             </a:r>
             <a:br>
-              <a:rPr lang="en-US" altLang="ja-JP" sz="1500" dirty="0">
+              <a:rPr lang="en-US" altLang="ja-JP" sz="1300" dirty="0">
                 <a:solidFill>
                   <a:srgbClr val="FF0000"/>
                 </a:solidFill>
@@ -9040,7 +9198,7 @@
               </a:rPr>
             </a:br>
             <a:r>
-              <a:rPr lang="ja-JP" altLang="en-US" sz="1500">
+              <a:rPr lang="ja-JP" altLang="en-US" sz="1300">
                 <a:solidFill>
                   <a:srgbClr val="FF0000"/>
                 </a:solidFill>
@@ -9050,7 +9208,7 @@
               <a:t>　</a:t>
             </a:r>
             <a:r>
-              <a:rPr lang="en-US" altLang="ja-JP" sz="1500" dirty="0">
+              <a:rPr lang="en-US" altLang="ja-JP" sz="1300" dirty="0">
                 <a:solidFill>
                   <a:srgbClr val="FF0000"/>
                 </a:solidFill>
@@ -9060,7 +9218,7 @@
               <a:t>CQC</a:t>
             </a:r>
             <a:r>
-              <a:rPr lang="ja-JP" altLang="en-US" sz="1500">
+              <a:rPr lang="ja-JP" altLang="en-US" sz="1300">
                 <a:solidFill>
                   <a:srgbClr val="FF0000"/>
                 </a:solidFill>
@@ -9069,7 +9227,7 @@
               </a:rPr>
               <a:t>本戦１日目</a:t>
             </a:r>
-            <a:endParaRPr lang="en-US" altLang="ja-JP" sz="1500" dirty="0">
+            <a:endParaRPr lang="en-US" altLang="ja-JP" sz="1300" dirty="0">
               <a:solidFill>
                 <a:srgbClr val="FF0000"/>
               </a:solidFill>
@@ -9080,7 +9238,7 @@
           <a:p>
             <a:pPr marL="502920" indent="-457200"/>
             <a:r>
-              <a:rPr lang="en-US" altLang="ja-JP" sz="1500" dirty="0">
+              <a:rPr lang="en-US" altLang="ja-JP" sz="1300" dirty="0">
                 <a:solidFill>
                   <a:srgbClr val="FF0000"/>
                 </a:solidFill>
@@ -9090,7 +9248,7 @@
               <a:t>9/27(</a:t>
             </a:r>
             <a:r>
-              <a:rPr lang="ja-JP" altLang="en-US" sz="1500">
+              <a:rPr lang="ja-JP" altLang="en-US" sz="1300">
                 <a:solidFill>
                   <a:srgbClr val="FF0000"/>
                 </a:solidFill>
@@ -9100,7 +9258,7 @@
               <a:t>日</a:t>
             </a:r>
             <a:r>
-              <a:rPr lang="en-US" altLang="ja-JP" sz="1500" dirty="0">
+              <a:rPr lang="en-US" altLang="ja-JP" sz="1300" dirty="0">
                 <a:solidFill>
                   <a:srgbClr val="FF0000"/>
                 </a:solidFill>
@@ -9110,7 +9268,7 @@
               <a:t>) 21:00 - XX:XX</a:t>
             </a:r>
             <a:r>
-              <a:rPr lang="ja-JP" altLang="en-US" sz="1500">
+              <a:rPr lang="ja-JP" altLang="en-US" sz="1300">
                 <a:solidFill>
                   <a:srgbClr val="FF0000"/>
                 </a:solidFill>
@@ -9120,7 +9278,7 @@
               <a:t>「まほらま」</a:t>
             </a:r>
             <a:br>
-              <a:rPr lang="en-US" altLang="ja-JP" sz="1500" dirty="0">
+              <a:rPr lang="en-US" altLang="ja-JP" sz="1300" dirty="0">
                 <a:solidFill>
                   <a:srgbClr val="FF0000"/>
                 </a:solidFill>
@@ -9129,7 +9287,7 @@
               </a:rPr>
             </a:br>
             <a:r>
-              <a:rPr lang="ja-JP" altLang="en-US" sz="1500">
+              <a:rPr lang="ja-JP" altLang="en-US" sz="1300">
                 <a:solidFill>
                   <a:srgbClr val="FF0000"/>
                 </a:solidFill>
@@ -9139,7 +9297,7 @@
               <a:t>　</a:t>
             </a:r>
             <a:r>
-              <a:rPr lang="en-US" altLang="ja-JP" sz="1500" dirty="0">
+              <a:rPr lang="en-US" altLang="ja-JP" sz="1300" dirty="0">
                 <a:solidFill>
                   <a:srgbClr val="FF0000"/>
                 </a:solidFill>
@@ -9149,7 +9307,7 @@
               <a:t>CQC</a:t>
             </a:r>
             <a:r>
-              <a:rPr lang="ja-JP" altLang="en-US" sz="1500">
+              <a:rPr lang="ja-JP" altLang="en-US" sz="1300">
                 <a:solidFill>
                   <a:srgbClr val="FF0000"/>
                 </a:solidFill>
@@ -9158,7 +9316,7 @@
               </a:rPr>
               <a:t>本戦２日目</a:t>
             </a:r>
-            <a:endParaRPr lang="en-US" altLang="ja-JP" sz="1500" dirty="0">
+            <a:endParaRPr lang="en-US" altLang="ja-JP" sz="1300" dirty="0">
               <a:solidFill>
                 <a:srgbClr val="FF0000"/>
               </a:solidFill>

--- a/CQC攻略.pptx
+++ b/CQC攻略.pptx
@@ -240,7 +240,7 @@
                 <a:latin typeface="ＭＳ 明朝" panose="02020609040205080304" pitchFamily="17" charset="-128"/>
                 <a:ea typeface="ＭＳ 明朝" panose="02020609040205080304" pitchFamily="17" charset="-128"/>
               </a:rPr>
-              <a:t>2020年9月22日</a:t>
+              <a:t>2020年9月24日</a:t>
             </a:fld>
             <a:endParaRPr lang="en-US">
               <a:latin typeface="ＭＳ 明朝" panose="02020609040205080304" pitchFamily="17" charset="-128"/>
@@ -427,7 +427,7 @@
             <a:fld id="{30389980-3DE9-4702-8CE7-20043EFDAF6C}" type="datetime4">
               <a:rPr lang="ja-JP" altLang="en-US" smtClean="0"/>
               <a:pPr/>
-              <a:t>2020年9月22日</a:t>
+              <a:t>2020年9月24日</a:t>
             </a:fld>
             <a:endParaRPr lang="en-US"/>
           </a:p>
@@ -882,7 +882,7 @@
           <a:p>
             <a:fld id="{5ADD3B2F-B41F-7942-990C-7D7FFD69CA5F}" type="datetimeFigureOut">
               <a:rPr kumimoji="1" lang="ja-JP" altLang="en-US" smtClean="0"/>
-              <a:t>2020/9/22</a:t>
+              <a:t>2020/9/24</a:t>
             </a:fld>
             <a:endParaRPr kumimoji="1" lang="ja-JP" altLang="en-US"/>
           </a:p>
@@ -7741,8 +7741,8 @@
         </p:nvSpPr>
         <p:spPr>
           <a:xfrm>
-            <a:off x="838200" y="1588575"/>
-            <a:ext cx="10515600" cy="4588387"/>
+            <a:off x="838200" y="1427210"/>
+            <a:ext cx="10515600" cy="4767775"/>
           </a:xfrm>
         </p:spPr>
         <p:txBody>
@@ -8701,7 +8701,7 @@
                 <a:latin typeface="Hiragino Maru Gothic Pro W4" panose="020F0400000000000000" pitchFamily="34" charset="-128"/>
                 <a:ea typeface="Hiragino Maru Gothic Pro W4" panose="020F0400000000000000" pitchFamily="34" charset="-128"/>
               </a:rPr>
-              <a:t>) 23:00 - 24:00</a:t>
+              <a:t>) 23:00 - 23:45</a:t>
             </a:r>
             <a:r>
               <a:rPr lang="ja-JP" altLang="en-US" sz="1300">
@@ -8821,6 +8821,172 @@
                 <a:ea typeface="Hiragino Maru Gothic Pro W4" panose="020F0400000000000000" pitchFamily="34" charset="-128"/>
               </a:rPr>
               <a:t>69)</a:t>
+            </a:r>
+            <a:br>
+              <a:rPr lang="en-US" altLang="ja-JP" sz="1300" dirty="0">
+                <a:solidFill>
+                  <a:schemeClr val="accent5">
+                    <a:lumMod val="50000"/>
+                  </a:schemeClr>
+                </a:solidFill>
+                <a:latin typeface="Hiragino Maru Gothic Pro W4" panose="020F0400000000000000" pitchFamily="34" charset="-128"/>
+                <a:ea typeface="Hiragino Maru Gothic Pro W4" panose="020F0400000000000000" pitchFamily="34" charset="-128"/>
+              </a:rPr>
+            </a:br>
+            <a:r>
+              <a:rPr lang="en-US" altLang="ja-JP" sz="1300" dirty="0">
+                <a:solidFill>
+                  <a:schemeClr val="accent5">
+                    <a:lumMod val="50000"/>
+                  </a:schemeClr>
+                </a:solidFill>
+                <a:latin typeface="Hiragino Maru Gothic Pro W4" panose="020F0400000000000000" pitchFamily="34" charset="-128"/>
+                <a:ea typeface="Hiragino Maru Gothic Pro W4" panose="020F0400000000000000" pitchFamily="34" charset="-128"/>
+              </a:rPr>
+              <a:t>9/23(</a:t>
+            </a:r>
+            <a:r>
+              <a:rPr lang="ja-JP" altLang="en-US" sz="1300">
+                <a:solidFill>
+                  <a:schemeClr val="accent5">
+                    <a:lumMod val="50000"/>
+                  </a:schemeClr>
+                </a:solidFill>
+                <a:latin typeface="Hiragino Maru Gothic Pro W4" panose="020F0400000000000000" pitchFamily="34" charset="-128"/>
+                <a:ea typeface="Hiragino Maru Gothic Pro W4" panose="020F0400000000000000" pitchFamily="34" charset="-128"/>
+              </a:rPr>
+              <a:t>水</a:t>
+            </a:r>
+            <a:r>
+              <a:rPr lang="en-US" altLang="ja-JP" sz="1300" dirty="0">
+                <a:solidFill>
+                  <a:schemeClr val="accent5">
+                    <a:lumMod val="50000"/>
+                  </a:schemeClr>
+                </a:solidFill>
+                <a:latin typeface="Hiragino Maru Gothic Pro W4" panose="020F0400000000000000" pitchFamily="34" charset="-128"/>
+                <a:ea typeface="Hiragino Maru Gothic Pro W4" panose="020F0400000000000000" pitchFamily="34" charset="-128"/>
+              </a:rPr>
+              <a:t>) 23:50 - 24:35</a:t>
+            </a:r>
+            <a:r>
+              <a:rPr lang="ja-JP" altLang="en-US" sz="1300">
+                <a:solidFill>
+                  <a:schemeClr val="accent5">
+                    <a:lumMod val="50000"/>
+                  </a:schemeClr>
+                </a:solidFill>
+                <a:latin typeface="Hiragino Maru Gothic Pro W4" panose="020F0400000000000000" pitchFamily="34" charset="-128"/>
+                <a:ea typeface="Hiragino Maru Gothic Pro W4" panose="020F0400000000000000" pitchFamily="34" charset="-128"/>
+              </a:rPr>
+              <a:t>「まほらま</a:t>
+            </a:r>
+            <a:r>
+              <a:rPr lang="en-US" altLang="ja-JP" sz="1300" dirty="0">
+                <a:solidFill>
+                  <a:schemeClr val="accent5">
+                    <a:lumMod val="50000"/>
+                  </a:schemeClr>
+                </a:solidFill>
+                <a:latin typeface="Hiragino Maru Gothic Pro W4" panose="020F0400000000000000" pitchFamily="34" charset="-128"/>
+                <a:ea typeface="Hiragino Maru Gothic Pro W4" panose="020F0400000000000000" pitchFamily="34" charset="-128"/>
+              </a:rPr>
+              <a:t>〜</a:t>
+            </a:r>
+            <a:r>
+              <a:rPr lang="ja-JP" altLang="en-US" sz="1300">
+                <a:solidFill>
+                  <a:schemeClr val="accent5">
+                    <a:lumMod val="50000"/>
+                  </a:schemeClr>
+                </a:solidFill>
+                <a:latin typeface="Hiragino Maru Gothic Pro W4" panose="020F0400000000000000" pitchFamily="34" charset="-128"/>
+                <a:ea typeface="Hiragino Maru Gothic Pro W4" panose="020F0400000000000000" pitchFamily="34" charset="-128"/>
+              </a:rPr>
+              <a:t>摩天楼</a:t>
+            </a:r>
+            <a:r>
+              <a:rPr lang="en-US" altLang="ja-JP" sz="1300" dirty="0">
+                <a:solidFill>
+                  <a:schemeClr val="accent5">
+                    <a:lumMod val="50000"/>
+                  </a:schemeClr>
+                </a:solidFill>
+                <a:latin typeface="Hiragino Maru Gothic Pro W4" panose="020F0400000000000000" pitchFamily="34" charset="-128"/>
+                <a:ea typeface="Hiragino Maru Gothic Pro W4" panose="020F0400000000000000" pitchFamily="34" charset="-128"/>
+              </a:rPr>
+              <a:t>〜</a:t>
+            </a:r>
+            <a:r>
+              <a:rPr lang="ja-JP" altLang="en-US" sz="1300">
+                <a:solidFill>
+                  <a:schemeClr val="accent5">
+                    <a:lumMod val="50000"/>
+                  </a:schemeClr>
+                </a:solidFill>
+                <a:latin typeface="Hiragino Maru Gothic Pro W4" panose="020F0400000000000000" pitchFamily="34" charset="-128"/>
+                <a:ea typeface="Hiragino Maru Gothic Pro W4" panose="020F0400000000000000" pitchFamily="34" charset="-128"/>
+              </a:rPr>
+              <a:t>」</a:t>
+            </a:r>
+            <a:br>
+              <a:rPr lang="en-US" altLang="ja-JP" sz="1300" dirty="0">
+                <a:solidFill>
+                  <a:schemeClr val="accent5">
+                    <a:lumMod val="50000"/>
+                  </a:schemeClr>
+                </a:solidFill>
+                <a:latin typeface="Hiragino Maru Gothic Pro W4" panose="020F0400000000000000" pitchFamily="34" charset="-128"/>
+                <a:ea typeface="Hiragino Maru Gothic Pro W4" panose="020F0400000000000000" pitchFamily="34" charset="-128"/>
+              </a:rPr>
+            </a:br>
+            <a:r>
+              <a:rPr lang="ja-JP" altLang="en-US" sz="1300">
+                <a:solidFill>
+                  <a:schemeClr val="accent5">
+                    <a:lumMod val="50000"/>
+                  </a:schemeClr>
+                </a:solidFill>
+                <a:latin typeface="Hiragino Maru Gothic Pro W4" panose="020F0400000000000000" pitchFamily="34" charset="-128"/>
+                <a:ea typeface="Hiragino Maru Gothic Pro W4" panose="020F0400000000000000" pitchFamily="34" charset="-128"/>
+              </a:rPr>
+              <a:t>　練習試合</a:t>
+            </a:r>
+            <a:r>
+              <a:rPr lang="en-US" altLang="ja-JP" sz="1300" dirty="0">
+                <a:solidFill>
+                  <a:schemeClr val="accent5">
+                    <a:lumMod val="50000"/>
+                  </a:schemeClr>
+                </a:solidFill>
+                <a:latin typeface="Hiragino Maru Gothic Pro W4" panose="020F0400000000000000" pitchFamily="34" charset="-128"/>
+                <a:ea typeface="Hiragino Maru Gothic Pro W4" panose="020F0400000000000000" pitchFamily="34" charset="-128"/>
+              </a:rPr>
+              <a:t> (vs </a:t>
+            </a:r>
+            <a:r>
+              <a:rPr lang="ja-JP" altLang="en-US" sz="1300">
+                <a:solidFill>
+                  <a:schemeClr val="accent5">
+                    <a:lumMod val="50000"/>
+                  </a:schemeClr>
+                </a:solidFill>
+                <a:latin typeface="Hiragino Maru Gothic Pro W4" panose="020F0400000000000000" pitchFamily="34" charset="-128"/>
+                <a:ea typeface="Hiragino Maru Gothic Pro W4" panose="020F0400000000000000" pitchFamily="34" charset="-128"/>
+              </a:rPr>
+              <a:t>クラクラチャンネル</a:t>
+            </a:r>
+            <a:r>
+              <a:rPr lang="en-US" altLang="ja-JP" sz="1300" dirty="0">
+                <a:solidFill>
+                  <a:schemeClr val="accent5">
+                    <a:lumMod val="50000"/>
+                  </a:schemeClr>
+                </a:solidFill>
+                <a:latin typeface="Hiragino Maru Gothic Pro W4" panose="020F0400000000000000" pitchFamily="34" charset="-128"/>
+                <a:ea typeface="Hiragino Maru Gothic Pro W4" panose="020F0400000000000000" pitchFamily="34" charset="-128"/>
+              </a:rPr>
+              <a:t>WEG)</a:t>
             </a:r>
           </a:p>
           <a:p>
@@ -9198,46 +9364,6 @@
               </a:rPr>
             </a:br>
             <a:r>
-              <a:rPr lang="ja-JP" altLang="en-US" sz="1300">
-                <a:solidFill>
-                  <a:srgbClr val="FF0000"/>
-                </a:solidFill>
-                <a:latin typeface="Hiragino Maru Gothic Pro W4" panose="020F0400000000000000" pitchFamily="34" charset="-128"/>
-                <a:ea typeface="Hiragino Maru Gothic Pro W4" panose="020F0400000000000000" pitchFamily="34" charset="-128"/>
-              </a:rPr>
-              <a:t>　</a:t>
-            </a:r>
-            <a:r>
-              <a:rPr lang="en-US" altLang="ja-JP" sz="1300" dirty="0">
-                <a:solidFill>
-                  <a:srgbClr val="FF0000"/>
-                </a:solidFill>
-                <a:latin typeface="Hiragino Maru Gothic Pro W4" panose="020F0400000000000000" pitchFamily="34" charset="-128"/>
-                <a:ea typeface="Hiragino Maru Gothic Pro W4" panose="020F0400000000000000" pitchFamily="34" charset="-128"/>
-              </a:rPr>
-              <a:t>CQC</a:t>
-            </a:r>
-            <a:r>
-              <a:rPr lang="ja-JP" altLang="en-US" sz="1300">
-                <a:solidFill>
-                  <a:srgbClr val="FF0000"/>
-                </a:solidFill>
-                <a:latin typeface="Hiragino Maru Gothic Pro W4" panose="020F0400000000000000" pitchFamily="34" charset="-128"/>
-                <a:ea typeface="Hiragino Maru Gothic Pro W4" panose="020F0400000000000000" pitchFamily="34" charset="-128"/>
-              </a:rPr>
-              <a:t>本戦１日目</a:t>
-            </a:r>
-            <a:endParaRPr lang="en-US" altLang="ja-JP" sz="1300" dirty="0">
-              <a:solidFill>
-                <a:srgbClr val="FF0000"/>
-              </a:solidFill>
-              <a:latin typeface="Hiragino Maru Gothic Pro W4" panose="020F0400000000000000" pitchFamily="34" charset="-128"/>
-              <a:ea typeface="Hiragino Maru Gothic Pro W4" panose="020F0400000000000000" pitchFamily="34" charset="-128"/>
-            </a:endParaRPr>
-          </a:p>
-          <a:p>
-            <a:pPr marL="502920" indent="-457200"/>
-            <a:r>
               <a:rPr lang="en-US" altLang="ja-JP" sz="1300" dirty="0">
                 <a:solidFill>
                   <a:srgbClr val="FF0000"/>
@@ -9314,7 +9440,7 @@
                 <a:latin typeface="Hiragino Maru Gothic Pro W4" panose="020F0400000000000000" pitchFamily="34" charset="-128"/>
                 <a:ea typeface="Hiragino Maru Gothic Pro W4" panose="020F0400000000000000" pitchFamily="34" charset="-128"/>
               </a:rPr>
-              <a:t>本戦２日目</a:t>
+              <a:t>本戦！！</a:t>
             </a:r>
             <a:endParaRPr lang="en-US" altLang="ja-JP" sz="1300" dirty="0">
               <a:solidFill>
@@ -10141,7 +10267,7 @@
                 <a:latin typeface="Hiragino Maru Gothic Pro W4" panose="020F0400000000000000" pitchFamily="34" charset="-128"/>
                 <a:ea typeface="Hiragino Maru Gothic Pro W4" panose="020F0400000000000000" pitchFamily="34" charset="-128"/>
               </a:rPr>
-              <a:t>作成日時：</a:t>
+              <a:t>更新日時：</a:t>
             </a:r>
             <a:r>
               <a:rPr lang="en-US" altLang="ja-JP" sz="2800" dirty="0">
@@ -10153,7 +10279,7 @@
                 <a:latin typeface="Hiragino Maru Gothic Pro W4" panose="020F0400000000000000" pitchFamily="34" charset="-128"/>
                 <a:ea typeface="Hiragino Maru Gothic Pro W4" panose="020F0400000000000000" pitchFamily="34" charset="-128"/>
               </a:rPr>
-              <a:t>2020/09/21</a:t>
+              <a:t>2020/09/24</a:t>
             </a:r>
           </a:p>
           <a:p>
@@ -10179,7 +10305,7 @@
                 <a:latin typeface="Hiragino Maru Gothic Pro W4" panose="020F0400000000000000" pitchFamily="34" charset="-128"/>
                 <a:ea typeface="Hiragino Maru Gothic Pro W4" panose="020F0400000000000000" pitchFamily="34" charset="-128"/>
               </a:rPr>
-              <a:t>v1.02</a:t>
+              <a:t>v1.03</a:t>
             </a:r>
           </a:p>
         </p:txBody>
@@ -11321,7 +11447,7 @@
                 <a:latin typeface="Hiragino Maru Gothic Pro W4" panose="020F0400000000000000" pitchFamily="34" charset="-128"/>
                 <a:ea typeface="Hiragino Maru Gothic Pro W4" panose="020F0400000000000000" pitchFamily="34" charset="-128"/>
               </a:rPr>
-              <a:t>50%</a:t>
+              <a:t>41%</a:t>
             </a:r>
           </a:p>
           <a:p>
@@ -11486,7 +11612,7 @@
                 <a:latin typeface="Hiragino Maru Gothic Pro W4" panose="020F0400000000000000" pitchFamily="34" charset="-128"/>
                 <a:ea typeface="Hiragino Maru Gothic Pro W4" panose="020F0400000000000000" pitchFamily="34" charset="-128"/>
               </a:rPr>
-              <a:t>41% (</a:t>
+              <a:t>52% (</a:t>
             </a:r>
             <a:r>
               <a:rPr lang="ja-JP" altLang="en-US">
@@ -11573,7 +11699,7 @@
                 <a:latin typeface="Hiragino Maru Gothic Pro W4" panose="020F0400000000000000" pitchFamily="34" charset="-128"/>
                 <a:ea typeface="Hiragino Maru Gothic Pro W4" panose="020F0400000000000000" pitchFamily="34" charset="-128"/>
               </a:rPr>
-              <a:t>80%</a:t>
+              <a:t>70%</a:t>
             </a:r>
             <a:r>
               <a:rPr lang="ja-JP" altLang="en-US">
@@ -11638,7 +11764,7 @@
                 <a:latin typeface="Hiragino Maru Gothic Pro W4" panose="020F0400000000000000" pitchFamily="34" charset="-128"/>
                 <a:ea typeface="Hiragino Maru Gothic Pro W4" panose="020F0400000000000000" pitchFamily="34" charset="-128"/>
               </a:rPr>
-              <a:t>上は非カンスト村相手も含まれる数値。</a:t>
+              <a:t>上は非カンスト村相手も含まれる数値。ここ１ヶ月くらい。</a:t>
             </a:r>
             <a:br>
               <a:rPr lang="en-US" altLang="ja-JP" dirty="0">
@@ -12603,8 +12729,8 @@
         </p:nvSpPr>
         <p:spPr>
           <a:xfrm>
-            <a:off x="1270484" y="2378941"/>
-            <a:ext cx="1419497" cy="499798"/>
+            <a:off x="571213" y="2376264"/>
+            <a:ext cx="1172245" cy="412742"/>
           </a:xfrm>
           <a:prstGeom prst="rect">
             <a:avLst/>
@@ -12657,8 +12783,8 @@
         </p:nvSpPr>
         <p:spPr>
           <a:xfrm>
-            <a:off x="1270483" y="2980695"/>
-            <a:ext cx="1419497" cy="499798"/>
+            <a:off x="571213" y="2873203"/>
+            <a:ext cx="1172245" cy="412742"/>
           </a:xfrm>
           <a:prstGeom prst="rect">
             <a:avLst/>
@@ -12711,8 +12837,8 @@
         </p:nvSpPr>
         <p:spPr>
           <a:xfrm>
-            <a:off x="1270482" y="3582449"/>
-            <a:ext cx="1419497" cy="499798"/>
+            <a:off x="571212" y="3370142"/>
+            <a:ext cx="1172245" cy="412742"/>
           </a:xfrm>
           <a:prstGeom prst="rect">
             <a:avLst/>
@@ -12765,8 +12891,8 @@
         </p:nvSpPr>
         <p:spPr>
           <a:xfrm>
-            <a:off x="1270482" y="4180528"/>
-            <a:ext cx="1419497" cy="499798"/>
+            <a:off x="571212" y="3864046"/>
+            <a:ext cx="1172245" cy="412742"/>
           </a:xfrm>
           <a:prstGeom prst="rect">
             <a:avLst/>
@@ -12819,8 +12945,8 @@
         </p:nvSpPr>
         <p:spPr>
           <a:xfrm>
-            <a:off x="1270481" y="4778607"/>
-            <a:ext cx="1419497" cy="499798"/>
+            <a:off x="571211" y="4357950"/>
+            <a:ext cx="1172245" cy="412742"/>
           </a:xfrm>
           <a:prstGeom prst="rect">
             <a:avLst/>
@@ -12873,8 +12999,8 @@
         </p:nvSpPr>
         <p:spPr>
           <a:xfrm>
-            <a:off x="4013686" y="2378941"/>
-            <a:ext cx="1419497" cy="499798"/>
+            <a:off x="2836599" y="2376264"/>
+            <a:ext cx="1172245" cy="412742"/>
           </a:xfrm>
           <a:prstGeom prst="rect">
             <a:avLst/>
@@ -12927,8 +13053,8 @@
         </p:nvSpPr>
         <p:spPr>
           <a:xfrm>
-            <a:off x="4013685" y="2980695"/>
-            <a:ext cx="1419497" cy="499798"/>
+            <a:off x="2836598" y="2873203"/>
+            <a:ext cx="1172246" cy="412742"/>
           </a:xfrm>
           <a:prstGeom prst="rect">
             <a:avLst/>
@@ -12981,8 +13107,8 @@
         </p:nvSpPr>
         <p:spPr>
           <a:xfrm>
-            <a:off x="4013684" y="3582449"/>
-            <a:ext cx="1419497" cy="499798"/>
+            <a:off x="2836596" y="3370142"/>
+            <a:ext cx="1172246" cy="412742"/>
           </a:xfrm>
           <a:prstGeom prst="rect">
             <a:avLst/>
@@ -13035,8 +13161,8 @@
         </p:nvSpPr>
         <p:spPr>
           <a:xfrm>
-            <a:off x="4013684" y="4180528"/>
-            <a:ext cx="1419497" cy="499798"/>
+            <a:off x="2836596" y="3864046"/>
+            <a:ext cx="1172246" cy="412742"/>
           </a:xfrm>
           <a:prstGeom prst="rect">
             <a:avLst/>
@@ -13089,8 +13215,8 @@
         </p:nvSpPr>
         <p:spPr>
           <a:xfrm>
-            <a:off x="4013683" y="4778607"/>
-            <a:ext cx="1419497" cy="499798"/>
+            <a:off x="2836595" y="4357949"/>
+            <a:ext cx="1172246" cy="412742"/>
           </a:xfrm>
           <a:prstGeom prst="rect">
             <a:avLst/>
@@ -13143,8 +13269,8 @@
         </p:nvSpPr>
         <p:spPr>
           <a:xfrm rot="1858174">
-            <a:off x="2724021" y="2758529"/>
-            <a:ext cx="1327404" cy="484632"/>
+            <a:off x="1771570" y="2689734"/>
+            <a:ext cx="1096193" cy="400218"/>
           </a:xfrm>
           <a:prstGeom prst="rightArrow">
             <a:avLst/>
@@ -13190,8 +13316,8 @@
         </p:nvSpPr>
         <p:spPr>
           <a:xfrm rot="1858174">
-            <a:off x="2720052" y="3880122"/>
-            <a:ext cx="1327404" cy="484632"/>
+            <a:off x="1768292" y="3615964"/>
+            <a:ext cx="1096193" cy="400218"/>
           </a:xfrm>
           <a:prstGeom prst="rightArrow">
             <a:avLst/>
@@ -13237,8 +13363,8 @@
         </p:nvSpPr>
         <p:spPr>
           <a:xfrm>
-            <a:off x="2783844" y="4788488"/>
-            <a:ext cx="1199819" cy="484632"/>
+            <a:off x="1820973" y="4366109"/>
+            <a:ext cx="990832" cy="400218"/>
           </a:xfrm>
           <a:prstGeom prst="rightArrow">
             <a:avLst/>
@@ -13281,8 +13407,8 @@
         </p:nvSpPr>
         <p:spPr>
           <a:xfrm rot="19920483">
-            <a:off x="2698091" y="2734704"/>
-            <a:ext cx="1327404" cy="484632"/>
+            <a:off x="1750156" y="2670059"/>
+            <a:ext cx="1096193" cy="400218"/>
           </a:xfrm>
           <a:prstGeom prst="rightArrow">
             <a:avLst/>
@@ -13345,8 +13471,8 @@
         </p:nvSpPr>
         <p:spPr>
           <a:xfrm rot="19920483">
-            <a:off x="2694122" y="3856297"/>
-            <a:ext cx="1327404" cy="484632"/>
+            <a:off x="1746878" y="3596292"/>
+            <a:ext cx="1096193" cy="400218"/>
           </a:xfrm>
           <a:prstGeom prst="rightArrow">
             <a:avLst/>
@@ -13409,8 +13535,8 @@
         </p:nvSpPr>
         <p:spPr>
           <a:xfrm>
-            <a:off x="6752922" y="2373656"/>
-            <a:ext cx="1419497" cy="499798"/>
+            <a:off x="8164510" y="2371900"/>
+            <a:ext cx="1172246" cy="412742"/>
           </a:xfrm>
           <a:prstGeom prst="rect">
             <a:avLst/>
@@ -13463,8 +13589,8 @@
         </p:nvSpPr>
         <p:spPr>
           <a:xfrm>
-            <a:off x="6752921" y="2975410"/>
-            <a:ext cx="1419497" cy="499798"/>
+            <a:off x="8164509" y="2868839"/>
+            <a:ext cx="1172246" cy="412742"/>
           </a:xfrm>
           <a:prstGeom prst="rect">
             <a:avLst/>
@@ -13517,8 +13643,8 @@
         </p:nvSpPr>
         <p:spPr>
           <a:xfrm>
-            <a:off x="6752920" y="3577164"/>
-            <a:ext cx="1419497" cy="499798"/>
+            <a:off x="8164509" y="3365778"/>
+            <a:ext cx="1172246" cy="412742"/>
           </a:xfrm>
           <a:prstGeom prst="rect">
             <a:avLst/>
@@ -13571,8 +13697,8 @@
         </p:nvSpPr>
         <p:spPr>
           <a:xfrm>
-            <a:off x="6752920" y="4175243"/>
-            <a:ext cx="1419497" cy="499798"/>
+            <a:off x="8164509" y="3859682"/>
+            <a:ext cx="1172246" cy="412742"/>
           </a:xfrm>
           <a:prstGeom prst="rect">
             <a:avLst/>
@@ -13625,8 +13751,8 @@
         </p:nvSpPr>
         <p:spPr>
           <a:xfrm>
-            <a:off x="6752919" y="4773322"/>
-            <a:ext cx="1419497" cy="499798"/>
+            <a:off x="8164508" y="4353586"/>
+            <a:ext cx="1172246" cy="412742"/>
           </a:xfrm>
           <a:prstGeom prst="rect">
             <a:avLst/>
@@ -13679,8 +13805,8 @@
         </p:nvSpPr>
         <p:spPr>
           <a:xfrm>
-            <a:off x="9496124" y="2373656"/>
-            <a:ext cx="1419497" cy="499798"/>
+            <a:off x="10429894" y="2371900"/>
+            <a:ext cx="1172246" cy="412742"/>
           </a:xfrm>
           <a:prstGeom prst="rect">
             <a:avLst/>
@@ -13733,8 +13859,8 @@
         </p:nvSpPr>
         <p:spPr>
           <a:xfrm>
-            <a:off x="9496123" y="2975410"/>
-            <a:ext cx="1419497" cy="499798"/>
+            <a:off x="10429894" y="2868839"/>
+            <a:ext cx="1172246" cy="412742"/>
           </a:xfrm>
           <a:prstGeom prst="rect">
             <a:avLst/>
@@ -13787,8 +13913,8 @@
         </p:nvSpPr>
         <p:spPr>
           <a:xfrm>
-            <a:off x="9496122" y="3577164"/>
-            <a:ext cx="1419497" cy="499798"/>
+            <a:off x="10429893" y="3365778"/>
+            <a:ext cx="1172246" cy="412742"/>
           </a:xfrm>
           <a:prstGeom prst="rect">
             <a:avLst/>
@@ -13841,8 +13967,8 @@
         </p:nvSpPr>
         <p:spPr>
           <a:xfrm>
-            <a:off x="9496122" y="4175243"/>
-            <a:ext cx="1419497" cy="499798"/>
+            <a:off x="10429893" y="3859682"/>
+            <a:ext cx="1172246" cy="412742"/>
           </a:xfrm>
           <a:prstGeom prst="rect">
             <a:avLst/>
@@ -13895,8 +14021,8 @@
         </p:nvSpPr>
         <p:spPr>
           <a:xfrm>
-            <a:off x="9496121" y="4773322"/>
-            <a:ext cx="1419497" cy="499798"/>
+            <a:off x="10429892" y="4353586"/>
+            <a:ext cx="1172246" cy="412742"/>
           </a:xfrm>
           <a:prstGeom prst="rect">
             <a:avLst/>
@@ -13949,8 +14075,8 @@
         </p:nvSpPr>
         <p:spPr>
           <a:xfrm rot="1858174">
-            <a:off x="8206459" y="2753244"/>
-            <a:ext cx="1327404" cy="484632"/>
+            <a:off x="9364867" y="2685370"/>
+            <a:ext cx="1096193" cy="400218"/>
           </a:xfrm>
           <a:prstGeom prst="rightArrow">
             <a:avLst/>
@@ -13996,8 +14122,8 @@
         </p:nvSpPr>
         <p:spPr>
           <a:xfrm>
-            <a:off x="8266282" y="4783203"/>
-            <a:ext cx="1199819" cy="484632"/>
+            <a:off x="9414269" y="4361746"/>
+            <a:ext cx="990832" cy="400218"/>
           </a:xfrm>
           <a:prstGeom prst="rightArrow">
             <a:avLst/>
@@ -14040,8 +14166,8 @@
         </p:nvSpPr>
         <p:spPr>
           <a:xfrm rot="1858174">
-            <a:off x="8184556" y="3305287"/>
-            <a:ext cx="1327404" cy="484632"/>
+            <a:off x="9346779" y="3141257"/>
+            <a:ext cx="1096193" cy="400218"/>
           </a:xfrm>
           <a:prstGeom prst="rightArrow">
             <a:avLst/>
@@ -14087,8 +14213,8 @@
         </p:nvSpPr>
         <p:spPr>
           <a:xfrm rot="18818317">
-            <a:off x="8045352" y="3027874"/>
-            <a:ext cx="1615442" cy="484632"/>
+            <a:off x="9231821" y="2912165"/>
+            <a:ext cx="1334060" cy="400218"/>
           </a:xfrm>
           <a:prstGeom prst="rightArrow">
             <a:avLst/>
@@ -14151,8 +14277,8 @@
         </p:nvSpPr>
         <p:spPr>
           <a:xfrm>
-            <a:off x="8266282" y="4193596"/>
-            <a:ext cx="1199819" cy="484632"/>
+            <a:off x="9414269" y="3874838"/>
+            <a:ext cx="990832" cy="400218"/>
           </a:xfrm>
           <a:prstGeom prst="rightArrow">
             <a:avLst/>
@@ -14178,6 +14304,1020 @@
           <a:p>
             <a:pPr algn="ctr"/>
             <a:endParaRPr kumimoji="1" lang="ja-JP" altLang="en-US"/>
+          </a:p>
+        </p:txBody>
+      </p:sp>
+      <p:sp>
+        <p:nvSpPr>
+          <p:cNvPr id="50" name="正方形/長方形 49">
+            <a:extLst>
+              <a:ext uri="{FF2B5EF4-FFF2-40B4-BE49-F238E27FC236}">
+                <a16:creationId xmlns:a16="http://schemas.microsoft.com/office/drawing/2014/main" id="{D5AE2E0F-0435-A04C-B3FC-9824CE318618}"/>
+              </a:ext>
+            </a:extLst>
+          </p:cNvPr>
+          <p:cNvSpPr/>
+          <p:nvPr/>
+        </p:nvSpPr>
+        <p:spPr>
+          <a:xfrm>
+            <a:off x="4369542" y="2363574"/>
+            <a:ext cx="1172246" cy="412742"/>
+          </a:xfrm>
+          <a:prstGeom prst="rect">
+            <a:avLst/>
+          </a:prstGeom>
+        </p:spPr>
+        <p:style>
+          <a:lnRef idx="0">
+            <a:schemeClr val="accent1"/>
+          </a:lnRef>
+          <a:fillRef idx="3">
+            <a:schemeClr val="accent1"/>
+          </a:fillRef>
+          <a:effectRef idx="3">
+            <a:schemeClr val="accent1"/>
+          </a:effectRef>
+          <a:fontRef idx="minor">
+            <a:schemeClr val="lt1"/>
+          </a:fontRef>
+        </p:style>
+        <p:txBody>
+          <a:bodyPr rtlCol="0" anchor="ctr"/>
+          <a:lstStyle/>
+          <a:p>
+            <a:pPr algn="ctr"/>
+            <a:r>
+              <a:rPr kumimoji="1" lang="en-US" altLang="ja-JP" dirty="0">
+                <a:latin typeface="Hiragino Maru Gothic Pro W4" panose="020F0400000000000000" pitchFamily="34" charset="-128"/>
+                <a:ea typeface="Hiragino Maru Gothic Pro W4" panose="020F0400000000000000" pitchFamily="34" charset="-128"/>
+              </a:rPr>
+              <a:t>TH13</a:t>
+            </a:r>
+            <a:endParaRPr kumimoji="1" lang="ja-JP" altLang="en-US">
+              <a:latin typeface="Hiragino Maru Gothic Pro W4" panose="020F0400000000000000" pitchFamily="34" charset="-128"/>
+              <a:ea typeface="Hiragino Maru Gothic Pro W4" panose="020F0400000000000000" pitchFamily="34" charset="-128"/>
+            </a:endParaRPr>
+          </a:p>
+        </p:txBody>
+      </p:sp>
+      <p:sp>
+        <p:nvSpPr>
+          <p:cNvPr id="51" name="正方形/長方形 50">
+            <a:extLst>
+              <a:ext uri="{FF2B5EF4-FFF2-40B4-BE49-F238E27FC236}">
+                <a16:creationId xmlns:a16="http://schemas.microsoft.com/office/drawing/2014/main" id="{576DBA10-B54B-E84F-83F4-D71781A30105}"/>
+              </a:ext>
+            </a:extLst>
+          </p:cNvPr>
+          <p:cNvSpPr/>
+          <p:nvPr/>
+        </p:nvSpPr>
+        <p:spPr>
+          <a:xfrm>
+            <a:off x="4369541" y="2860513"/>
+            <a:ext cx="1172246" cy="412742"/>
+          </a:xfrm>
+          <a:prstGeom prst="rect">
+            <a:avLst/>
+          </a:prstGeom>
+        </p:spPr>
+        <p:style>
+          <a:lnRef idx="0">
+            <a:schemeClr val="accent1"/>
+          </a:lnRef>
+          <a:fillRef idx="3">
+            <a:schemeClr val="accent1"/>
+          </a:fillRef>
+          <a:effectRef idx="3">
+            <a:schemeClr val="accent1"/>
+          </a:effectRef>
+          <a:fontRef idx="minor">
+            <a:schemeClr val="lt1"/>
+          </a:fontRef>
+        </p:style>
+        <p:txBody>
+          <a:bodyPr rtlCol="0" anchor="ctr"/>
+          <a:lstStyle/>
+          <a:p>
+            <a:pPr algn="ctr"/>
+            <a:r>
+              <a:rPr kumimoji="1" lang="en-US" altLang="ja-JP" dirty="0">
+                <a:latin typeface="Hiragino Maru Gothic Pro W4" panose="020F0400000000000000" pitchFamily="34" charset="-128"/>
+                <a:ea typeface="Hiragino Maru Gothic Pro W4" panose="020F0400000000000000" pitchFamily="34" charset="-128"/>
+              </a:rPr>
+              <a:t>TH12</a:t>
+            </a:r>
+            <a:endParaRPr kumimoji="1" lang="ja-JP" altLang="en-US">
+              <a:latin typeface="Hiragino Maru Gothic Pro W4" panose="020F0400000000000000" pitchFamily="34" charset="-128"/>
+              <a:ea typeface="Hiragino Maru Gothic Pro W4" panose="020F0400000000000000" pitchFamily="34" charset="-128"/>
+            </a:endParaRPr>
+          </a:p>
+        </p:txBody>
+      </p:sp>
+      <p:sp>
+        <p:nvSpPr>
+          <p:cNvPr id="52" name="正方形/長方形 51">
+            <a:extLst>
+              <a:ext uri="{FF2B5EF4-FFF2-40B4-BE49-F238E27FC236}">
+                <a16:creationId xmlns:a16="http://schemas.microsoft.com/office/drawing/2014/main" id="{09B80E2D-B134-534E-B7FD-5198EB24738B}"/>
+              </a:ext>
+            </a:extLst>
+          </p:cNvPr>
+          <p:cNvSpPr/>
+          <p:nvPr/>
+        </p:nvSpPr>
+        <p:spPr>
+          <a:xfrm>
+            <a:off x="4369540" y="3357452"/>
+            <a:ext cx="1172246" cy="412742"/>
+          </a:xfrm>
+          <a:prstGeom prst="rect">
+            <a:avLst/>
+          </a:prstGeom>
+        </p:spPr>
+        <p:style>
+          <a:lnRef idx="0">
+            <a:schemeClr val="accent1"/>
+          </a:lnRef>
+          <a:fillRef idx="3">
+            <a:schemeClr val="accent1"/>
+          </a:fillRef>
+          <a:effectRef idx="3">
+            <a:schemeClr val="accent1"/>
+          </a:effectRef>
+          <a:fontRef idx="minor">
+            <a:schemeClr val="lt1"/>
+          </a:fontRef>
+        </p:style>
+        <p:txBody>
+          <a:bodyPr rtlCol="0" anchor="ctr"/>
+          <a:lstStyle/>
+          <a:p>
+            <a:pPr algn="ctr"/>
+            <a:r>
+              <a:rPr kumimoji="1" lang="en-US" altLang="ja-JP" dirty="0">
+                <a:latin typeface="Hiragino Maru Gothic Pro W4" panose="020F0400000000000000" pitchFamily="34" charset="-128"/>
+                <a:ea typeface="Hiragino Maru Gothic Pro W4" panose="020F0400000000000000" pitchFamily="34" charset="-128"/>
+              </a:rPr>
+              <a:t>TH11</a:t>
+            </a:r>
+            <a:endParaRPr kumimoji="1" lang="ja-JP" altLang="en-US">
+              <a:latin typeface="Hiragino Maru Gothic Pro W4" panose="020F0400000000000000" pitchFamily="34" charset="-128"/>
+              <a:ea typeface="Hiragino Maru Gothic Pro W4" panose="020F0400000000000000" pitchFamily="34" charset="-128"/>
+            </a:endParaRPr>
+          </a:p>
+        </p:txBody>
+      </p:sp>
+      <p:sp>
+        <p:nvSpPr>
+          <p:cNvPr id="53" name="正方形/長方形 52">
+            <a:extLst>
+              <a:ext uri="{FF2B5EF4-FFF2-40B4-BE49-F238E27FC236}">
+                <a16:creationId xmlns:a16="http://schemas.microsoft.com/office/drawing/2014/main" id="{380F3FE1-9101-FD45-AD66-5791D63D1E97}"/>
+              </a:ext>
+            </a:extLst>
+          </p:cNvPr>
+          <p:cNvSpPr/>
+          <p:nvPr/>
+        </p:nvSpPr>
+        <p:spPr>
+          <a:xfrm>
+            <a:off x="4369540" y="3851356"/>
+            <a:ext cx="1172246" cy="412742"/>
+          </a:xfrm>
+          <a:prstGeom prst="rect">
+            <a:avLst/>
+          </a:prstGeom>
+        </p:spPr>
+        <p:style>
+          <a:lnRef idx="0">
+            <a:schemeClr val="accent1"/>
+          </a:lnRef>
+          <a:fillRef idx="3">
+            <a:schemeClr val="accent1"/>
+          </a:fillRef>
+          <a:effectRef idx="3">
+            <a:schemeClr val="accent1"/>
+          </a:effectRef>
+          <a:fontRef idx="minor">
+            <a:schemeClr val="lt1"/>
+          </a:fontRef>
+        </p:style>
+        <p:txBody>
+          <a:bodyPr rtlCol="0" anchor="ctr"/>
+          <a:lstStyle/>
+          <a:p>
+            <a:pPr algn="ctr"/>
+            <a:r>
+              <a:rPr kumimoji="1" lang="en-US" altLang="ja-JP" dirty="0">
+                <a:latin typeface="Hiragino Maru Gothic Pro W4" panose="020F0400000000000000" pitchFamily="34" charset="-128"/>
+                <a:ea typeface="Hiragino Maru Gothic Pro W4" panose="020F0400000000000000" pitchFamily="34" charset="-128"/>
+              </a:rPr>
+              <a:t>TH10</a:t>
+            </a:r>
+            <a:endParaRPr kumimoji="1" lang="ja-JP" altLang="en-US">
+              <a:latin typeface="Hiragino Maru Gothic Pro W4" panose="020F0400000000000000" pitchFamily="34" charset="-128"/>
+              <a:ea typeface="Hiragino Maru Gothic Pro W4" panose="020F0400000000000000" pitchFamily="34" charset="-128"/>
+            </a:endParaRPr>
+          </a:p>
+        </p:txBody>
+      </p:sp>
+      <p:sp>
+        <p:nvSpPr>
+          <p:cNvPr id="54" name="正方形/長方形 53">
+            <a:extLst>
+              <a:ext uri="{FF2B5EF4-FFF2-40B4-BE49-F238E27FC236}">
+                <a16:creationId xmlns:a16="http://schemas.microsoft.com/office/drawing/2014/main" id="{54D5732D-2834-EB41-9A93-372FC116AC7B}"/>
+              </a:ext>
+            </a:extLst>
+          </p:cNvPr>
+          <p:cNvSpPr/>
+          <p:nvPr/>
+        </p:nvSpPr>
+        <p:spPr>
+          <a:xfrm>
+            <a:off x="4369539" y="4345260"/>
+            <a:ext cx="1172246" cy="412742"/>
+          </a:xfrm>
+          <a:prstGeom prst="rect">
+            <a:avLst/>
+          </a:prstGeom>
+        </p:spPr>
+        <p:style>
+          <a:lnRef idx="0">
+            <a:schemeClr val="accent1"/>
+          </a:lnRef>
+          <a:fillRef idx="3">
+            <a:schemeClr val="accent1"/>
+          </a:fillRef>
+          <a:effectRef idx="3">
+            <a:schemeClr val="accent1"/>
+          </a:effectRef>
+          <a:fontRef idx="minor">
+            <a:schemeClr val="lt1"/>
+          </a:fontRef>
+        </p:style>
+        <p:txBody>
+          <a:bodyPr rtlCol="0" anchor="ctr"/>
+          <a:lstStyle/>
+          <a:p>
+            <a:pPr algn="ctr"/>
+            <a:r>
+              <a:rPr kumimoji="1" lang="en-US" altLang="ja-JP" dirty="0">
+                <a:latin typeface="Hiragino Maru Gothic Pro W4" panose="020F0400000000000000" pitchFamily="34" charset="-128"/>
+                <a:ea typeface="Hiragino Maru Gothic Pro W4" panose="020F0400000000000000" pitchFamily="34" charset="-128"/>
+              </a:rPr>
+              <a:t>TH9</a:t>
+            </a:r>
+            <a:endParaRPr kumimoji="1" lang="ja-JP" altLang="en-US">
+              <a:latin typeface="Hiragino Maru Gothic Pro W4" panose="020F0400000000000000" pitchFamily="34" charset="-128"/>
+              <a:ea typeface="Hiragino Maru Gothic Pro W4" panose="020F0400000000000000" pitchFamily="34" charset="-128"/>
+            </a:endParaRPr>
+          </a:p>
+        </p:txBody>
+      </p:sp>
+      <p:sp>
+        <p:nvSpPr>
+          <p:cNvPr id="55" name="正方形/長方形 54">
+            <a:extLst>
+              <a:ext uri="{FF2B5EF4-FFF2-40B4-BE49-F238E27FC236}">
+                <a16:creationId xmlns:a16="http://schemas.microsoft.com/office/drawing/2014/main" id="{3325889E-2B50-6C44-87B0-C568E1426F59}"/>
+              </a:ext>
+            </a:extLst>
+          </p:cNvPr>
+          <p:cNvSpPr/>
+          <p:nvPr/>
+        </p:nvSpPr>
+        <p:spPr>
+          <a:xfrm>
+            <a:off x="6634926" y="2363574"/>
+            <a:ext cx="1172246" cy="412742"/>
+          </a:xfrm>
+          <a:prstGeom prst="rect">
+            <a:avLst/>
+          </a:prstGeom>
+        </p:spPr>
+        <p:style>
+          <a:lnRef idx="0">
+            <a:schemeClr val="accent2"/>
+          </a:lnRef>
+          <a:fillRef idx="3">
+            <a:schemeClr val="accent2"/>
+          </a:fillRef>
+          <a:effectRef idx="3">
+            <a:schemeClr val="accent2"/>
+          </a:effectRef>
+          <a:fontRef idx="minor">
+            <a:schemeClr val="lt1"/>
+          </a:fontRef>
+        </p:style>
+        <p:txBody>
+          <a:bodyPr rtlCol="0" anchor="ctr"/>
+          <a:lstStyle/>
+          <a:p>
+            <a:pPr algn="ctr"/>
+            <a:r>
+              <a:rPr kumimoji="1" lang="en-US" altLang="ja-JP" dirty="0">
+                <a:latin typeface="Hiragino Maru Gothic Pro W4" panose="020F0400000000000000" pitchFamily="34" charset="-128"/>
+                <a:ea typeface="Hiragino Maru Gothic Pro W4" panose="020F0400000000000000" pitchFamily="34" charset="-128"/>
+              </a:rPr>
+              <a:t>TH13</a:t>
+            </a:r>
+            <a:endParaRPr kumimoji="1" lang="ja-JP" altLang="en-US">
+              <a:latin typeface="Hiragino Maru Gothic Pro W4" panose="020F0400000000000000" pitchFamily="34" charset="-128"/>
+              <a:ea typeface="Hiragino Maru Gothic Pro W4" panose="020F0400000000000000" pitchFamily="34" charset="-128"/>
+            </a:endParaRPr>
+          </a:p>
+        </p:txBody>
+      </p:sp>
+      <p:sp>
+        <p:nvSpPr>
+          <p:cNvPr id="67" name="正方形/長方形 66">
+            <a:extLst>
+              <a:ext uri="{FF2B5EF4-FFF2-40B4-BE49-F238E27FC236}">
+                <a16:creationId xmlns:a16="http://schemas.microsoft.com/office/drawing/2014/main" id="{44923B27-A48E-B547-B2FE-CFDA9EDD87C6}"/>
+              </a:ext>
+            </a:extLst>
+          </p:cNvPr>
+          <p:cNvSpPr/>
+          <p:nvPr/>
+        </p:nvSpPr>
+        <p:spPr>
+          <a:xfrm>
+            <a:off x="6634925" y="2860513"/>
+            <a:ext cx="1172246" cy="412742"/>
+          </a:xfrm>
+          <a:prstGeom prst="rect">
+            <a:avLst/>
+          </a:prstGeom>
+        </p:spPr>
+        <p:style>
+          <a:lnRef idx="0">
+            <a:schemeClr val="accent2"/>
+          </a:lnRef>
+          <a:fillRef idx="3">
+            <a:schemeClr val="accent2"/>
+          </a:fillRef>
+          <a:effectRef idx="3">
+            <a:schemeClr val="accent2"/>
+          </a:effectRef>
+          <a:fontRef idx="minor">
+            <a:schemeClr val="lt1"/>
+          </a:fontRef>
+        </p:style>
+        <p:txBody>
+          <a:bodyPr rtlCol="0" anchor="ctr"/>
+          <a:lstStyle/>
+          <a:p>
+            <a:pPr algn="ctr"/>
+            <a:r>
+              <a:rPr kumimoji="1" lang="en-US" altLang="ja-JP" dirty="0">
+                <a:latin typeface="Hiragino Maru Gothic Pro W4" panose="020F0400000000000000" pitchFamily="34" charset="-128"/>
+                <a:ea typeface="Hiragino Maru Gothic Pro W4" panose="020F0400000000000000" pitchFamily="34" charset="-128"/>
+              </a:rPr>
+              <a:t>TH12</a:t>
+            </a:r>
+            <a:endParaRPr kumimoji="1" lang="ja-JP" altLang="en-US">
+              <a:latin typeface="Hiragino Maru Gothic Pro W4" panose="020F0400000000000000" pitchFamily="34" charset="-128"/>
+              <a:ea typeface="Hiragino Maru Gothic Pro W4" panose="020F0400000000000000" pitchFamily="34" charset="-128"/>
+            </a:endParaRPr>
+          </a:p>
+        </p:txBody>
+      </p:sp>
+      <p:sp>
+        <p:nvSpPr>
+          <p:cNvPr id="69" name="正方形/長方形 68">
+            <a:extLst>
+              <a:ext uri="{FF2B5EF4-FFF2-40B4-BE49-F238E27FC236}">
+                <a16:creationId xmlns:a16="http://schemas.microsoft.com/office/drawing/2014/main" id="{F9588568-7A9A-E047-BC06-B095F48BF6E9}"/>
+              </a:ext>
+            </a:extLst>
+          </p:cNvPr>
+          <p:cNvSpPr/>
+          <p:nvPr/>
+        </p:nvSpPr>
+        <p:spPr>
+          <a:xfrm>
+            <a:off x="6634924" y="3357452"/>
+            <a:ext cx="1172246" cy="412742"/>
+          </a:xfrm>
+          <a:prstGeom prst="rect">
+            <a:avLst/>
+          </a:prstGeom>
+        </p:spPr>
+        <p:style>
+          <a:lnRef idx="0">
+            <a:schemeClr val="accent2"/>
+          </a:lnRef>
+          <a:fillRef idx="3">
+            <a:schemeClr val="accent2"/>
+          </a:fillRef>
+          <a:effectRef idx="3">
+            <a:schemeClr val="accent2"/>
+          </a:effectRef>
+          <a:fontRef idx="minor">
+            <a:schemeClr val="lt1"/>
+          </a:fontRef>
+        </p:style>
+        <p:txBody>
+          <a:bodyPr rtlCol="0" anchor="ctr"/>
+          <a:lstStyle/>
+          <a:p>
+            <a:pPr algn="ctr"/>
+            <a:r>
+              <a:rPr kumimoji="1" lang="en-US" altLang="ja-JP" dirty="0">
+                <a:latin typeface="Hiragino Maru Gothic Pro W4" panose="020F0400000000000000" pitchFamily="34" charset="-128"/>
+                <a:ea typeface="Hiragino Maru Gothic Pro W4" panose="020F0400000000000000" pitchFamily="34" charset="-128"/>
+              </a:rPr>
+              <a:t>TH11</a:t>
+            </a:r>
+            <a:endParaRPr kumimoji="1" lang="ja-JP" altLang="en-US">
+              <a:latin typeface="Hiragino Maru Gothic Pro W4" panose="020F0400000000000000" pitchFamily="34" charset="-128"/>
+              <a:ea typeface="Hiragino Maru Gothic Pro W4" panose="020F0400000000000000" pitchFamily="34" charset="-128"/>
+            </a:endParaRPr>
+          </a:p>
+        </p:txBody>
+      </p:sp>
+      <p:sp>
+        <p:nvSpPr>
+          <p:cNvPr id="73" name="正方形/長方形 72">
+            <a:extLst>
+              <a:ext uri="{FF2B5EF4-FFF2-40B4-BE49-F238E27FC236}">
+                <a16:creationId xmlns:a16="http://schemas.microsoft.com/office/drawing/2014/main" id="{3B51506C-416D-444C-9360-356AC8223AB6}"/>
+              </a:ext>
+            </a:extLst>
+          </p:cNvPr>
+          <p:cNvSpPr/>
+          <p:nvPr/>
+        </p:nvSpPr>
+        <p:spPr>
+          <a:xfrm>
+            <a:off x="6634924" y="3851356"/>
+            <a:ext cx="1172246" cy="412742"/>
+          </a:xfrm>
+          <a:prstGeom prst="rect">
+            <a:avLst/>
+          </a:prstGeom>
+        </p:spPr>
+        <p:style>
+          <a:lnRef idx="0">
+            <a:schemeClr val="accent2"/>
+          </a:lnRef>
+          <a:fillRef idx="3">
+            <a:schemeClr val="accent2"/>
+          </a:fillRef>
+          <a:effectRef idx="3">
+            <a:schemeClr val="accent2"/>
+          </a:effectRef>
+          <a:fontRef idx="minor">
+            <a:schemeClr val="lt1"/>
+          </a:fontRef>
+        </p:style>
+        <p:txBody>
+          <a:bodyPr rtlCol="0" anchor="ctr"/>
+          <a:lstStyle/>
+          <a:p>
+            <a:pPr algn="ctr"/>
+            <a:r>
+              <a:rPr kumimoji="1" lang="en-US" altLang="ja-JP" dirty="0">
+                <a:latin typeface="Hiragino Maru Gothic Pro W4" panose="020F0400000000000000" pitchFamily="34" charset="-128"/>
+                <a:ea typeface="Hiragino Maru Gothic Pro W4" panose="020F0400000000000000" pitchFamily="34" charset="-128"/>
+              </a:rPr>
+              <a:t>TH10</a:t>
+            </a:r>
+            <a:endParaRPr kumimoji="1" lang="ja-JP" altLang="en-US">
+              <a:latin typeface="Hiragino Maru Gothic Pro W4" panose="020F0400000000000000" pitchFamily="34" charset="-128"/>
+              <a:ea typeface="Hiragino Maru Gothic Pro W4" panose="020F0400000000000000" pitchFamily="34" charset="-128"/>
+            </a:endParaRPr>
+          </a:p>
+        </p:txBody>
+      </p:sp>
+      <p:sp>
+        <p:nvSpPr>
+          <p:cNvPr id="74" name="正方形/長方形 73">
+            <a:extLst>
+              <a:ext uri="{FF2B5EF4-FFF2-40B4-BE49-F238E27FC236}">
+                <a16:creationId xmlns:a16="http://schemas.microsoft.com/office/drawing/2014/main" id="{503CB3D6-42E8-214A-994A-60B9070F2B9B}"/>
+              </a:ext>
+            </a:extLst>
+          </p:cNvPr>
+          <p:cNvSpPr/>
+          <p:nvPr/>
+        </p:nvSpPr>
+        <p:spPr>
+          <a:xfrm>
+            <a:off x="6634924" y="4345260"/>
+            <a:ext cx="1172246" cy="412742"/>
+          </a:xfrm>
+          <a:prstGeom prst="rect">
+            <a:avLst/>
+          </a:prstGeom>
+        </p:spPr>
+        <p:style>
+          <a:lnRef idx="0">
+            <a:schemeClr val="accent2"/>
+          </a:lnRef>
+          <a:fillRef idx="3">
+            <a:schemeClr val="accent2"/>
+          </a:fillRef>
+          <a:effectRef idx="3">
+            <a:schemeClr val="accent2"/>
+          </a:effectRef>
+          <a:fontRef idx="minor">
+            <a:schemeClr val="lt1"/>
+          </a:fontRef>
+        </p:style>
+        <p:txBody>
+          <a:bodyPr rtlCol="0" anchor="ctr"/>
+          <a:lstStyle/>
+          <a:p>
+            <a:pPr algn="ctr"/>
+            <a:r>
+              <a:rPr kumimoji="1" lang="en-US" altLang="ja-JP" dirty="0">
+                <a:latin typeface="Hiragino Maru Gothic Pro W4" panose="020F0400000000000000" pitchFamily="34" charset="-128"/>
+                <a:ea typeface="Hiragino Maru Gothic Pro W4" panose="020F0400000000000000" pitchFamily="34" charset="-128"/>
+              </a:rPr>
+              <a:t>TH9</a:t>
+            </a:r>
+            <a:endParaRPr kumimoji="1" lang="ja-JP" altLang="en-US">
+              <a:latin typeface="Hiragino Maru Gothic Pro W4" panose="020F0400000000000000" pitchFamily="34" charset="-128"/>
+              <a:ea typeface="Hiragino Maru Gothic Pro W4" panose="020F0400000000000000" pitchFamily="34" charset="-128"/>
+            </a:endParaRPr>
+          </a:p>
+        </p:txBody>
+      </p:sp>
+      <p:sp>
+        <p:nvSpPr>
+          <p:cNvPr id="76" name="右矢印 75">
+            <a:extLst>
+              <a:ext uri="{FF2B5EF4-FFF2-40B4-BE49-F238E27FC236}">
+                <a16:creationId xmlns:a16="http://schemas.microsoft.com/office/drawing/2014/main" id="{27069C53-B316-DB4F-9891-526E89B75507}"/>
+              </a:ext>
+            </a:extLst>
+          </p:cNvPr>
+          <p:cNvSpPr/>
+          <p:nvPr/>
+        </p:nvSpPr>
+        <p:spPr>
+          <a:xfrm>
+            <a:off x="5619301" y="4353420"/>
+            <a:ext cx="990832" cy="400218"/>
+          </a:xfrm>
+          <a:prstGeom prst="rightArrow">
+            <a:avLst/>
+          </a:prstGeom>
+        </p:spPr>
+        <p:style>
+          <a:lnRef idx="3">
+            <a:schemeClr val="lt1"/>
+          </a:lnRef>
+          <a:fillRef idx="1">
+            <a:schemeClr val="accent6"/>
+          </a:fillRef>
+          <a:effectRef idx="1">
+            <a:schemeClr val="accent6"/>
+          </a:effectRef>
+          <a:fontRef idx="minor">
+            <a:schemeClr val="lt1"/>
+          </a:fontRef>
+        </p:style>
+        <p:txBody>
+          <a:bodyPr rtlCol="0" anchor="ctr"/>
+          <a:lstStyle/>
+          <a:p>
+            <a:pPr algn="ctr"/>
+            <a:endParaRPr kumimoji="1" lang="ja-JP" altLang="en-US"/>
+          </a:p>
+        </p:txBody>
+      </p:sp>
+      <p:sp>
+        <p:nvSpPr>
+          <p:cNvPr id="79" name="右矢印 78">
+            <a:extLst>
+              <a:ext uri="{FF2B5EF4-FFF2-40B4-BE49-F238E27FC236}">
+                <a16:creationId xmlns:a16="http://schemas.microsoft.com/office/drawing/2014/main" id="{7112AB73-CE7F-F94B-8030-ABB193AECED5}"/>
+              </a:ext>
+            </a:extLst>
+          </p:cNvPr>
+          <p:cNvSpPr/>
+          <p:nvPr/>
+        </p:nvSpPr>
+        <p:spPr>
+          <a:xfrm>
+            <a:off x="5619301" y="3866513"/>
+            <a:ext cx="990832" cy="400218"/>
+          </a:xfrm>
+          <a:prstGeom prst="rightArrow">
+            <a:avLst/>
+          </a:prstGeom>
+        </p:spPr>
+        <p:style>
+          <a:lnRef idx="3">
+            <a:schemeClr val="lt1"/>
+          </a:lnRef>
+          <a:fillRef idx="1">
+            <a:schemeClr val="accent6"/>
+          </a:fillRef>
+          <a:effectRef idx="1">
+            <a:schemeClr val="accent6"/>
+          </a:effectRef>
+          <a:fontRef idx="minor">
+            <a:schemeClr val="lt1"/>
+          </a:fontRef>
+        </p:style>
+        <p:txBody>
+          <a:bodyPr rtlCol="0" anchor="ctr"/>
+          <a:lstStyle/>
+          <a:p>
+            <a:pPr algn="ctr"/>
+            <a:endParaRPr kumimoji="1" lang="ja-JP" altLang="en-US"/>
+          </a:p>
+        </p:txBody>
+      </p:sp>
+      <p:sp>
+        <p:nvSpPr>
+          <p:cNvPr id="80" name="右矢印 79">
+            <a:extLst>
+              <a:ext uri="{FF2B5EF4-FFF2-40B4-BE49-F238E27FC236}">
+                <a16:creationId xmlns:a16="http://schemas.microsoft.com/office/drawing/2014/main" id="{BFF26306-4D34-AB4D-A8DE-4D5B896F4CCA}"/>
+              </a:ext>
+            </a:extLst>
+          </p:cNvPr>
+          <p:cNvSpPr/>
+          <p:nvPr/>
+        </p:nvSpPr>
+        <p:spPr>
+          <a:xfrm>
+            <a:off x="5609286" y="3378302"/>
+            <a:ext cx="990832" cy="400218"/>
+          </a:xfrm>
+          <a:prstGeom prst="rightArrow">
+            <a:avLst/>
+          </a:prstGeom>
+        </p:spPr>
+        <p:style>
+          <a:lnRef idx="3">
+            <a:schemeClr val="lt1"/>
+          </a:lnRef>
+          <a:fillRef idx="1">
+            <a:schemeClr val="accent6"/>
+          </a:fillRef>
+          <a:effectRef idx="1">
+            <a:schemeClr val="accent6"/>
+          </a:effectRef>
+          <a:fontRef idx="minor">
+            <a:schemeClr val="lt1"/>
+          </a:fontRef>
+        </p:style>
+        <p:txBody>
+          <a:bodyPr rtlCol="0" anchor="ctr"/>
+          <a:lstStyle/>
+          <a:p>
+            <a:pPr algn="ctr"/>
+            <a:endParaRPr kumimoji="1" lang="ja-JP" altLang="en-US"/>
+          </a:p>
+        </p:txBody>
+      </p:sp>
+      <p:sp>
+        <p:nvSpPr>
+          <p:cNvPr id="83" name="右矢印 82">
+            <a:extLst>
+              <a:ext uri="{FF2B5EF4-FFF2-40B4-BE49-F238E27FC236}">
+                <a16:creationId xmlns:a16="http://schemas.microsoft.com/office/drawing/2014/main" id="{3115B01B-8F16-D84B-BBED-498033CA5166}"/>
+              </a:ext>
+            </a:extLst>
+          </p:cNvPr>
+          <p:cNvSpPr/>
+          <p:nvPr/>
+        </p:nvSpPr>
+        <p:spPr>
+          <a:xfrm rot="1858174">
+            <a:off x="5587994" y="2691960"/>
+            <a:ext cx="1096193" cy="400218"/>
+          </a:xfrm>
+          <a:prstGeom prst="rightArrow">
+            <a:avLst/>
+          </a:prstGeom>
+        </p:spPr>
+        <p:style>
+          <a:lnRef idx="3">
+            <a:schemeClr val="lt1"/>
+          </a:lnRef>
+          <a:fillRef idx="1">
+            <a:schemeClr val="accent6"/>
+          </a:fillRef>
+          <a:effectRef idx="1">
+            <a:schemeClr val="accent6"/>
+          </a:effectRef>
+          <a:fontRef idx="minor">
+            <a:schemeClr val="lt1"/>
+          </a:fontRef>
+        </p:style>
+        <p:txBody>
+          <a:bodyPr rtlCol="0" anchor="ctr"/>
+          <a:lstStyle/>
+          <a:p>
+            <a:pPr algn="ctr"/>
+            <a:endParaRPr kumimoji="1" lang="ja-JP" altLang="en-US" sz="1600">
+              <a:latin typeface="Hiragino Maru Gothic Pro W4" panose="020F0400000000000000" pitchFamily="34" charset="-128"/>
+              <a:ea typeface="Hiragino Maru Gothic Pro W4" panose="020F0400000000000000" pitchFamily="34" charset="-128"/>
+            </a:endParaRPr>
+          </a:p>
+        </p:txBody>
+      </p:sp>
+      <p:sp>
+        <p:nvSpPr>
+          <p:cNvPr id="84" name="右矢印 83">
+            <a:extLst>
+              <a:ext uri="{FF2B5EF4-FFF2-40B4-BE49-F238E27FC236}">
+                <a16:creationId xmlns:a16="http://schemas.microsoft.com/office/drawing/2014/main" id="{2D7E63E7-77DD-564B-BFEC-E987271293CA}"/>
+              </a:ext>
+            </a:extLst>
+          </p:cNvPr>
+          <p:cNvSpPr/>
+          <p:nvPr/>
+        </p:nvSpPr>
+        <p:spPr>
+          <a:xfrm rot="19920483">
+            <a:off x="5566581" y="2672285"/>
+            <a:ext cx="1096193" cy="400218"/>
+          </a:xfrm>
+          <a:prstGeom prst="rightArrow">
+            <a:avLst/>
+          </a:prstGeom>
+        </p:spPr>
+        <p:style>
+          <a:lnRef idx="3">
+            <a:schemeClr val="lt1"/>
+          </a:lnRef>
+          <a:fillRef idx="1">
+            <a:schemeClr val="accent6"/>
+          </a:fillRef>
+          <a:effectRef idx="1">
+            <a:schemeClr val="accent6"/>
+          </a:effectRef>
+          <a:fontRef idx="minor">
+            <a:schemeClr val="lt1"/>
+          </a:fontRef>
+        </p:style>
+        <p:txBody>
+          <a:bodyPr rtlCol="0" anchor="ctr"/>
+          <a:lstStyle/>
+          <a:p>
+            <a:pPr algn="ctr"/>
+            <a:r>
+              <a:rPr lang="ja-JP" altLang="en-US" sz="1200">
+                <a:latin typeface="Hiragino Maru Gothic Pro W4" panose="020F0400000000000000" pitchFamily="34" charset="-128"/>
+                <a:ea typeface="Hiragino Maru Gothic Pro W4" panose="020F0400000000000000" pitchFamily="34" charset="-128"/>
+              </a:rPr>
+              <a:t>星</a:t>
+            </a:r>
+            <a:r>
+              <a:rPr lang="en-US" altLang="ja-JP" sz="1200" dirty="0">
+                <a:latin typeface="Hiragino Maru Gothic Pro W4" panose="020F0400000000000000" pitchFamily="34" charset="-128"/>
+                <a:ea typeface="Hiragino Maru Gothic Pro W4" panose="020F0400000000000000" pitchFamily="34" charset="-128"/>
+              </a:rPr>
+              <a:t>2</a:t>
+            </a:r>
+            <a:r>
+              <a:rPr lang="ja-JP" altLang="en-US" sz="1200">
+                <a:latin typeface="Hiragino Maru Gothic Pro W4" panose="020F0400000000000000" pitchFamily="34" charset="-128"/>
+                <a:ea typeface="Hiragino Maru Gothic Pro W4" panose="020F0400000000000000" pitchFamily="34" charset="-128"/>
+              </a:rPr>
+              <a:t>狙い</a:t>
+            </a:r>
+          </a:p>
+        </p:txBody>
+      </p:sp>
+      <p:sp>
+        <p:nvSpPr>
+          <p:cNvPr id="11" name="テキスト ボックス 10">
+            <a:extLst>
+              <a:ext uri="{FF2B5EF4-FFF2-40B4-BE49-F238E27FC236}">
+                <a16:creationId xmlns:a16="http://schemas.microsoft.com/office/drawing/2014/main" id="{D1BFCA9D-9169-A243-8F4E-3BD34812B41E}"/>
+              </a:ext>
+            </a:extLst>
+          </p:cNvPr>
+          <p:cNvSpPr txBox="1"/>
+          <p:nvPr/>
+        </p:nvSpPr>
+        <p:spPr>
+          <a:xfrm>
+            <a:off x="571211" y="1889304"/>
+            <a:ext cx="3437630" cy="400110"/>
+          </a:xfrm>
+          <a:prstGeom prst="rect">
+            <a:avLst/>
+          </a:prstGeom>
+          <a:noFill/>
+        </p:spPr>
+        <p:txBody>
+          <a:bodyPr wrap="square" rtlCol="0">
+            <a:spAutoFit/>
+          </a:bodyPr>
+          <a:lstStyle/>
+          <a:p>
+            <a:pPr algn="ctr"/>
+            <a:r>
+              <a:rPr lang="en-US" altLang="ja-JP" sz="2000" dirty="0">
+                <a:solidFill>
+                  <a:schemeClr val="accent5">
+                    <a:lumMod val="50000"/>
+                  </a:schemeClr>
+                </a:solidFill>
+                <a:latin typeface="Hiragino Maru Gothic Pro W4" panose="020F0400000000000000" pitchFamily="34" charset="-128"/>
+                <a:ea typeface="Hiragino Maru Gothic Pro W4" panose="020F0400000000000000" pitchFamily="34" charset="-128"/>
+              </a:rPr>
+              <a:t>〜</a:t>
+            </a:r>
+            <a:r>
+              <a:rPr lang="ja-JP" altLang="en-US" sz="2000">
+                <a:solidFill>
+                  <a:schemeClr val="accent5">
+                    <a:lumMod val="50000"/>
+                  </a:schemeClr>
+                </a:solidFill>
+                <a:latin typeface="Hiragino Maru Gothic Pro W4" panose="020F0400000000000000" pitchFamily="34" charset="-128"/>
+                <a:ea typeface="Hiragino Maru Gothic Pro W4" panose="020F0400000000000000" pitchFamily="34" charset="-128"/>
+              </a:rPr>
+              <a:t>安定型</a:t>
+            </a:r>
+            <a:r>
+              <a:rPr lang="en-US" altLang="ja-JP" sz="2000" dirty="0">
+                <a:solidFill>
+                  <a:schemeClr val="accent5">
+                    <a:lumMod val="50000"/>
+                  </a:schemeClr>
+                </a:solidFill>
+                <a:latin typeface="Hiragino Maru Gothic Pro W4" panose="020F0400000000000000" pitchFamily="34" charset="-128"/>
+                <a:ea typeface="Hiragino Maru Gothic Pro W4" panose="020F0400000000000000" pitchFamily="34" charset="-128"/>
+              </a:rPr>
+              <a:t>〜</a:t>
+            </a:r>
+            <a:endParaRPr kumimoji="1" lang="ja-JP" altLang="en-US" sz="2000">
+              <a:solidFill>
+                <a:schemeClr val="accent5">
+                  <a:lumMod val="50000"/>
+                </a:schemeClr>
+              </a:solidFill>
+              <a:latin typeface="Hiragino Maru Gothic Pro W4" panose="020F0400000000000000" pitchFamily="34" charset="-128"/>
+              <a:ea typeface="Hiragino Maru Gothic Pro W4" panose="020F0400000000000000" pitchFamily="34" charset="-128"/>
+            </a:endParaRPr>
+          </a:p>
+        </p:txBody>
+      </p:sp>
+      <p:sp>
+        <p:nvSpPr>
+          <p:cNvPr id="85" name="テキスト ボックス 84">
+            <a:extLst>
+              <a:ext uri="{FF2B5EF4-FFF2-40B4-BE49-F238E27FC236}">
+                <a16:creationId xmlns:a16="http://schemas.microsoft.com/office/drawing/2014/main" id="{5F416AA6-6313-1A45-A7C2-EFBE3A86E979}"/>
+              </a:ext>
+            </a:extLst>
+          </p:cNvPr>
+          <p:cNvSpPr txBox="1"/>
+          <p:nvPr/>
+        </p:nvSpPr>
+        <p:spPr>
+          <a:xfrm>
+            <a:off x="4287775" y="1892560"/>
+            <a:ext cx="3537323" cy="400110"/>
+          </a:xfrm>
+          <a:prstGeom prst="rect">
+            <a:avLst/>
+          </a:prstGeom>
+          <a:noFill/>
+        </p:spPr>
+        <p:txBody>
+          <a:bodyPr wrap="square" rtlCol="0">
+            <a:spAutoFit/>
+          </a:bodyPr>
+          <a:lstStyle/>
+          <a:p>
+            <a:pPr algn="ctr"/>
+            <a:r>
+              <a:rPr lang="en-US" altLang="ja-JP" sz="2000" dirty="0">
+                <a:solidFill>
+                  <a:schemeClr val="accent5">
+                    <a:lumMod val="50000"/>
+                  </a:schemeClr>
+                </a:solidFill>
+                <a:latin typeface="Hiragino Maru Gothic Pro W4" panose="020F0400000000000000" pitchFamily="34" charset="-128"/>
+                <a:ea typeface="Hiragino Maru Gothic Pro W4" panose="020F0400000000000000" pitchFamily="34" charset="-128"/>
+              </a:rPr>
+              <a:t>〜 TH9,10,11</a:t>
+            </a:r>
+            <a:r>
+              <a:rPr lang="ja-JP" altLang="en-US" sz="2000">
+                <a:solidFill>
+                  <a:schemeClr val="accent5">
+                    <a:lumMod val="50000"/>
+                  </a:schemeClr>
+                </a:solidFill>
+                <a:latin typeface="Hiragino Maru Gothic Pro W4" panose="020F0400000000000000" pitchFamily="34" charset="-128"/>
+                <a:ea typeface="Hiragino Maru Gothic Pro W4" panose="020F0400000000000000" pitchFamily="34" charset="-128"/>
+              </a:rPr>
+              <a:t>を信じる型</a:t>
+            </a:r>
+            <a:r>
+              <a:rPr lang="en-US" altLang="ja-JP" sz="2000" dirty="0">
+                <a:solidFill>
+                  <a:schemeClr val="accent5">
+                    <a:lumMod val="50000"/>
+                  </a:schemeClr>
+                </a:solidFill>
+                <a:latin typeface="Hiragino Maru Gothic Pro W4" panose="020F0400000000000000" pitchFamily="34" charset="-128"/>
+                <a:ea typeface="Hiragino Maru Gothic Pro W4" panose="020F0400000000000000" pitchFamily="34" charset="-128"/>
+              </a:rPr>
+              <a:t>〜</a:t>
+            </a:r>
+            <a:endParaRPr kumimoji="1" lang="ja-JP" altLang="en-US" sz="2000">
+              <a:solidFill>
+                <a:schemeClr val="accent5">
+                  <a:lumMod val="50000"/>
+                </a:schemeClr>
+              </a:solidFill>
+              <a:latin typeface="Hiragino Maru Gothic Pro W4" panose="020F0400000000000000" pitchFamily="34" charset="-128"/>
+              <a:ea typeface="Hiragino Maru Gothic Pro W4" panose="020F0400000000000000" pitchFamily="34" charset="-128"/>
+            </a:endParaRPr>
+          </a:p>
+        </p:txBody>
+      </p:sp>
+      <p:sp>
+        <p:nvSpPr>
+          <p:cNvPr id="86" name="テキスト ボックス 85">
+            <a:extLst>
+              <a:ext uri="{FF2B5EF4-FFF2-40B4-BE49-F238E27FC236}">
+                <a16:creationId xmlns:a16="http://schemas.microsoft.com/office/drawing/2014/main" id="{3B888D3B-BF6C-6D49-B835-3738A355883D}"/>
+              </a:ext>
+            </a:extLst>
+          </p:cNvPr>
+          <p:cNvSpPr txBox="1"/>
+          <p:nvPr/>
+        </p:nvSpPr>
+        <p:spPr>
+          <a:xfrm>
+            <a:off x="8145864" y="1894977"/>
+            <a:ext cx="3437630" cy="400110"/>
+          </a:xfrm>
+          <a:prstGeom prst="rect">
+            <a:avLst/>
+          </a:prstGeom>
+          <a:noFill/>
+        </p:spPr>
+        <p:txBody>
+          <a:bodyPr wrap="square" rtlCol="0">
+            <a:spAutoFit/>
+          </a:bodyPr>
+          <a:lstStyle/>
+          <a:p>
+            <a:pPr algn="ctr"/>
+            <a:r>
+              <a:rPr lang="en-US" altLang="ja-JP" sz="2000" dirty="0">
+                <a:solidFill>
+                  <a:schemeClr val="accent5">
+                    <a:lumMod val="50000"/>
+                  </a:schemeClr>
+                </a:solidFill>
+                <a:latin typeface="Hiragino Maru Gothic Pro W4" panose="020F0400000000000000" pitchFamily="34" charset="-128"/>
+                <a:ea typeface="Hiragino Maru Gothic Pro W4" panose="020F0400000000000000" pitchFamily="34" charset="-128"/>
+              </a:rPr>
+              <a:t>〜</a:t>
+            </a:r>
+            <a:r>
+              <a:rPr lang="ja-JP" altLang="en-US" sz="2000">
+                <a:solidFill>
+                  <a:schemeClr val="accent5">
+                    <a:lumMod val="50000"/>
+                  </a:schemeClr>
+                </a:solidFill>
+                <a:latin typeface="Hiragino Maru Gothic Pro W4" panose="020F0400000000000000" pitchFamily="34" charset="-128"/>
+                <a:ea typeface="Hiragino Maru Gothic Pro W4" panose="020F0400000000000000" pitchFamily="34" charset="-128"/>
+              </a:rPr>
+              <a:t>下剋上型</a:t>
+            </a:r>
+            <a:r>
+              <a:rPr lang="en-US" altLang="ja-JP" sz="2000" dirty="0">
+                <a:solidFill>
+                  <a:schemeClr val="accent5">
+                    <a:lumMod val="50000"/>
+                  </a:schemeClr>
+                </a:solidFill>
+                <a:latin typeface="Hiragino Maru Gothic Pro W4" panose="020F0400000000000000" pitchFamily="34" charset="-128"/>
+                <a:ea typeface="Hiragino Maru Gothic Pro W4" panose="020F0400000000000000" pitchFamily="34" charset="-128"/>
+              </a:rPr>
+              <a:t>〜</a:t>
+            </a:r>
+            <a:endParaRPr kumimoji="1" lang="ja-JP" altLang="en-US" sz="2000">
+              <a:solidFill>
+                <a:schemeClr val="accent5">
+                  <a:lumMod val="50000"/>
+                </a:schemeClr>
+              </a:solidFill>
+              <a:latin typeface="Hiragino Maru Gothic Pro W4" panose="020F0400000000000000" pitchFamily="34" charset="-128"/>
+              <a:ea typeface="Hiragino Maru Gothic Pro W4" panose="020F0400000000000000" pitchFamily="34" charset="-128"/>
+            </a:endParaRPr>
           </a:p>
         </p:txBody>
       </p:sp>
